--- a/CSharpCorner/gRPC_ASP.Net_EF3.x_Angular9_13Jun2020/Documentation/gRPC_Service_Efficient_MicroService.pptx
+++ b/CSharpCorner/gRPC_ASP.Net_EF3.x_Angular9_13Jun2020/Documentation/gRPC_Service_Efficient_MicroService.pptx
@@ -5,7 +5,7 @@
     <p:sldMasterId id="2147483648" r:id="rId1"/>
   </p:sldMasterIdLst>
   <p:notesMasterIdLst>
-    <p:notesMasterId r:id="rId15"/>
+    <p:notesMasterId r:id="rId20"/>
   </p:notesMasterIdLst>
   <p:sldIdLst>
     <p:sldId id="256" r:id="rId2"/>
@@ -13,14 +13,19 @@
     <p:sldId id="290" r:id="rId4"/>
     <p:sldId id="260" r:id="rId5"/>
     <p:sldId id="296" r:id="rId6"/>
-    <p:sldId id="309" r:id="rId7"/>
-    <p:sldId id="311" r:id="rId8"/>
-    <p:sldId id="299" r:id="rId9"/>
-    <p:sldId id="300" r:id="rId10"/>
-    <p:sldId id="312" r:id="rId11"/>
-    <p:sldId id="259" r:id="rId12"/>
-    <p:sldId id="292" r:id="rId13"/>
-    <p:sldId id="258" r:id="rId14"/>
+    <p:sldId id="313" r:id="rId7"/>
+    <p:sldId id="314" r:id="rId8"/>
+    <p:sldId id="315" r:id="rId9"/>
+    <p:sldId id="316" r:id="rId10"/>
+    <p:sldId id="317" r:id="rId11"/>
+    <p:sldId id="299" r:id="rId12"/>
+    <p:sldId id="300" r:id="rId13"/>
+    <p:sldId id="318" r:id="rId14"/>
+    <p:sldId id="320" r:id="rId15"/>
+    <p:sldId id="319" r:id="rId16"/>
+    <p:sldId id="259" r:id="rId17"/>
+    <p:sldId id="292" r:id="rId18"/>
+    <p:sldId id="258" r:id="rId19"/>
   </p:sldIdLst>
   <p:sldSz cx="12192000" cy="6858000"/>
   <p:notesSz cx="6858000" cy="9144000"/>
@@ -129,7 +134,7 @@
 
 <file path=ppt/commentAuthors.xml><?xml version="1.0" encoding="utf-8"?>
 <p:cmAuthorLst xmlns:a="http://schemas.openxmlformats.org/drawingml/2006/main" xmlns:r="http://schemas.openxmlformats.org/officeDocument/2006/relationships" xmlns:p="http://schemas.openxmlformats.org/presentationml/2006/main">
-  <p:cmAuthor id="1" name="Viswanatha-Swamy, PK" initials="VP" lastIdx="1" clrIdx="0">
+  <p:cmAuthor id="1" name="Viswanatha-Swamy, PK" initials="VP" lastIdx="2" clrIdx="0">
     <p:extLst>
       <p:ext uri="{19B8F6BF-5375-455C-9EA6-DF929625EA0E}">
         <p15:presenceInfo xmlns:p15="http://schemas.microsoft.com/office/powerpoint/2012/main" userId="S::PK.Viswanatha-Swamy@appliedis.com::be38c112-e525-4f1f-8d24-6a2555e7be90" providerId="AD"/>
@@ -3862,7 +3867,7 @@
                 <a:latin typeface="Verdana" panose="020B0604030504040204" pitchFamily="34" charset="0"/>
                 <a:ea typeface="Verdana" panose="020B0604030504040204" pitchFamily="34" charset="0"/>
               </a:rPr>
-              <a:t>12-Jun-2020</a:t>
+              <a:t>13-Jun-2020</a:t>
             </a:r>
           </a:p>
         </p:txBody>
@@ -4324,14 +4329,35 @@
                 <a:latin typeface="Verdana" panose="020B0604030504040204" pitchFamily="34" charset="0"/>
                 <a:ea typeface="Verdana" panose="020B0604030504040204" pitchFamily="34" charset="0"/>
               </a:rPr>
-              <a:t>Adding gRPC Logging </a:t>
-            </a:r>
-            <a:r>
-              <a:rPr lang="en-US" b="1">
-                <a:latin typeface="Verdana" panose="020B0604030504040204" pitchFamily="34" charset="0"/>
-                <a:ea typeface="Verdana" panose="020B0604030504040204" pitchFamily="34" charset="0"/>
-              </a:rPr>
-              <a:t>inside Client</a:t>
+              <a:t>Implement gRPC Service for </a:t>
+            </a:r>
+            <a:r>
+              <a:rPr lang="en-US" b="1" dirty="0" err="1">
+                <a:latin typeface="Verdana" panose="020B0604030504040204" pitchFamily="34" charset="0"/>
+                <a:ea typeface="Verdana" panose="020B0604030504040204" pitchFamily="34" charset="0"/>
+              </a:rPr>
+              <a:t>GetById</a:t>
+            </a:r>
+            <a:r>
+              <a:rPr lang="en-US" b="1" dirty="0">
+                <a:latin typeface="Verdana" panose="020B0604030504040204" pitchFamily="34" charset="0"/>
+                <a:ea typeface="Verdana" panose="020B0604030504040204" pitchFamily="34" charset="0"/>
+              </a:rPr>
+              <a:t>() and </a:t>
+            </a:r>
+            <a:r>
+              <a:rPr lang="en-US" b="1" dirty="0" err="1">
+                <a:latin typeface="Verdana" panose="020B0604030504040204" pitchFamily="34" charset="0"/>
+                <a:ea typeface="Verdana" panose="020B0604030504040204" pitchFamily="34" charset="0"/>
+              </a:rPr>
+              <a:t>GetAll</a:t>
+            </a:r>
+            <a:r>
+              <a:rPr lang="en-US" b="1" dirty="0">
+                <a:latin typeface="Verdana" panose="020B0604030504040204" pitchFamily="34" charset="0"/>
+                <a:ea typeface="Verdana" panose="020B0604030504040204" pitchFamily="34" charset="0"/>
+              </a:rPr>
+              <a:t>()</a:t>
             </a:r>
             <a:endParaRPr lang="en-IN" b="1" dirty="0">
               <a:latin typeface="Verdana" panose="020B0604030504040204" pitchFamily="34" charset="0"/>
@@ -4426,7 +4452,7 @@
                 <a:latin typeface="Verdana" panose="020B0604030504040204" pitchFamily="34" charset="0"/>
                 <a:ea typeface="Verdana" panose="020B0604030504040204" pitchFamily="34" charset="0"/>
               </a:rPr>
-              <a:t>12-Jun-2020</a:t>
+              <a:t>13-Jun-2020</a:t>
             </a:r>
           </a:p>
         </p:txBody>
@@ -4613,45 +4639,226 @@
           </a:p>
         </p:txBody>
       </p:sp>
-      <p:pic>
-        <p:nvPicPr>
-          <p:cNvPr id="5" name="Picture 4">
-            <a:extLst>
-              <a:ext uri="{FF2B5EF4-FFF2-40B4-BE49-F238E27FC236}">
-                <a16:creationId xmlns:a16="http://schemas.microsoft.com/office/drawing/2014/main" id="{EC2CC9C7-63A9-4816-B2B1-58B85DCCAC36}"/>
-              </a:ext>
-            </a:extLst>
-          </p:cNvPr>
-          <p:cNvPicPr>
-            <a:picLocks noChangeAspect="1"/>
-          </p:cNvPicPr>
+      <p:sp>
+        <p:nvSpPr>
+          <p:cNvPr id="11" name="Rectangle 10">
+            <a:extLst>
+              <a:ext uri="{FF2B5EF4-FFF2-40B4-BE49-F238E27FC236}">
+                <a16:creationId xmlns:a16="http://schemas.microsoft.com/office/drawing/2014/main" id="{F60D9B38-5067-4841-9B4A-CE7786A2CB4A}"/>
+              </a:ext>
+            </a:extLst>
+          </p:cNvPr>
+          <p:cNvSpPr/>
           <p:nvPr/>
-        </p:nvPicPr>
-        <p:blipFill>
-          <a:blip r:embed="rId2"/>
-          <a:stretch>
-            <a:fillRect/>
-          </a:stretch>
-        </p:blipFill>
-        <p:spPr>
-          <a:xfrm>
-            <a:off x="106532" y="550355"/>
-            <a:ext cx="11970058" cy="5624065"/>
+        </p:nvSpPr>
+        <p:spPr>
+          <a:xfrm>
+            <a:off x="991770" y="588106"/>
+            <a:ext cx="10172978" cy="4128694"/>
           </a:xfrm>
           <a:prstGeom prst="rect">
             <a:avLst/>
           </a:prstGeom>
-          <a:ln>
-            <a:solidFill>
-              <a:schemeClr val="accent1"/>
-            </a:solidFill>
-          </a:ln>
-        </p:spPr>
-      </p:pic>
+          <a:noFill/>
+        </p:spPr>
+        <p:txBody>
+          <a:bodyPr wrap="none" lIns="91440" tIns="45720" rIns="91440" bIns="45720">
+            <a:spAutoFit/>
+          </a:bodyPr>
+          <a:lstStyle/>
+          <a:p>
+            <a:pPr algn="ctr"/>
+            <a:r>
+              <a:rPr lang="en-US" sz="8800" b="1" cap="none" spc="0" dirty="0">
+                <a:ln w="9525">
+                  <a:solidFill>
+                    <a:schemeClr val="bg1"/>
+                  </a:solidFill>
+                  <a:prstDash val="solid"/>
+                </a:ln>
+                <a:solidFill>
+                  <a:schemeClr val="accent5"/>
+                </a:solidFill>
+                <a:effectLst>
+                  <a:outerShdw blurRad="12700" dist="38100" dir="2700000" algn="tl" rotWithShape="0">
+                    <a:schemeClr val="accent5">
+                      <a:lumMod val="60000"/>
+                      <a:lumOff val="40000"/>
+                    </a:schemeClr>
+                  </a:outerShdw>
+                </a:effectLst>
+                <a:latin typeface="Verdana" panose="020B0604030504040204" pitchFamily="34" charset="0"/>
+                <a:ea typeface="Verdana" panose="020B0604030504040204" pitchFamily="34" charset="0"/>
+              </a:rPr>
+              <a:t>Demo</a:t>
+            </a:r>
+          </a:p>
+          <a:p>
+            <a:pPr marL="1371600" indent="-1371600" algn="ctr">
+              <a:buAutoNum type="arabicPeriod"/>
+            </a:pPr>
+            <a:endParaRPr lang="en-US" sz="4000" b="1" cap="none" spc="0" dirty="0">
+              <a:ln w="9525">
+                <a:solidFill>
+                  <a:schemeClr val="bg1"/>
+                </a:solidFill>
+                <a:prstDash val="solid"/>
+              </a:ln>
+              <a:solidFill>
+                <a:schemeClr val="accent5"/>
+              </a:solidFill>
+              <a:effectLst>
+                <a:outerShdw blurRad="12700" dist="38100" dir="2700000" algn="tl" rotWithShape="0">
+                  <a:schemeClr val="accent5">
+                    <a:lumMod val="60000"/>
+                    <a:lumOff val="40000"/>
+                  </a:schemeClr>
+                </a:outerShdw>
+              </a:effectLst>
+              <a:latin typeface="Verdana" panose="020B0604030504040204" pitchFamily="34" charset="0"/>
+              <a:ea typeface="Verdana" panose="020B0604030504040204" pitchFamily="34" charset="0"/>
+            </a:endParaRPr>
+          </a:p>
+          <a:p>
+            <a:pPr algn="ctr">
+              <a:lnSpc>
+                <a:spcPct val="150000"/>
+              </a:lnSpc>
+            </a:pPr>
+            <a:r>
+              <a:rPr lang="en-US" sz="4800" b="1" dirty="0">
+                <a:ln w="9525">
+                  <a:solidFill>
+                    <a:schemeClr val="bg1"/>
+                  </a:solidFill>
+                  <a:prstDash val="solid"/>
+                </a:ln>
+                <a:solidFill>
+                  <a:schemeClr val="accent5"/>
+                </a:solidFill>
+                <a:effectLst>
+                  <a:outerShdw blurRad="12700" dist="38100" dir="2700000" algn="tl" rotWithShape="0">
+                    <a:schemeClr val="accent5">
+                      <a:lumMod val="60000"/>
+                      <a:lumOff val="40000"/>
+                    </a:schemeClr>
+                  </a:outerShdw>
+                </a:effectLst>
+                <a:latin typeface="Verdana" panose="020B0604030504040204" pitchFamily="34" charset="0"/>
+                <a:ea typeface="Verdana" panose="020B0604030504040204" pitchFamily="34" charset="0"/>
+              </a:rPr>
+              <a:t>Implement gRPC Service for </a:t>
+            </a:r>
+          </a:p>
+          <a:p>
+            <a:pPr algn="ctr">
+              <a:lnSpc>
+                <a:spcPct val="150000"/>
+              </a:lnSpc>
+            </a:pPr>
+            <a:r>
+              <a:rPr lang="en-US" sz="4800" b="1" dirty="0" err="1">
+                <a:ln w="9525">
+                  <a:solidFill>
+                    <a:schemeClr val="bg1"/>
+                  </a:solidFill>
+                  <a:prstDash val="solid"/>
+                </a:ln>
+                <a:solidFill>
+                  <a:schemeClr val="accent5"/>
+                </a:solidFill>
+                <a:effectLst>
+                  <a:outerShdw blurRad="12700" dist="38100" dir="2700000" algn="tl" rotWithShape="0">
+                    <a:schemeClr val="accent5">
+                      <a:lumMod val="60000"/>
+                      <a:lumOff val="40000"/>
+                    </a:schemeClr>
+                  </a:outerShdw>
+                </a:effectLst>
+                <a:latin typeface="Verdana" panose="020B0604030504040204" pitchFamily="34" charset="0"/>
+                <a:ea typeface="Verdana" panose="020B0604030504040204" pitchFamily="34" charset="0"/>
+              </a:rPr>
+              <a:t>GetById</a:t>
+            </a:r>
+            <a:r>
+              <a:rPr lang="en-US" sz="4800" b="1" dirty="0">
+                <a:ln w="9525">
+                  <a:solidFill>
+                    <a:schemeClr val="bg1"/>
+                  </a:solidFill>
+                  <a:prstDash val="solid"/>
+                </a:ln>
+                <a:solidFill>
+                  <a:schemeClr val="accent5"/>
+                </a:solidFill>
+                <a:effectLst>
+                  <a:outerShdw blurRad="12700" dist="38100" dir="2700000" algn="tl" rotWithShape="0">
+                    <a:schemeClr val="accent5">
+                      <a:lumMod val="60000"/>
+                      <a:lumOff val="40000"/>
+                    </a:schemeClr>
+                  </a:outerShdw>
+                </a:effectLst>
+                <a:latin typeface="Verdana" panose="020B0604030504040204" pitchFamily="34" charset="0"/>
+                <a:ea typeface="Verdana" panose="020B0604030504040204" pitchFamily="34" charset="0"/>
+              </a:rPr>
+              <a:t>() and </a:t>
+            </a:r>
+            <a:r>
+              <a:rPr lang="en-US" sz="4800" b="1" dirty="0" err="1">
+                <a:ln w="9525">
+                  <a:solidFill>
+                    <a:schemeClr val="bg1"/>
+                  </a:solidFill>
+                  <a:prstDash val="solid"/>
+                </a:ln>
+                <a:solidFill>
+                  <a:schemeClr val="accent5"/>
+                </a:solidFill>
+                <a:effectLst>
+                  <a:outerShdw blurRad="12700" dist="38100" dir="2700000" algn="tl" rotWithShape="0">
+                    <a:schemeClr val="accent5">
+                      <a:lumMod val="60000"/>
+                      <a:lumOff val="40000"/>
+                    </a:schemeClr>
+                  </a:outerShdw>
+                </a:effectLst>
+                <a:latin typeface="Verdana" panose="020B0604030504040204" pitchFamily="34" charset="0"/>
+                <a:ea typeface="Verdana" panose="020B0604030504040204" pitchFamily="34" charset="0"/>
+              </a:rPr>
+              <a:t>GetAll</a:t>
+            </a:r>
+            <a:r>
+              <a:rPr lang="en-US" sz="4800" b="1" dirty="0">
+                <a:ln w="9525">
+                  <a:solidFill>
+                    <a:schemeClr val="bg1"/>
+                  </a:solidFill>
+                  <a:prstDash val="solid"/>
+                </a:ln>
+                <a:solidFill>
+                  <a:schemeClr val="accent5"/>
+                </a:solidFill>
+                <a:effectLst>
+                  <a:outerShdw blurRad="12700" dist="38100" dir="2700000" algn="tl" rotWithShape="0">
+                    <a:schemeClr val="accent5">
+                      <a:lumMod val="60000"/>
+                      <a:lumOff val="40000"/>
+                    </a:schemeClr>
+                  </a:outerShdw>
+                </a:effectLst>
+                <a:latin typeface="Verdana" panose="020B0604030504040204" pitchFamily="34" charset="0"/>
+                <a:ea typeface="Verdana" panose="020B0604030504040204" pitchFamily="34" charset="0"/>
+              </a:rPr>
+              <a:t>()</a:t>
+            </a:r>
+          </a:p>
+        </p:txBody>
+      </p:sp>
     </p:spTree>
     <p:extLst>
       <p:ext uri="{BB962C8B-B14F-4D97-AF65-F5344CB8AC3E}">
-        <p14:creationId xmlns:p14="http://schemas.microsoft.com/office/powerpoint/2010/main" val="156750883"/>
+        <p14:creationId xmlns:p14="http://schemas.microsoft.com/office/powerpoint/2010/main" val="1886148379"/>
       </p:ext>
     </p:extLst>
   </p:cSld>
@@ -4724,13 +4931,13 @@
           <a:p>
             <a:pPr algn="ctr"/>
             <a:r>
-              <a:rPr lang="en-US" dirty="0">
-                <a:latin typeface="Verdana" panose="020B0604030504040204" pitchFamily="34" charset="0"/>
-                <a:ea typeface="Verdana" panose="020B0604030504040204" pitchFamily="34" charset="0"/>
-              </a:rPr>
-              <a:t>What is next?</a:t>
-            </a:r>
-            <a:endParaRPr lang="en-IN" dirty="0">
+              <a:rPr lang="en-US" b="1" dirty="0">
+                <a:latin typeface="Verdana" panose="020B0604030504040204" pitchFamily="34" charset="0"/>
+                <a:ea typeface="Verdana" panose="020B0604030504040204" pitchFamily="34" charset="0"/>
+              </a:rPr>
+              <a:t>Adding gRPC Logging inside Server</a:t>
+            </a:r>
+            <a:endParaRPr lang="en-IN" b="1" dirty="0">
               <a:latin typeface="Verdana" panose="020B0604030504040204" pitchFamily="34" charset="0"/>
               <a:ea typeface="Verdana" panose="020B0604030504040204" pitchFamily="34" charset="0"/>
             </a:endParaRPr>
@@ -4823,7 +5030,7 @@
                 <a:latin typeface="Verdana" panose="020B0604030504040204" pitchFamily="34" charset="0"/>
                 <a:ea typeface="Verdana" panose="020B0604030504040204" pitchFamily="34" charset="0"/>
               </a:rPr>
-              <a:t>12-Jun-2020</a:t>
+              <a:t>13-Jun-2020</a:t>
             </a:r>
           </a:p>
         </p:txBody>
@@ -5012,10 +5219,10 @@
       </p:sp>
       <p:pic>
         <p:nvPicPr>
-          <p:cNvPr id="10" name="Picture 9">
-            <a:extLst>
-              <a:ext uri="{FF2B5EF4-FFF2-40B4-BE49-F238E27FC236}">
-                <a16:creationId xmlns:a16="http://schemas.microsoft.com/office/drawing/2014/main" id="{813E3CE3-3591-4345-90F1-32ACB01A7F96}"/>
+          <p:cNvPr id="5" name="Picture 4">
+            <a:extLst>
+              <a:ext uri="{FF2B5EF4-FFF2-40B4-BE49-F238E27FC236}">
+                <a16:creationId xmlns:a16="http://schemas.microsoft.com/office/drawing/2014/main" id="{EC2CC9C7-63A9-4816-B2B1-58B85DCCAC36}"/>
               </a:ext>
             </a:extLst>
           </p:cNvPr>
@@ -5025,254 +5232,30 @@
           <p:nvPr/>
         </p:nvPicPr>
         <p:blipFill>
-          <a:blip r:embed="rId2" cstate="print">
-            <a:extLst>
-              <a:ext uri="{28A0092B-C50C-407E-A947-70E740481C1C}">
-                <a14:useLocalDpi xmlns:a14="http://schemas.microsoft.com/office/drawing/2010/main" val="0"/>
-              </a:ext>
-            </a:extLst>
-          </a:blip>
+          <a:blip r:embed="rId2"/>
           <a:stretch>
             <a:fillRect/>
           </a:stretch>
         </p:blipFill>
         <p:spPr>
           <a:xfrm>
-            <a:off x="133897" y="633074"/>
-            <a:ext cx="2121352" cy="1117894"/>
+            <a:off x="106532" y="550355"/>
+            <a:ext cx="11970058" cy="5624065"/>
           </a:xfrm>
           <a:prstGeom prst="rect">
             <a:avLst/>
           </a:prstGeom>
+          <a:ln>
+            <a:solidFill>
+              <a:schemeClr val="accent1"/>
+            </a:solidFill>
+          </a:ln>
         </p:spPr>
       </p:pic>
-      <p:sp>
-        <p:nvSpPr>
-          <p:cNvPr id="13" name="TextBox 12">
-            <a:extLst>
-              <a:ext uri="{FF2B5EF4-FFF2-40B4-BE49-F238E27FC236}">
-                <a16:creationId xmlns:a16="http://schemas.microsoft.com/office/drawing/2014/main" id="{C93F71B2-BF87-46E1-B2C0-A074AD4881C2}"/>
-              </a:ext>
-            </a:extLst>
-          </p:cNvPr>
-          <p:cNvSpPr txBox="1"/>
-          <p:nvPr/>
-        </p:nvSpPr>
-        <p:spPr>
-          <a:xfrm>
-            <a:off x="80629" y="1898354"/>
-            <a:ext cx="12037390" cy="2953950"/>
-          </a:xfrm>
-          <a:prstGeom prst="rect">
-            <a:avLst/>
-          </a:prstGeom>
-          <a:noFill/>
-        </p:spPr>
-        <p:txBody>
-          <a:bodyPr wrap="square" rtlCol="0">
-            <a:spAutoFit/>
-          </a:bodyPr>
-          <a:lstStyle/>
-          <a:p>
-            <a:pPr>
-              <a:lnSpc>
-                <a:spcPct val="200000"/>
-              </a:lnSpc>
-            </a:pPr>
-            <a:r>
-              <a:rPr lang="en-US" sz="2000" dirty="0">
-                <a:solidFill>
-                  <a:srgbClr val="002060"/>
-                </a:solidFill>
-                <a:latin typeface="Verdana" panose="020B0604030504040204" pitchFamily="34" charset="0"/>
-                <a:ea typeface="Verdana" panose="020B0604030504040204" pitchFamily="34" charset="0"/>
-              </a:rPr>
-              <a:t>What we will discuss in next session (</a:t>
-            </a:r>
-            <a:r>
-              <a:rPr lang="en-US" sz="2000" b="1" dirty="0">
-                <a:solidFill>
-                  <a:srgbClr val="0070C0"/>
-                </a:solidFill>
-                <a:latin typeface="Verdana" panose="020B0604030504040204" pitchFamily="34" charset="0"/>
-                <a:ea typeface="Verdana" panose="020B0604030504040204" pitchFamily="34" charset="0"/>
-              </a:rPr>
-              <a:t>27-Jun-2020</a:t>
-            </a:r>
-            <a:r>
-              <a:rPr lang="en-US" sz="2000" dirty="0">
-                <a:solidFill>
-                  <a:srgbClr val="002060"/>
-                </a:solidFill>
-                <a:latin typeface="Verdana" panose="020B0604030504040204" pitchFamily="34" charset="0"/>
-                <a:ea typeface="Verdana" panose="020B0604030504040204" pitchFamily="34" charset="0"/>
-              </a:rPr>
-              <a:t>) ….</a:t>
-            </a:r>
-          </a:p>
-          <a:p>
-            <a:pPr marL="628650" lvl="1" indent="-171450">
-              <a:lnSpc>
-                <a:spcPct val="150000"/>
-              </a:lnSpc>
-              <a:buFont typeface="Wingdings" panose="05000000000000000000" pitchFamily="2" charset="2"/>
-              <a:buChar char="Ø"/>
-            </a:pPr>
-            <a:r>
-              <a:rPr lang="en-US" sz="2000" dirty="0">
-                <a:solidFill>
-                  <a:srgbClr val="002060"/>
-                </a:solidFill>
-                <a:latin typeface="Verdana" panose="020B0604030504040204" pitchFamily="34" charset="0"/>
-                <a:ea typeface="Verdana" panose="020B0604030504040204" pitchFamily="34" charset="0"/>
-              </a:rPr>
-              <a:t> Using Azure Redis Cache.</a:t>
-            </a:r>
-          </a:p>
-          <a:p>
-            <a:pPr marL="628650" lvl="1" indent="-171450">
-              <a:lnSpc>
-                <a:spcPct val="150000"/>
-              </a:lnSpc>
-              <a:buFont typeface="Wingdings" panose="05000000000000000000" pitchFamily="2" charset="2"/>
-              <a:buChar char="Ø"/>
-            </a:pPr>
-            <a:r>
-              <a:rPr lang="en-US" sz="2000" dirty="0">
-                <a:solidFill>
-                  <a:srgbClr val="002060"/>
-                </a:solidFill>
-                <a:latin typeface="Verdana" panose="020B0604030504040204" pitchFamily="34" charset="0"/>
-                <a:ea typeface="Verdana" panose="020B0604030504040204" pitchFamily="34" charset="0"/>
-              </a:rPr>
-              <a:t> Using Azure SQL, and Cosmos Db.</a:t>
-            </a:r>
-          </a:p>
-          <a:p>
-            <a:pPr marL="628650" lvl="1" indent="-171450">
-              <a:lnSpc>
-                <a:spcPct val="150000"/>
-              </a:lnSpc>
-              <a:buFont typeface="Wingdings" panose="05000000000000000000" pitchFamily="2" charset="2"/>
-              <a:buChar char="Ø"/>
-            </a:pPr>
-            <a:r>
-              <a:rPr lang="en-US" sz="2000" dirty="0">
-                <a:solidFill>
-                  <a:srgbClr val="002060"/>
-                </a:solidFill>
-                <a:latin typeface="Verdana" panose="020B0604030504040204" pitchFamily="34" charset="0"/>
-                <a:ea typeface="Verdana" panose="020B0604030504040204" pitchFamily="34" charset="0"/>
-              </a:rPr>
-              <a:t> Hosting the gRPC Service on Ubuntu VM in Azure US Region.</a:t>
-            </a:r>
-          </a:p>
-          <a:p>
-            <a:pPr marL="628650" lvl="1" indent="-171450">
-              <a:lnSpc>
-                <a:spcPct val="150000"/>
-              </a:lnSpc>
-              <a:buFont typeface="Wingdings" panose="05000000000000000000" pitchFamily="2" charset="2"/>
-              <a:buChar char="Ø"/>
-            </a:pPr>
-            <a:r>
-              <a:rPr lang="en-US" sz="2000" dirty="0">
-                <a:solidFill>
-                  <a:srgbClr val="002060"/>
-                </a:solidFill>
-                <a:latin typeface="Verdana" panose="020B0604030504040204" pitchFamily="34" charset="0"/>
-                <a:ea typeface="Verdana" panose="020B0604030504040204" pitchFamily="34" charset="0"/>
-              </a:rPr>
-              <a:t> Hosting the gRPC Client on Windows VM in Azure India Region.</a:t>
-            </a:r>
-          </a:p>
-          <a:p>
-            <a:pPr marL="628650" lvl="1" indent="-171450">
-              <a:lnSpc>
-                <a:spcPct val="150000"/>
-              </a:lnSpc>
-              <a:buFont typeface="Wingdings" panose="05000000000000000000" pitchFamily="2" charset="2"/>
-              <a:buChar char="Ø"/>
-            </a:pPr>
-            <a:r>
-              <a:rPr lang="en-US" sz="2000" dirty="0">
-                <a:solidFill>
-                  <a:srgbClr val="002060"/>
-                </a:solidFill>
-                <a:latin typeface="Verdana" panose="020B0604030504040204" pitchFamily="34" charset="0"/>
-                <a:ea typeface="Verdana" panose="020B0604030504040204" pitchFamily="34" charset="0"/>
-              </a:rPr>
-              <a:t> Service to Service communication.</a:t>
-            </a:r>
-          </a:p>
-        </p:txBody>
-      </p:sp>
-      <p:sp>
-        <p:nvSpPr>
-          <p:cNvPr id="5" name="Rectangle 4">
-            <a:extLst>
-              <a:ext uri="{FF2B5EF4-FFF2-40B4-BE49-F238E27FC236}">
-                <a16:creationId xmlns:a16="http://schemas.microsoft.com/office/drawing/2014/main" id="{11B56C48-04D4-42D7-A892-61E969B93239}"/>
-              </a:ext>
-            </a:extLst>
-          </p:cNvPr>
-          <p:cNvSpPr/>
-          <p:nvPr/>
-        </p:nvSpPr>
-        <p:spPr>
-          <a:xfrm>
-            <a:off x="2794573" y="829156"/>
-            <a:ext cx="6609502" cy="923330"/>
-          </a:xfrm>
-          <a:prstGeom prst="rect">
-            <a:avLst/>
-          </a:prstGeom>
-          <a:noFill/>
-        </p:spPr>
-        <p:txBody>
-          <a:bodyPr wrap="none" lIns="91440" tIns="45720" rIns="91440" bIns="45720">
-            <a:spAutoFit/>
-            <a:scene3d>
-              <a:camera prst="orthographicFront"/>
-              <a:lightRig rig="soft" dir="t">
-                <a:rot lat="0" lon="0" rev="15600000"/>
-              </a:lightRig>
-            </a:scene3d>
-            <a:sp3d extrusionH="57150" prstMaterial="softEdge">
-              <a:bevelT w="25400" h="38100"/>
-            </a:sp3d>
-          </a:bodyPr>
-          <a:lstStyle/>
-          <a:p>
-            <a:pPr algn="ctr"/>
-            <a:r>
-              <a:rPr lang="en-US" sz="5400" b="1" cap="none" spc="0" dirty="0">
-                <a:ln/>
-                <a:solidFill>
-                  <a:schemeClr val="accent4"/>
-                </a:solidFill>
-                <a:effectLst/>
-                <a:latin typeface="Verdana" panose="020B0604030504040204" pitchFamily="34" charset="0"/>
-                <a:ea typeface="Verdana" panose="020B0604030504040204" pitchFamily="34" charset="0"/>
-              </a:rPr>
-              <a:t>What is next ???</a:t>
-            </a:r>
-            <a:endParaRPr lang="en-IN" sz="5400" b="1" cap="none" spc="0" dirty="0">
-              <a:ln/>
-              <a:solidFill>
-                <a:schemeClr val="accent4"/>
-              </a:solidFill>
-              <a:effectLst/>
-              <a:latin typeface="Verdana" panose="020B0604030504040204" pitchFamily="34" charset="0"/>
-              <a:ea typeface="Verdana" panose="020B0604030504040204" pitchFamily="34" charset="0"/>
-            </a:endParaRPr>
-          </a:p>
-        </p:txBody>
-      </p:sp>
     </p:spTree>
     <p:extLst>
       <p:ext uri="{BB962C8B-B14F-4D97-AF65-F5344CB8AC3E}">
-        <p14:creationId xmlns:p14="http://schemas.microsoft.com/office/powerpoint/2010/main" val="3499439994"/>
+        <p14:creationId xmlns:p14="http://schemas.microsoft.com/office/powerpoint/2010/main" val="2191997749"/>
       </p:ext>
     </p:extLst>
   </p:cSld>
@@ -5344,7 +5327,14 @@
           <a:lstStyle/>
           <a:p>
             <a:pPr algn="ctr"/>
-            <a:endParaRPr lang="en-IN" dirty="0">
+            <a:r>
+              <a:rPr lang="en-US" b="1" dirty="0">
+                <a:latin typeface="Verdana" panose="020B0604030504040204" pitchFamily="34" charset="0"/>
+                <a:ea typeface="Verdana" panose="020B0604030504040204" pitchFamily="34" charset="0"/>
+              </a:rPr>
+              <a:t>Adding gRPC Logging inside Server</a:t>
+            </a:r>
+            <a:endParaRPr lang="en-IN" b="1" dirty="0">
               <a:latin typeface="Verdana" panose="020B0604030504040204" pitchFamily="34" charset="0"/>
               <a:ea typeface="Verdana" panose="020B0604030504040204" pitchFamily="34" charset="0"/>
             </a:endParaRPr>
@@ -5437,7 +5427,7 @@
                 <a:latin typeface="Verdana" panose="020B0604030504040204" pitchFamily="34" charset="0"/>
                 <a:ea typeface="Verdana" panose="020B0604030504040204" pitchFamily="34" charset="0"/>
               </a:rPr>
-              <a:t>12-Jun-2020</a:t>
+              <a:t>13-Jun-2020</a:t>
             </a:r>
           </a:p>
         </p:txBody>
@@ -5629,7 +5619,7 @@
           <p:cNvPr id="11" name="Rectangle 10">
             <a:extLst>
               <a:ext uri="{FF2B5EF4-FFF2-40B4-BE49-F238E27FC236}">
-                <a16:creationId xmlns:a16="http://schemas.microsoft.com/office/drawing/2014/main" id="{D55098C6-1198-4DAB-B484-23DB1A599453}"/>
+                <a16:creationId xmlns:a16="http://schemas.microsoft.com/office/drawing/2014/main" id="{F60D9B38-5067-4841-9B4A-CE7786A2CB4A}"/>
               </a:ext>
             </a:extLst>
           </p:cNvPr>
@@ -5638,8 +5628,8 @@
         </p:nvSpPr>
         <p:spPr>
           <a:xfrm>
-            <a:off x="2816470" y="1919767"/>
-            <a:ext cx="6434775" cy="3154710"/>
+            <a:off x="2177191" y="588106"/>
+            <a:ext cx="7802136" cy="4128694"/>
           </a:xfrm>
           <a:prstGeom prst="rect">
             <a:avLst/>
@@ -5654,7 +5644,7 @@
           <a:p>
             <a:pPr algn="ctr"/>
             <a:r>
-              <a:rPr lang="en-US" sz="19900" b="1" cap="none" spc="0" dirty="0">
+              <a:rPr lang="en-US" sz="8800" b="1" cap="none" spc="0" dirty="0">
                 <a:ln w="9525">
                   <a:solidFill>
                     <a:schemeClr val="bg1"/>
@@ -5672,52 +5662,106 @@
                     </a:schemeClr>
                   </a:outerShdw>
                 </a:effectLst>
-              </a:rPr>
-              <a:t>Q &amp; A</a:t>
-            </a:r>
-          </a:p>
-        </p:txBody>
-      </p:sp>
-      <p:pic>
-        <p:nvPicPr>
-          <p:cNvPr id="10" name="Picture 9">
-            <a:extLst>
-              <a:ext uri="{FF2B5EF4-FFF2-40B4-BE49-F238E27FC236}">
-                <a16:creationId xmlns:a16="http://schemas.microsoft.com/office/drawing/2014/main" id="{813E3CE3-3591-4345-90F1-32ACB01A7F96}"/>
-              </a:ext>
-            </a:extLst>
-          </p:cNvPr>
-          <p:cNvPicPr>
-            <a:picLocks noChangeAspect="1"/>
-          </p:cNvPicPr>
-          <p:nvPr/>
-        </p:nvPicPr>
-        <p:blipFill>
-          <a:blip r:embed="rId2" cstate="print">
-            <a:extLst>
-              <a:ext uri="{28A0092B-C50C-407E-A947-70E740481C1C}">
-                <a14:useLocalDpi xmlns:a14="http://schemas.microsoft.com/office/drawing/2010/main" val="0"/>
-              </a:ext>
-            </a:extLst>
-          </a:blip>
-          <a:stretch>
-            <a:fillRect/>
-          </a:stretch>
-        </p:blipFill>
-        <p:spPr>
-          <a:xfrm>
-            <a:off x="133897" y="633074"/>
-            <a:ext cx="2121352" cy="1117894"/>
-          </a:xfrm>
-          <a:prstGeom prst="rect">
-            <a:avLst/>
-          </a:prstGeom>
-        </p:spPr>
-      </p:pic>
+                <a:latin typeface="Verdana" panose="020B0604030504040204" pitchFamily="34" charset="0"/>
+                <a:ea typeface="Verdana" panose="020B0604030504040204" pitchFamily="34" charset="0"/>
+              </a:rPr>
+              <a:t>Demo</a:t>
+            </a:r>
+          </a:p>
+          <a:p>
+            <a:pPr marL="1371600" indent="-1371600" algn="ctr">
+              <a:buAutoNum type="arabicPeriod"/>
+            </a:pPr>
+            <a:endParaRPr lang="en-US" sz="4000" b="1" cap="none" spc="0" dirty="0">
+              <a:ln w="9525">
+                <a:solidFill>
+                  <a:schemeClr val="bg1"/>
+                </a:solidFill>
+                <a:prstDash val="solid"/>
+              </a:ln>
+              <a:solidFill>
+                <a:schemeClr val="accent5"/>
+              </a:solidFill>
+              <a:effectLst>
+                <a:outerShdw blurRad="12700" dist="38100" dir="2700000" algn="tl" rotWithShape="0">
+                  <a:schemeClr val="accent5">
+                    <a:lumMod val="60000"/>
+                    <a:lumOff val="40000"/>
+                  </a:schemeClr>
+                </a:outerShdw>
+              </a:effectLst>
+              <a:latin typeface="Verdana" panose="020B0604030504040204" pitchFamily="34" charset="0"/>
+              <a:ea typeface="Verdana" panose="020B0604030504040204" pitchFamily="34" charset="0"/>
+            </a:endParaRPr>
+          </a:p>
+          <a:p>
+            <a:pPr algn="ctr">
+              <a:lnSpc>
+                <a:spcPct val="150000"/>
+              </a:lnSpc>
+            </a:pPr>
+            <a:r>
+              <a:rPr lang="en-US" sz="4800" b="1" dirty="0">
+                <a:ln w="9525">
+                  <a:solidFill>
+                    <a:schemeClr val="bg1"/>
+                  </a:solidFill>
+                  <a:prstDash val="solid"/>
+                </a:ln>
+                <a:solidFill>
+                  <a:schemeClr val="accent5"/>
+                </a:solidFill>
+                <a:effectLst>
+                  <a:outerShdw blurRad="12700" dist="38100" dir="2700000" algn="tl" rotWithShape="0">
+                    <a:schemeClr val="accent5">
+                      <a:lumMod val="60000"/>
+                      <a:lumOff val="40000"/>
+                    </a:schemeClr>
+                  </a:outerShdw>
+                </a:effectLst>
+                <a:latin typeface="Verdana" panose="020B0604030504040204" pitchFamily="34" charset="0"/>
+                <a:ea typeface="Verdana" panose="020B0604030504040204" pitchFamily="34" charset="0"/>
+              </a:rPr>
+              <a:t>Adding gRPC Logging </a:t>
+            </a:r>
+          </a:p>
+          <a:p>
+            <a:pPr algn="ctr">
+              <a:lnSpc>
+                <a:spcPct val="150000"/>
+              </a:lnSpc>
+            </a:pPr>
+            <a:r>
+              <a:rPr lang="en-US" sz="4800" b="1" dirty="0">
+                <a:ln w="9525">
+                  <a:solidFill>
+                    <a:schemeClr val="bg1"/>
+                  </a:solidFill>
+                  <a:prstDash val="solid"/>
+                </a:ln>
+                <a:solidFill>
+                  <a:schemeClr val="accent5"/>
+                </a:solidFill>
+                <a:effectLst>
+                  <a:outerShdw blurRad="12700" dist="38100" dir="2700000" algn="tl" rotWithShape="0">
+                    <a:schemeClr val="accent5">
+                      <a:lumMod val="60000"/>
+                      <a:lumOff val="40000"/>
+                    </a:schemeClr>
+                  </a:outerShdw>
+                </a:effectLst>
+                <a:latin typeface="Verdana" panose="020B0604030504040204" pitchFamily="34" charset="0"/>
+                <a:ea typeface="Verdana" panose="020B0604030504040204" pitchFamily="34" charset="0"/>
+              </a:rPr>
+              <a:t>inside Server</a:t>
+            </a:r>
+          </a:p>
+        </p:txBody>
+      </p:sp>
     </p:spTree>
     <p:extLst>
       <p:ext uri="{BB962C8B-B14F-4D97-AF65-F5344CB8AC3E}">
-        <p14:creationId xmlns:p14="http://schemas.microsoft.com/office/powerpoint/2010/main" val="2536284009"/>
+        <p14:creationId xmlns:p14="http://schemas.microsoft.com/office/powerpoint/2010/main" val="3983832829"/>
       </p:ext>
     </p:extLst>
   </p:cSld>
@@ -5789,7 +5833,28 @@
           <a:lstStyle/>
           <a:p>
             <a:pPr algn="ctr"/>
-            <a:endParaRPr lang="en-IN" dirty="0">
+            <a:r>
+              <a:rPr lang="en-US" b="1" dirty="0">
+                <a:latin typeface="Verdana" panose="020B0604030504040204" pitchFamily="34" charset="0"/>
+                <a:ea typeface="Verdana" panose="020B0604030504040204" pitchFamily="34" charset="0"/>
+              </a:rPr>
+              <a:t>Adding gRPC Client inside </a:t>
+            </a:r>
+            <a:r>
+              <a:rPr lang="en-US" b="1" dirty="0" err="1">
+                <a:latin typeface="Verdana" panose="020B0604030504040204" pitchFamily="34" charset="0"/>
+                <a:ea typeface="Verdana" panose="020B0604030504040204" pitchFamily="34" charset="0"/>
+              </a:rPr>
+              <a:t>.Net</a:t>
+            </a:r>
+            <a:r>
+              <a:rPr lang="en-US" b="1" dirty="0">
+                <a:latin typeface="Verdana" panose="020B0604030504040204" pitchFamily="34" charset="0"/>
+                <a:ea typeface="Verdana" panose="020B0604030504040204" pitchFamily="34" charset="0"/>
+              </a:rPr>
+              <a:t> Core Angular App</a:t>
+            </a:r>
+            <a:endParaRPr lang="en-IN" b="1" dirty="0">
               <a:latin typeface="Verdana" panose="020B0604030504040204" pitchFamily="34" charset="0"/>
               <a:ea typeface="Verdana" panose="020B0604030504040204" pitchFamily="34" charset="0"/>
             </a:endParaRPr>
@@ -5882,7 +5947,7 @@
                 <a:latin typeface="Verdana" panose="020B0604030504040204" pitchFamily="34" charset="0"/>
                 <a:ea typeface="Verdana" panose="020B0604030504040204" pitchFamily="34" charset="0"/>
               </a:rPr>
-              <a:t>12-Jun-2020</a:t>
+              <a:t>13-Jun-2020</a:t>
             </a:r>
           </a:p>
         </p:txBody>
@@ -6069,12 +6134,112 @@
           </a:p>
         </p:txBody>
       </p:sp>
-      <p:sp>
-        <p:nvSpPr>
-          <p:cNvPr id="2" name="Rectangle 1">
-            <a:extLst>
-              <a:ext uri="{FF2B5EF4-FFF2-40B4-BE49-F238E27FC236}">
-                <a16:creationId xmlns:a16="http://schemas.microsoft.com/office/drawing/2014/main" id="{EB5F28B2-B9BB-4801-B1DE-9A44957A910C}"/>
+      <p:pic>
+        <p:nvPicPr>
+          <p:cNvPr id="2" name="Picture 1">
+            <a:extLst>
+              <a:ext uri="{FF2B5EF4-FFF2-40B4-BE49-F238E27FC236}">
+                <a16:creationId xmlns:a16="http://schemas.microsoft.com/office/drawing/2014/main" id="{53E82282-5197-4D1F-B3C8-5AE860F997FA}"/>
+              </a:ext>
+            </a:extLst>
+          </p:cNvPr>
+          <p:cNvPicPr>
+            <a:picLocks noChangeAspect="1"/>
+          </p:cNvPicPr>
+          <p:nvPr/>
+        </p:nvPicPr>
+        <p:blipFill>
+          <a:blip r:embed="rId2"/>
+          <a:stretch>
+            <a:fillRect/>
+          </a:stretch>
+        </p:blipFill>
+        <p:spPr>
+          <a:xfrm>
+            <a:off x="80630" y="563731"/>
+            <a:ext cx="6089352" cy="5739416"/>
+          </a:xfrm>
+          <a:prstGeom prst="rect">
+            <a:avLst/>
+          </a:prstGeom>
+          <a:ln>
+            <a:solidFill>
+              <a:schemeClr val="accent1"/>
+            </a:solidFill>
+          </a:ln>
+        </p:spPr>
+      </p:pic>
+      <p:pic>
+        <p:nvPicPr>
+          <p:cNvPr id="3" name="Picture 2">
+            <a:extLst>
+              <a:ext uri="{FF2B5EF4-FFF2-40B4-BE49-F238E27FC236}">
+                <a16:creationId xmlns:a16="http://schemas.microsoft.com/office/drawing/2014/main" id="{DB8F977E-52A2-4C0E-8E64-60F66BB9EE68}"/>
+              </a:ext>
+            </a:extLst>
+          </p:cNvPr>
+          <p:cNvPicPr>
+            <a:picLocks noChangeAspect="1"/>
+          </p:cNvPicPr>
+          <p:nvPr/>
+        </p:nvPicPr>
+        <p:blipFill>
+          <a:blip r:embed="rId3"/>
+          <a:stretch>
+            <a:fillRect/>
+          </a:stretch>
+        </p:blipFill>
+        <p:spPr>
+          <a:xfrm>
+            <a:off x="6241002" y="550356"/>
+            <a:ext cx="5868645" cy="5752791"/>
+          </a:xfrm>
+          <a:prstGeom prst="rect">
+            <a:avLst/>
+          </a:prstGeom>
+          <a:ln>
+            <a:solidFill>
+              <a:schemeClr val="accent1"/>
+            </a:solidFill>
+          </a:ln>
+        </p:spPr>
+      </p:pic>
+    </p:spTree>
+    <p:extLst>
+      <p:ext uri="{BB962C8B-B14F-4D97-AF65-F5344CB8AC3E}">
+        <p14:creationId xmlns:p14="http://schemas.microsoft.com/office/powerpoint/2010/main" val="3110929318"/>
+      </p:ext>
+    </p:extLst>
+  </p:cSld>
+  <p:clrMapOvr>
+    <a:masterClrMapping/>
+  </p:clrMapOvr>
+</p:sld>
+</file>
+
+<file path=ppt/slides/slide14.xml><?xml version="1.0" encoding="utf-8"?>
+<p:sld xmlns:a="http://schemas.openxmlformats.org/drawingml/2006/main" xmlns:r="http://schemas.openxmlformats.org/officeDocument/2006/relationships" xmlns:p="http://schemas.openxmlformats.org/presentationml/2006/main">
+  <p:cSld>
+    <p:spTree>
+      <p:nvGrpSpPr>
+        <p:cNvPr id="1" name=""/>
+        <p:cNvGrpSpPr/>
+        <p:nvPr/>
+      </p:nvGrpSpPr>
+      <p:grpSpPr>
+        <a:xfrm>
+          <a:off x="0" y="0"/>
+          <a:ext cx="0" cy="0"/>
+          <a:chOff x="0" y="0"/>
+          <a:chExt cx="0" cy="0"/>
+        </a:xfrm>
+      </p:grpSpPr>
+      <p:sp>
+        <p:nvSpPr>
+          <p:cNvPr id="4" name="Rectangle 3">
+            <a:extLst>
+              <a:ext uri="{FF2B5EF4-FFF2-40B4-BE49-F238E27FC236}">
+                <a16:creationId xmlns:a16="http://schemas.microsoft.com/office/drawing/2014/main" id="{055C22F7-3FD1-4C1B-8D0C-0C2F7FB61DBE}"/>
               </a:ext>
             </a:extLst>
           </p:cNvPr>
@@ -6083,8 +6248,800 @@
         </p:nvSpPr>
         <p:spPr>
           <a:xfrm>
-            <a:off x="523906" y="1724460"/>
-            <a:ext cx="11108682" cy="3154710"/>
+            <a:off x="0" y="8878"/>
+            <a:ext cx="12183122" cy="497150"/>
+          </a:xfrm>
+          <a:prstGeom prst="rect">
+            <a:avLst/>
+          </a:prstGeom>
+          <a:solidFill>
+            <a:srgbClr val="0070C0"/>
+          </a:solidFill>
+        </p:spPr>
+        <p:style>
+          <a:lnRef idx="2">
+            <a:schemeClr val="accent1">
+              <a:shade val="50000"/>
+            </a:schemeClr>
+          </a:lnRef>
+          <a:fillRef idx="1">
+            <a:schemeClr val="accent1"/>
+          </a:fillRef>
+          <a:effectRef idx="0">
+            <a:schemeClr val="accent1"/>
+          </a:effectRef>
+          <a:fontRef idx="minor">
+            <a:schemeClr val="lt1"/>
+          </a:fontRef>
+        </p:style>
+        <p:txBody>
+          <a:bodyPr rtlCol="0" anchor="ctr"/>
+          <a:lstStyle/>
+          <a:p>
+            <a:pPr algn="ctr"/>
+            <a:r>
+              <a:rPr lang="en-US" b="1" dirty="0">
+                <a:latin typeface="Verdana" panose="020B0604030504040204" pitchFamily="34" charset="0"/>
+                <a:ea typeface="Verdana" panose="020B0604030504040204" pitchFamily="34" charset="0"/>
+              </a:rPr>
+              <a:t>Adding gRPC Client inside </a:t>
+            </a:r>
+            <a:r>
+              <a:rPr lang="en-US" b="1" dirty="0" err="1">
+                <a:latin typeface="Verdana" panose="020B0604030504040204" pitchFamily="34" charset="0"/>
+                <a:ea typeface="Verdana" panose="020B0604030504040204" pitchFamily="34" charset="0"/>
+              </a:rPr>
+              <a:t>.Net</a:t>
+            </a:r>
+            <a:r>
+              <a:rPr lang="en-US" b="1" dirty="0">
+                <a:latin typeface="Verdana" panose="020B0604030504040204" pitchFamily="34" charset="0"/>
+                <a:ea typeface="Verdana" panose="020B0604030504040204" pitchFamily="34" charset="0"/>
+              </a:rPr>
+              <a:t> Core Angular App</a:t>
+            </a:r>
+            <a:endParaRPr lang="en-IN" b="1" dirty="0">
+              <a:latin typeface="Verdana" panose="020B0604030504040204" pitchFamily="34" charset="0"/>
+              <a:ea typeface="Verdana" panose="020B0604030504040204" pitchFamily="34" charset="0"/>
+            </a:endParaRPr>
+          </a:p>
+        </p:txBody>
+      </p:sp>
+      <p:sp>
+        <p:nvSpPr>
+          <p:cNvPr id="7" name="Rectangle 6">
+            <a:extLst>
+              <a:ext uri="{FF2B5EF4-FFF2-40B4-BE49-F238E27FC236}">
+                <a16:creationId xmlns:a16="http://schemas.microsoft.com/office/drawing/2014/main" id="{B10720DE-FD2A-4FE5-B9FB-74854D01A659}"/>
+              </a:ext>
+            </a:extLst>
+          </p:cNvPr>
+          <p:cNvSpPr/>
+          <p:nvPr/>
+        </p:nvSpPr>
+        <p:spPr>
+          <a:xfrm>
+            <a:off x="0" y="6383046"/>
+            <a:ext cx="12183122" cy="57703"/>
+          </a:xfrm>
+          <a:prstGeom prst="rect">
+            <a:avLst/>
+          </a:prstGeom>
+          <a:solidFill>
+            <a:srgbClr val="0070C0"/>
+          </a:solidFill>
+        </p:spPr>
+        <p:style>
+          <a:lnRef idx="2">
+            <a:schemeClr val="accent1">
+              <a:shade val="50000"/>
+            </a:schemeClr>
+          </a:lnRef>
+          <a:fillRef idx="1">
+            <a:schemeClr val="accent1"/>
+          </a:fillRef>
+          <a:effectRef idx="0">
+            <a:schemeClr val="accent1"/>
+          </a:effectRef>
+          <a:fontRef idx="minor">
+            <a:schemeClr val="lt1"/>
+          </a:fontRef>
+        </p:style>
+        <p:txBody>
+          <a:bodyPr rtlCol="0" anchor="ctr"/>
+          <a:lstStyle/>
+          <a:p>
+            <a:pPr algn="ctr"/>
+            <a:endParaRPr lang="en-IN" sz="1000" dirty="0">
+              <a:latin typeface="Verdana" panose="020B0604030504040204" pitchFamily="34" charset="0"/>
+              <a:ea typeface="Verdana" panose="020B0604030504040204" pitchFamily="34" charset="0"/>
+            </a:endParaRPr>
+          </a:p>
+        </p:txBody>
+      </p:sp>
+      <p:sp>
+        <p:nvSpPr>
+          <p:cNvPr id="8" name="Footer Placeholder 7">
+            <a:extLst>
+              <a:ext uri="{FF2B5EF4-FFF2-40B4-BE49-F238E27FC236}">
+                <a16:creationId xmlns:a16="http://schemas.microsoft.com/office/drawing/2014/main" id="{DD2A19CA-EC18-432D-8F8F-17079808F38B}"/>
+              </a:ext>
+            </a:extLst>
+          </p:cNvPr>
+          <p:cNvSpPr>
+            <a:spLocks noGrp="1"/>
+          </p:cNvSpPr>
+          <p:nvPr>
+            <p:ph type="ftr" sz="quarter" idx="11"/>
+          </p:nvPr>
+        </p:nvSpPr>
+        <p:spPr>
+          <a:xfrm>
+            <a:off x="4038600" y="6427374"/>
+            <a:ext cx="4114800" cy="365125"/>
+          </a:xfrm>
+        </p:spPr>
+        <p:txBody>
+          <a:bodyPr/>
+          <a:lstStyle/>
+          <a:p>
+            <a:r>
+              <a:rPr lang="en-IN" b="1" dirty="0">
+                <a:solidFill>
+                  <a:srgbClr val="002060"/>
+                </a:solidFill>
+                <a:latin typeface="Verdana" panose="020B0604030504040204" pitchFamily="34" charset="0"/>
+                <a:ea typeface="Verdana" panose="020B0604030504040204" pitchFamily="34" charset="0"/>
+              </a:rPr>
+              <a:t>13-Jun-2020</a:t>
+            </a:r>
+          </a:p>
+        </p:txBody>
+      </p:sp>
+      <p:sp>
+        <p:nvSpPr>
+          <p:cNvPr id="9" name="Slide Number Placeholder 8">
+            <a:extLst>
+              <a:ext uri="{FF2B5EF4-FFF2-40B4-BE49-F238E27FC236}">
+                <a16:creationId xmlns:a16="http://schemas.microsoft.com/office/drawing/2014/main" id="{8162625C-0B1F-42E0-BE7C-D99A08FED7A3}"/>
+              </a:ext>
+            </a:extLst>
+          </p:cNvPr>
+          <p:cNvSpPr>
+            <a:spLocks noGrp="1"/>
+          </p:cNvSpPr>
+          <p:nvPr>
+            <p:ph type="sldNum" sz="quarter" idx="12"/>
+          </p:nvPr>
+        </p:nvSpPr>
+        <p:spPr>
+          <a:xfrm>
+            <a:off x="8610600" y="6427374"/>
+            <a:ext cx="2743200" cy="365125"/>
+          </a:xfrm>
+        </p:spPr>
+        <p:txBody>
+          <a:bodyPr/>
+          <a:lstStyle/>
+          <a:p>
+            <a:fld id="{30AF63FB-5233-4811-A918-B572E3A55817}" type="slidenum">
+              <a:rPr lang="en-IN" b="1" smtClean="0">
+                <a:solidFill>
+                  <a:srgbClr val="002060"/>
+                </a:solidFill>
+                <a:latin typeface="Verdana" panose="020B0604030504040204" pitchFamily="34" charset="0"/>
+                <a:ea typeface="Verdana" panose="020B0604030504040204" pitchFamily="34" charset="0"/>
+              </a:rPr>
+              <a:t>14</a:t>
+            </a:fld>
+            <a:endParaRPr lang="en-IN" b="1" dirty="0">
+              <a:solidFill>
+                <a:srgbClr val="002060"/>
+              </a:solidFill>
+              <a:latin typeface="Verdana" panose="020B0604030504040204" pitchFamily="34" charset="0"/>
+              <a:ea typeface="Verdana" panose="020B0604030504040204" pitchFamily="34" charset="0"/>
+            </a:endParaRPr>
+          </a:p>
+        </p:txBody>
+      </p:sp>
+      <p:sp>
+        <p:nvSpPr>
+          <p:cNvPr id="12" name="Footer Placeholder 7">
+            <a:extLst>
+              <a:ext uri="{FF2B5EF4-FFF2-40B4-BE49-F238E27FC236}">
+                <a16:creationId xmlns:a16="http://schemas.microsoft.com/office/drawing/2014/main" id="{64C57949-E349-47D3-A505-A098233AF49D}"/>
+              </a:ext>
+            </a:extLst>
+          </p:cNvPr>
+          <p:cNvSpPr txBox="1">
+            <a:spLocks/>
+          </p:cNvSpPr>
+          <p:nvPr/>
+        </p:nvSpPr>
+        <p:spPr>
+          <a:xfrm>
+            <a:off x="133897" y="6428848"/>
+            <a:ext cx="4114800" cy="365125"/>
+          </a:xfrm>
+          <a:prstGeom prst="rect">
+            <a:avLst/>
+          </a:prstGeom>
+        </p:spPr>
+        <p:txBody>
+          <a:bodyPr vert="horz" lIns="91440" tIns="45720" rIns="91440" bIns="45720" rtlCol="0" anchor="ctr"/>
+          <a:lstStyle>
+            <a:defPPr>
+              <a:defRPr lang="en-US"/>
+            </a:defPPr>
+            <a:lvl1pPr marL="0" algn="ctr" defTabSz="914400" rtl="0" eaLnBrk="1" latinLnBrk="0" hangingPunct="1">
+              <a:defRPr sz="1200" kern="1200">
+                <a:solidFill>
+                  <a:schemeClr val="tx1">
+                    <a:tint val="75000"/>
+                  </a:schemeClr>
+                </a:solidFill>
+                <a:latin typeface="+mn-lt"/>
+                <a:ea typeface="+mn-ea"/>
+                <a:cs typeface="+mn-cs"/>
+              </a:defRPr>
+            </a:lvl1pPr>
+            <a:lvl2pPr marL="457200" algn="l" defTabSz="914400" rtl="0" eaLnBrk="1" latinLnBrk="0" hangingPunct="1">
+              <a:defRPr sz="1800" kern="1200">
+                <a:solidFill>
+                  <a:schemeClr val="tx1"/>
+                </a:solidFill>
+                <a:latin typeface="+mn-lt"/>
+                <a:ea typeface="+mn-ea"/>
+                <a:cs typeface="+mn-cs"/>
+              </a:defRPr>
+            </a:lvl2pPr>
+            <a:lvl3pPr marL="914400" algn="l" defTabSz="914400" rtl="0" eaLnBrk="1" latinLnBrk="0" hangingPunct="1">
+              <a:defRPr sz="1800" kern="1200">
+                <a:solidFill>
+                  <a:schemeClr val="tx1"/>
+                </a:solidFill>
+                <a:latin typeface="+mn-lt"/>
+                <a:ea typeface="+mn-ea"/>
+                <a:cs typeface="+mn-cs"/>
+              </a:defRPr>
+            </a:lvl3pPr>
+            <a:lvl4pPr marL="1371600" algn="l" defTabSz="914400" rtl="0" eaLnBrk="1" latinLnBrk="0" hangingPunct="1">
+              <a:defRPr sz="1800" kern="1200">
+                <a:solidFill>
+                  <a:schemeClr val="tx1"/>
+                </a:solidFill>
+                <a:latin typeface="+mn-lt"/>
+                <a:ea typeface="+mn-ea"/>
+                <a:cs typeface="+mn-cs"/>
+              </a:defRPr>
+            </a:lvl4pPr>
+            <a:lvl5pPr marL="1828800" algn="l" defTabSz="914400" rtl="0" eaLnBrk="1" latinLnBrk="0" hangingPunct="1">
+              <a:defRPr sz="1800" kern="1200">
+                <a:solidFill>
+                  <a:schemeClr val="tx1"/>
+                </a:solidFill>
+                <a:latin typeface="+mn-lt"/>
+                <a:ea typeface="+mn-ea"/>
+                <a:cs typeface="+mn-cs"/>
+              </a:defRPr>
+            </a:lvl5pPr>
+            <a:lvl6pPr marL="2286000" algn="l" defTabSz="914400" rtl="0" eaLnBrk="1" latinLnBrk="0" hangingPunct="1">
+              <a:defRPr sz="1800" kern="1200">
+                <a:solidFill>
+                  <a:schemeClr val="tx1"/>
+                </a:solidFill>
+                <a:latin typeface="+mn-lt"/>
+                <a:ea typeface="+mn-ea"/>
+                <a:cs typeface="+mn-cs"/>
+              </a:defRPr>
+            </a:lvl6pPr>
+            <a:lvl7pPr marL="2743200" algn="l" defTabSz="914400" rtl="0" eaLnBrk="1" latinLnBrk="0" hangingPunct="1">
+              <a:defRPr sz="1800" kern="1200">
+                <a:solidFill>
+                  <a:schemeClr val="tx1"/>
+                </a:solidFill>
+                <a:latin typeface="+mn-lt"/>
+                <a:ea typeface="+mn-ea"/>
+                <a:cs typeface="+mn-cs"/>
+              </a:defRPr>
+            </a:lvl7pPr>
+            <a:lvl8pPr marL="3200400" algn="l" defTabSz="914400" rtl="0" eaLnBrk="1" latinLnBrk="0" hangingPunct="1">
+              <a:defRPr sz="1800" kern="1200">
+                <a:solidFill>
+                  <a:schemeClr val="tx1"/>
+                </a:solidFill>
+                <a:latin typeface="+mn-lt"/>
+                <a:ea typeface="+mn-ea"/>
+                <a:cs typeface="+mn-cs"/>
+              </a:defRPr>
+            </a:lvl8pPr>
+            <a:lvl9pPr marL="3657600" algn="l" defTabSz="914400" rtl="0" eaLnBrk="1" latinLnBrk="0" hangingPunct="1">
+              <a:defRPr sz="1800" kern="1200">
+                <a:solidFill>
+                  <a:schemeClr val="tx1"/>
+                </a:solidFill>
+                <a:latin typeface="+mn-lt"/>
+                <a:ea typeface="+mn-ea"/>
+                <a:cs typeface="+mn-cs"/>
+              </a:defRPr>
+            </a:lvl9pPr>
+          </a:lstStyle>
+          <a:p>
+            <a:r>
+              <a:rPr lang="en-IN" b="1" dirty="0">
+                <a:solidFill>
+                  <a:srgbClr val="002060"/>
+                </a:solidFill>
+                <a:latin typeface="Verdana" panose="020B0604030504040204" pitchFamily="34" charset="0"/>
+                <a:ea typeface="Verdana" panose="020B0604030504040204" pitchFamily="34" charset="0"/>
+              </a:rPr>
+              <a:t>C# Corner</a:t>
+            </a:r>
+          </a:p>
+        </p:txBody>
+      </p:sp>
+      <p:pic>
+        <p:nvPicPr>
+          <p:cNvPr id="5" name="Picture 4">
+            <a:extLst>
+              <a:ext uri="{FF2B5EF4-FFF2-40B4-BE49-F238E27FC236}">
+                <a16:creationId xmlns:a16="http://schemas.microsoft.com/office/drawing/2014/main" id="{4C3887C7-823D-4687-B511-A3CD574C8966}"/>
+              </a:ext>
+            </a:extLst>
+          </p:cNvPr>
+          <p:cNvPicPr>
+            <a:picLocks noChangeAspect="1"/>
+          </p:cNvPicPr>
+          <p:nvPr/>
+        </p:nvPicPr>
+        <p:blipFill>
+          <a:blip r:embed="rId2"/>
+          <a:stretch>
+            <a:fillRect/>
+          </a:stretch>
+        </p:blipFill>
+        <p:spPr>
+          <a:xfrm>
+            <a:off x="50092" y="585923"/>
+            <a:ext cx="5729272" cy="5737948"/>
+          </a:xfrm>
+          <a:prstGeom prst="rect">
+            <a:avLst/>
+          </a:prstGeom>
+          <a:ln>
+            <a:solidFill>
+              <a:schemeClr val="accent1"/>
+            </a:solidFill>
+          </a:ln>
+        </p:spPr>
+      </p:pic>
+      <p:pic>
+        <p:nvPicPr>
+          <p:cNvPr id="6" name="Picture 5">
+            <a:extLst>
+              <a:ext uri="{FF2B5EF4-FFF2-40B4-BE49-F238E27FC236}">
+                <a16:creationId xmlns:a16="http://schemas.microsoft.com/office/drawing/2014/main" id="{CE4A08BD-26BD-4251-9823-3A7C6A985C29}"/>
+              </a:ext>
+            </a:extLst>
+          </p:cNvPr>
+          <p:cNvPicPr>
+            <a:picLocks noChangeAspect="1"/>
+          </p:cNvPicPr>
+          <p:nvPr/>
+        </p:nvPicPr>
+        <p:blipFill>
+          <a:blip r:embed="rId3"/>
+          <a:stretch>
+            <a:fillRect/>
+          </a:stretch>
+        </p:blipFill>
+        <p:spPr>
+          <a:xfrm>
+            <a:off x="5868140" y="581567"/>
+            <a:ext cx="6261714" cy="5737948"/>
+          </a:xfrm>
+          <a:prstGeom prst="rect">
+            <a:avLst/>
+          </a:prstGeom>
+          <a:ln>
+            <a:solidFill>
+              <a:schemeClr val="accent1"/>
+            </a:solidFill>
+          </a:ln>
+        </p:spPr>
+      </p:pic>
+    </p:spTree>
+    <p:extLst>
+      <p:ext uri="{BB962C8B-B14F-4D97-AF65-F5344CB8AC3E}">
+        <p14:creationId xmlns:p14="http://schemas.microsoft.com/office/powerpoint/2010/main" val="2836597628"/>
+      </p:ext>
+    </p:extLst>
+  </p:cSld>
+  <p:clrMapOvr>
+    <a:masterClrMapping/>
+  </p:clrMapOvr>
+</p:sld>
+</file>
+
+<file path=ppt/slides/slide15.xml><?xml version="1.0" encoding="utf-8"?>
+<p:sld xmlns:a="http://schemas.openxmlformats.org/drawingml/2006/main" xmlns:r="http://schemas.openxmlformats.org/officeDocument/2006/relationships" xmlns:p="http://schemas.openxmlformats.org/presentationml/2006/main">
+  <p:cSld>
+    <p:spTree>
+      <p:nvGrpSpPr>
+        <p:cNvPr id="1" name=""/>
+        <p:cNvGrpSpPr/>
+        <p:nvPr/>
+      </p:nvGrpSpPr>
+      <p:grpSpPr>
+        <a:xfrm>
+          <a:off x="0" y="0"/>
+          <a:ext cx="0" cy="0"/>
+          <a:chOff x="0" y="0"/>
+          <a:chExt cx="0" cy="0"/>
+        </a:xfrm>
+      </p:grpSpPr>
+      <p:sp>
+        <p:nvSpPr>
+          <p:cNvPr id="4" name="Rectangle 3">
+            <a:extLst>
+              <a:ext uri="{FF2B5EF4-FFF2-40B4-BE49-F238E27FC236}">
+                <a16:creationId xmlns:a16="http://schemas.microsoft.com/office/drawing/2014/main" id="{055C22F7-3FD1-4C1B-8D0C-0C2F7FB61DBE}"/>
+              </a:ext>
+            </a:extLst>
+          </p:cNvPr>
+          <p:cNvSpPr/>
+          <p:nvPr/>
+        </p:nvSpPr>
+        <p:spPr>
+          <a:xfrm>
+            <a:off x="0" y="8878"/>
+            <a:ext cx="12183122" cy="497150"/>
+          </a:xfrm>
+          <a:prstGeom prst="rect">
+            <a:avLst/>
+          </a:prstGeom>
+          <a:solidFill>
+            <a:srgbClr val="0070C0"/>
+          </a:solidFill>
+        </p:spPr>
+        <p:style>
+          <a:lnRef idx="2">
+            <a:schemeClr val="accent1">
+              <a:shade val="50000"/>
+            </a:schemeClr>
+          </a:lnRef>
+          <a:fillRef idx="1">
+            <a:schemeClr val="accent1"/>
+          </a:fillRef>
+          <a:effectRef idx="0">
+            <a:schemeClr val="accent1"/>
+          </a:effectRef>
+          <a:fontRef idx="minor">
+            <a:schemeClr val="lt1"/>
+          </a:fontRef>
+        </p:style>
+        <p:txBody>
+          <a:bodyPr rtlCol="0" anchor="ctr"/>
+          <a:lstStyle/>
+          <a:p>
+            <a:pPr algn="ctr"/>
+            <a:r>
+              <a:rPr lang="en-US" b="1" dirty="0">
+                <a:latin typeface="Verdana" panose="020B0604030504040204" pitchFamily="34" charset="0"/>
+                <a:ea typeface="Verdana" panose="020B0604030504040204" pitchFamily="34" charset="0"/>
+              </a:rPr>
+              <a:t>Adding gRPC Client inside </a:t>
+            </a:r>
+            <a:r>
+              <a:rPr lang="en-US" b="1" dirty="0" err="1">
+                <a:latin typeface="Verdana" panose="020B0604030504040204" pitchFamily="34" charset="0"/>
+                <a:ea typeface="Verdana" panose="020B0604030504040204" pitchFamily="34" charset="0"/>
+              </a:rPr>
+              <a:t>.Net</a:t>
+            </a:r>
+            <a:r>
+              <a:rPr lang="en-US" b="1" dirty="0">
+                <a:latin typeface="Verdana" panose="020B0604030504040204" pitchFamily="34" charset="0"/>
+                <a:ea typeface="Verdana" panose="020B0604030504040204" pitchFamily="34" charset="0"/>
+              </a:rPr>
+              <a:t> Core Angular App</a:t>
+            </a:r>
+            <a:endParaRPr lang="en-IN" b="1" dirty="0">
+              <a:latin typeface="Verdana" panose="020B0604030504040204" pitchFamily="34" charset="0"/>
+              <a:ea typeface="Verdana" panose="020B0604030504040204" pitchFamily="34" charset="0"/>
+            </a:endParaRPr>
+          </a:p>
+        </p:txBody>
+      </p:sp>
+      <p:sp>
+        <p:nvSpPr>
+          <p:cNvPr id="7" name="Rectangle 6">
+            <a:extLst>
+              <a:ext uri="{FF2B5EF4-FFF2-40B4-BE49-F238E27FC236}">
+                <a16:creationId xmlns:a16="http://schemas.microsoft.com/office/drawing/2014/main" id="{B10720DE-FD2A-4FE5-B9FB-74854D01A659}"/>
+              </a:ext>
+            </a:extLst>
+          </p:cNvPr>
+          <p:cNvSpPr/>
+          <p:nvPr/>
+        </p:nvSpPr>
+        <p:spPr>
+          <a:xfrm>
+            <a:off x="0" y="6383046"/>
+            <a:ext cx="12183122" cy="57703"/>
+          </a:xfrm>
+          <a:prstGeom prst="rect">
+            <a:avLst/>
+          </a:prstGeom>
+          <a:solidFill>
+            <a:srgbClr val="0070C0"/>
+          </a:solidFill>
+        </p:spPr>
+        <p:style>
+          <a:lnRef idx="2">
+            <a:schemeClr val="accent1">
+              <a:shade val="50000"/>
+            </a:schemeClr>
+          </a:lnRef>
+          <a:fillRef idx="1">
+            <a:schemeClr val="accent1"/>
+          </a:fillRef>
+          <a:effectRef idx="0">
+            <a:schemeClr val="accent1"/>
+          </a:effectRef>
+          <a:fontRef idx="minor">
+            <a:schemeClr val="lt1"/>
+          </a:fontRef>
+        </p:style>
+        <p:txBody>
+          <a:bodyPr rtlCol="0" anchor="ctr"/>
+          <a:lstStyle/>
+          <a:p>
+            <a:pPr algn="ctr"/>
+            <a:endParaRPr lang="en-IN" sz="1000" dirty="0">
+              <a:latin typeface="Verdana" panose="020B0604030504040204" pitchFamily="34" charset="0"/>
+              <a:ea typeface="Verdana" panose="020B0604030504040204" pitchFamily="34" charset="0"/>
+            </a:endParaRPr>
+          </a:p>
+        </p:txBody>
+      </p:sp>
+      <p:sp>
+        <p:nvSpPr>
+          <p:cNvPr id="8" name="Footer Placeholder 7">
+            <a:extLst>
+              <a:ext uri="{FF2B5EF4-FFF2-40B4-BE49-F238E27FC236}">
+                <a16:creationId xmlns:a16="http://schemas.microsoft.com/office/drawing/2014/main" id="{DD2A19CA-EC18-432D-8F8F-17079808F38B}"/>
+              </a:ext>
+            </a:extLst>
+          </p:cNvPr>
+          <p:cNvSpPr>
+            <a:spLocks noGrp="1"/>
+          </p:cNvSpPr>
+          <p:nvPr>
+            <p:ph type="ftr" sz="quarter" idx="11"/>
+          </p:nvPr>
+        </p:nvSpPr>
+        <p:spPr>
+          <a:xfrm>
+            <a:off x="4038600" y="6427374"/>
+            <a:ext cx="4114800" cy="365125"/>
+          </a:xfrm>
+        </p:spPr>
+        <p:txBody>
+          <a:bodyPr/>
+          <a:lstStyle/>
+          <a:p>
+            <a:r>
+              <a:rPr lang="en-IN" b="1" dirty="0">
+                <a:solidFill>
+                  <a:srgbClr val="002060"/>
+                </a:solidFill>
+                <a:latin typeface="Verdana" panose="020B0604030504040204" pitchFamily="34" charset="0"/>
+                <a:ea typeface="Verdana" panose="020B0604030504040204" pitchFamily="34" charset="0"/>
+              </a:rPr>
+              <a:t>13-Jun-2020</a:t>
+            </a:r>
+          </a:p>
+        </p:txBody>
+      </p:sp>
+      <p:sp>
+        <p:nvSpPr>
+          <p:cNvPr id="9" name="Slide Number Placeholder 8">
+            <a:extLst>
+              <a:ext uri="{FF2B5EF4-FFF2-40B4-BE49-F238E27FC236}">
+                <a16:creationId xmlns:a16="http://schemas.microsoft.com/office/drawing/2014/main" id="{8162625C-0B1F-42E0-BE7C-D99A08FED7A3}"/>
+              </a:ext>
+            </a:extLst>
+          </p:cNvPr>
+          <p:cNvSpPr>
+            <a:spLocks noGrp="1"/>
+          </p:cNvSpPr>
+          <p:nvPr>
+            <p:ph type="sldNum" sz="quarter" idx="12"/>
+          </p:nvPr>
+        </p:nvSpPr>
+        <p:spPr>
+          <a:xfrm>
+            <a:off x="8610600" y="6427374"/>
+            <a:ext cx="2743200" cy="365125"/>
+          </a:xfrm>
+        </p:spPr>
+        <p:txBody>
+          <a:bodyPr/>
+          <a:lstStyle/>
+          <a:p>
+            <a:fld id="{30AF63FB-5233-4811-A918-B572E3A55817}" type="slidenum">
+              <a:rPr lang="en-IN" b="1" smtClean="0">
+                <a:solidFill>
+                  <a:srgbClr val="002060"/>
+                </a:solidFill>
+                <a:latin typeface="Verdana" panose="020B0604030504040204" pitchFamily="34" charset="0"/>
+                <a:ea typeface="Verdana" panose="020B0604030504040204" pitchFamily="34" charset="0"/>
+              </a:rPr>
+              <a:t>15</a:t>
+            </a:fld>
+            <a:endParaRPr lang="en-IN" b="1" dirty="0">
+              <a:solidFill>
+                <a:srgbClr val="002060"/>
+              </a:solidFill>
+              <a:latin typeface="Verdana" panose="020B0604030504040204" pitchFamily="34" charset="0"/>
+              <a:ea typeface="Verdana" panose="020B0604030504040204" pitchFamily="34" charset="0"/>
+            </a:endParaRPr>
+          </a:p>
+        </p:txBody>
+      </p:sp>
+      <p:sp>
+        <p:nvSpPr>
+          <p:cNvPr id="12" name="Footer Placeholder 7">
+            <a:extLst>
+              <a:ext uri="{FF2B5EF4-FFF2-40B4-BE49-F238E27FC236}">
+                <a16:creationId xmlns:a16="http://schemas.microsoft.com/office/drawing/2014/main" id="{64C57949-E349-47D3-A505-A098233AF49D}"/>
+              </a:ext>
+            </a:extLst>
+          </p:cNvPr>
+          <p:cNvSpPr txBox="1">
+            <a:spLocks/>
+          </p:cNvSpPr>
+          <p:nvPr/>
+        </p:nvSpPr>
+        <p:spPr>
+          <a:xfrm>
+            <a:off x="133897" y="6428848"/>
+            <a:ext cx="4114800" cy="365125"/>
+          </a:xfrm>
+          <a:prstGeom prst="rect">
+            <a:avLst/>
+          </a:prstGeom>
+        </p:spPr>
+        <p:txBody>
+          <a:bodyPr vert="horz" lIns="91440" tIns="45720" rIns="91440" bIns="45720" rtlCol="0" anchor="ctr"/>
+          <a:lstStyle>
+            <a:defPPr>
+              <a:defRPr lang="en-US"/>
+            </a:defPPr>
+            <a:lvl1pPr marL="0" algn="ctr" defTabSz="914400" rtl="0" eaLnBrk="1" latinLnBrk="0" hangingPunct="1">
+              <a:defRPr sz="1200" kern="1200">
+                <a:solidFill>
+                  <a:schemeClr val="tx1">
+                    <a:tint val="75000"/>
+                  </a:schemeClr>
+                </a:solidFill>
+                <a:latin typeface="+mn-lt"/>
+                <a:ea typeface="+mn-ea"/>
+                <a:cs typeface="+mn-cs"/>
+              </a:defRPr>
+            </a:lvl1pPr>
+            <a:lvl2pPr marL="457200" algn="l" defTabSz="914400" rtl="0" eaLnBrk="1" latinLnBrk="0" hangingPunct="1">
+              <a:defRPr sz="1800" kern="1200">
+                <a:solidFill>
+                  <a:schemeClr val="tx1"/>
+                </a:solidFill>
+                <a:latin typeface="+mn-lt"/>
+                <a:ea typeface="+mn-ea"/>
+                <a:cs typeface="+mn-cs"/>
+              </a:defRPr>
+            </a:lvl2pPr>
+            <a:lvl3pPr marL="914400" algn="l" defTabSz="914400" rtl="0" eaLnBrk="1" latinLnBrk="0" hangingPunct="1">
+              <a:defRPr sz="1800" kern="1200">
+                <a:solidFill>
+                  <a:schemeClr val="tx1"/>
+                </a:solidFill>
+                <a:latin typeface="+mn-lt"/>
+                <a:ea typeface="+mn-ea"/>
+                <a:cs typeface="+mn-cs"/>
+              </a:defRPr>
+            </a:lvl3pPr>
+            <a:lvl4pPr marL="1371600" algn="l" defTabSz="914400" rtl="0" eaLnBrk="1" latinLnBrk="0" hangingPunct="1">
+              <a:defRPr sz="1800" kern="1200">
+                <a:solidFill>
+                  <a:schemeClr val="tx1"/>
+                </a:solidFill>
+                <a:latin typeface="+mn-lt"/>
+                <a:ea typeface="+mn-ea"/>
+                <a:cs typeface="+mn-cs"/>
+              </a:defRPr>
+            </a:lvl4pPr>
+            <a:lvl5pPr marL="1828800" algn="l" defTabSz="914400" rtl="0" eaLnBrk="1" latinLnBrk="0" hangingPunct="1">
+              <a:defRPr sz="1800" kern="1200">
+                <a:solidFill>
+                  <a:schemeClr val="tx1"/>
+                </a:solidFill>
+                <a:latin typeface="+mn-lt"/>
+                <a:ea typeface="+mn-ea"/>
+                <a:cs typeface="+mn-cs"/>
+              </a:defRPr>
+            </a:lvl5pPr>
+            <a:lvl6pPr marL="2286000" algn="l" defTabSz="914400" rtl="0" eaLnBrk="1" latinLnBrk="0" hangingPunct="1">
+              <a:defRPr sz="1800" kern="1200">
+                <a:solidFill>
+                  <a:schemeClr val="tx1"/>
+                </a:solidFill>
+                <a:latin typeface="+mn-lt"/>
+                <a:ea typeface="+mn-ea"/>
+                <a:cs typeface="+mn-cs"/>
+              </a:defRPr>
+            </a:lvl6pPr>
+            <a:lvl7pPr marL="2743200" algn="l" defTabSz="914400" rtl="0" eaLnBrk="1" latinLnBrk="0" hangingPunct="1">
+              <a:defRPr sz="1800" kern="1200">
+                <a:solidFill>
+                  <a:schemeClr val="tx1"/>
+                </a:solidFill>
+                <a:latin typeface="+mn-lt"/>
+                <a:ea typeface="+mn-ea"/>
+                <a:cs typeface="+mn-cs"/>
+              </a:defRPr>
+            </a:lvl7pPr>
+            <a:lvl8pPr marL="3200400" algn="l" defTabSz="914400" rtl="0" eaLnBrk="1" latinLnBrk="0" hangingPunct="1">
+              <a:defRPr sz="1800" kern="1200">
+                <a:solidFill>
+                  <a:schemeClr val="tx1"/>
+                </a:solidFill>
+                <a:latin typeface="+mn-lt"/>
+                <a:ea typeface="+mn-ea"/>
+                <a:cs typeface="+mn-cs"/>
+              </a:defRPr>
+            </a:lvl8pPr>
+            <a:lvl9pPr marL="3657600" algn="l" defTabSz="914400" rtl="0" eaLnBrk="1" latinLnBrk="0" hangingPunct="1">
+              <a:defRPr sz="1800" kern="1200">
+                <a:solidFill>
+                  <a:schemeClr val="tx1"/>
+                </a:solidFill>
+                <a:latin typeface="+mn-lt"/>
+                <a:ea typeface="+mn-ea"/>
+                <a:cs typeface="+mn-cs"/>
+              </a:defRPr>
+            </a:lvl9pPr>
+          </a:lstStyle>
+          <a:p>
+            <a:r>
+              <a:rPr lang="en-IN" b="1" dirty="0">
+                <a:solidFill>
+                  <a:srgbClr val="002060"/>
+                </a:solidFill>
+                <a:latin typeface="Verdana" panose="020B0604030504040204" pitchFamily="34" charset="0"/>
+                <a:ea typeface="Verdana" panose="020B0604030504040204" pitchFamily="34" charset="0"/>
+              </a:rPr>
+              <a:t>C# Corner</a:t>
+            </a:r>
+          </a:p>
+        </p:txBody>
+      </p:sp>
+      <p:sp>
+        <p:nvSpPr>
+          <p:cNvPr id="11" name="Rectangle 10">
+            <a:extLst>
+              <a:ext uri="{FF2B5EF4-FFF2-40B4-BE49-F238E27FC236}">
+                <a16:creationId xmlns:a16="http://schemas.microsoft.com/office/drawing/2014/main" id="{F60D9B38-5067-4841-9B4A-CE7786A2CB4A}"/>
+              </a:ext>
+            </a:extLst>
+          </p:cNvPr>
+          <p:cNvSpPr/>
+          <p:nvPr/>
+        </p:nvSpPr>
+        <p:spPr>
+          <a:xfrm>
+            <a:off x="1422176" y="588106"/>
+            <a:ext cx="9312165" cy="4128694"/>
           </a:xfrm>
           <a:prstGeom prst="rect">
             <a:avLst/>
@@ -6099,7 +7056,7 @@
           <a:p>
             <a:pPr algn="ctr"/>
             <a:r>
-              <a:rPr lang="en-US" sz="19900" b="1" cap="none" spc="0" dirty="0">
+              <a:rPr lang="en-US" sz="8800" b="1" cap="none" spc="0" dirty="0">
                 <a:ln w="9525">
                   <a:solidFill>
                     <a:schemeClr val="bg1"/>
@@ -6117,48 +7074,1548 @@
                     </a:schemeClr>
                   </a:outerShdw>
                 </a:effectLst>
-              </a:rPr>
-              <a:t>Thank You</a:t>
-            </a:r>
-          </a:p>
-        </p:txBody>
-      </p:sp>
-      <p:pic>
-        <p:nvPicPr>
-          <p:cNvPr id="10" name="Picture 9">
-            <a:extLst>
-              <a:ext uri="{FF2B5EF4-FFF2-40B4-BE49-F238E27FC236}">
-                <a16:creationId xmlns:a16="http://schemas.microsoft.com/office/drawing/2014/main" id="{09374AC2-E72B-4AA4-B79D-DCF624841B2D}"/>
-              </a:ext>
-            </a:extLst>
-          </p:cNvPr>
-          <p:cNvPicPr>
-            <a:picLocks noChangeAspect="1"/>
-          </p:cNvPicPr>
+                <a:latin typeface="Verdana" panose="020B0604030504040204" pitchFamily="34" charset="0"/>
+                <a:ea typeface="Verdana" panose="020B0604030504040204" pitchFamily="34" charset="0"/>
+              </a:rPr>
+              <a:t>Demo</a:t>
+            </a:r>
+          </a:p>
+          <a:p>
+            <a:pPr marL="1371600" indent="-1371600" algn="ctr">
+              <a:buAutoNum type="arabicPeriod"/>
+            </a:pPr>
+            <a:endParaRPr lang="en-US" sz="4000" b="1" cap="none" spc="0" dirty="0">
+              <a:ln w="9525">
+                <a:solidFill>
+                  <a:schemeClr val="bg1"/>
+                </a:solidFill>
+                <a:prstDash val="solid"/>
+              </a:ln>
+              <a:solidFill>
+                <a:schemeClr val="accent5"/>
+              </a:solidFill>
+              <a:effectLst>
+                <a:outerShdw blurRad="12700" dist="38100" dir="2700000" algn="tl" rotWithShape="0">
+                  <a:schemeClr val="accent5">
+                    <a:lumMod val="60000"/>
+                    <a:lumOff val="40000"/>
+                  </a:schemeClr>
+                </a:outerShdw>
+              </a:effectLst>
+              <a:latin typeface="Verdana" panose="020B0604030504040204" pitchFamily="34" charset="0"/>
+              <a:ea typeface="Verdana" panose="020B0604030504040204" pitchFamily="34" charset="0"/>
+            </a:endParaRPr>
+          </a:p>
+          <a:p>
+            <a:pPr algn="ctr">
+              <a:lnSpc>
+                <a:spcPct val="150000"/>
+              </a:lnSpc>
+            </a:pPr>
+            <a:r>
+              <a:rPr lang="en-US" sz="4800" b="1" dirty="0">
+                <a:ln w="9525">
+                  <a:solidFill>
+                    <a:schemeClr val="bg1"/>
+                  </a:solidFill>
+                  <a:prstDash val="solid"/>
+                </a:ln>
+                <a:solidFill>
+                  <a:schemeClr val="accent5"/>
+                </a:solidFill>
+                <a:effectLst>
+                  <a:outerShdw blurRad="12700" dist="38100" dir="2700000" algn="tl" rotWithShape="0">
+                    <a:schemeClr val="accent5">
+                      <a:lumMod val="60000"/>
+                      <a:lumOff val="40000"/>
+                    </a:schemeClr>
+                  </a:outerShdw>
+                </a:effectLst>
+                <a:latin typeface="Verdana" panose="020B0604030504040204" pitchFamily="34" charset="0"/>
+                <a:ea typeface="Verdana" panose="020B0604030504040204" pitchFamily="34" charset="0"/>
+              </a:rPr>
+              <a:t>Adding gRPC Client inside </a:t>
+            </a:r>
+          </a:p>
+          <a:p>
+            <a:pPr algn="ctr">
+              <a:lnSpc>
+                <a:spcPct val="150000"/>
+              </a:lnSpc>
+            </a:pPr>
+            <a:r>
+              <a:rPr lang="en-US" sz="4800" b="1" dirty="0" err="1">
+                <a:ln w="9525">
+                  <a:solidFill>
+                    <a:schemeClr val="bg1"/>
+                  </a:solidFill>
+                  <a:prstDash val="solid"/>
+                </a:ln>
+                <a:solidFill>
+                  <a:schemeClr val="accent5"/>
+                </a:solidFill>
+                <a:effectLst>
+                  <a:outerShdw blurRad="12700" dist="38100" dir="2700000" algn="tl" rotWithShape="0">
+                    <a:schemeClr val="accent5">
+                      <a:lumMod val="60000"/>
+                      <a:lumOff val="40000"/>
+                    </a:schemeClr>
+                  </a:outerShdw>
+                </a:effectLst>
+                <a:latin typeface="Verdana" panose="020B0604030504040204" pitchFamily="34" charset="0"/>
+                <a:ea typeface="Verdana" panose="020B0604030504040204" pitchFamily="34" charset="0"/>
+              </a:rPr>
+              <a:t>.Net</a:t>
+            </a:r>
+            <a:r>
+              <a:rPr lang="en-US" sz="4800" b="1" dirty="0">
+                <a:ln w="9525">
+                  <a:solidFill>
+                    <a:schemeClr val="bg1"/>
+                  </a:solidFill>
+                  <a:prstDash val="solid"/>
+                </a:ln>
+                <a:solidFill>
+                  <a:schemeClr val="accent5"/>
+                </a:solidFill>
+                <a:effectLst>
+                  <a:outerShdw blurRad="12700" dist="38100" dir="2700000" algn="tl" rotWithShape="0">
+                    <a:schemeClr val="accent5">
+                      <a:lumMod val="60000"/>
+                      <a:lumOff val="40000"/>
+                    </a:schemeClr>
+                  </a:outerShdw>
+                </a:effectLst>
+                <a:latin typeface="Verdana" panose="020B0604030504040204" pitchFamily="34" charset="0"/>
+                <a:ea typeface="Verdana" panose="020B0604030504040204" pitchFamily="34" charset="0"/>
+              </a:rPr>
+              <a:t> Core Angular App</a:t>
+            </a:r>
+          </a:p>
+        </p:txBody>
+      </p:sp>
+    </p:spTree>
+    <p:extLst>
+      <p:ext uri="{BB962C8B-B14F-4D97-AF65-F5344CB8AC3E}">
+        <p14:creationId xmlns:p14="http://schemas.microsoft.com/office/powerpoint/2010/main" val="1488147421"/>
+      </p:ext>
+    </p:extLst>
+  </p:cSld>
+  <p:clrMapOvr>
+    <a:masterClrMapping/>
+  </p:clrMapOvr>
+</p:sld>
+</file>
+
+<file path=ppt/slides/slide16.xml><?xml version="1.0" encoding="utf-8"?>
+<p:sld xmlns:a="http://schemas.openxmlformats.org/drawingml/2006/main" xmlns:r="http://schemas.openxmlformats.org/officeDocument/2006/relationships" xmlns:p="http://schemas.openxmlformats.org/presentationml/2006/main">
+  <p:cSld>
+    <p:spTree>
+      <p:nvGrpSpPr>
+        <p:cNvPr id="1" name=""/>
+        <p:cNvGrpSpPr/>
+        <p:nvPr/>
+      </p:nvGrpSpPr>
+      <p:grpSpPr>
+        <a:xfrm>
+          <a:off x="0" y="0"/>
+          <a:ext cx="0" cy="0"/>
+          <a:chOff x="0" y="0"/>
+          <a:chExt cx="0" cy="0"/>
+        </a:xfrm>
+      </p:grpSpPr>
+      <p:sp>
+        <p:nvSpPr>
+          <p:cNvPr id="4" name="Rectangle 3">
+            <a:extLst>
+              <a:ext uri="{FF2B5EF4-FFF2-40B4-BE49-F238E27FC236}">
+                <a16:creationId xmlns:a16="http://schemas.microsoft.com/office/drawing/2014/main" id="{055C22F7-3FD1-4C1B-8D0C-0C2F7FB61DBE}"/>
+              </a:ext>
+            </a:extLst>
+          </p:cNvPr>
+          <p:cNvSpPr/>
           <p:nvPr/>
-        </p:nvPicPr>
-        <p:blipFill>
-          <a:blip r:embed="rId2" cstate="print">
-            <a:extLst>
-              <a:ext uri="{28A0092B-C50C-407E-A947-70E740481C1C}">
-                <a14:useLocalDpi xmlns:a14="http://schemas.microsoft.com/office/drawing/2010/main" val="0"/>
-              </a:ext>
-            </a:extLst>
-          </a:blip>
-          <a:stretch>
-            <a:fillRect/>
-          </a:stretch>
-        </p:blipFill>
-        <p:spPr>
-          <a:xfrm>
-            <a:off x="133897" y="633074"/>
-            <a:ext cx="2121352" cy="1117894"/>
+        </p:nvSpPr>
+        <p:spPr>
+          <a:xfrm>
+            <a:off x="0" y="8878"/>
+            <a:ext cx="12183122" cy="497150"/>
           </a:xfrm>
           <a:prstGeom prst="rect">
             <a:avLst/>
           </a:prstGeom>
-        </p:spPr>
-      </p:pic>
+          <a:solidFill>
+            <a:srgbClr val="0070C0"/>
+          </a:solidFill>
+        </p:spPr>
+        <p:style>
+          <a:lnRef idx="2">
+            <a:schemeClr val="accent1">
+              <a:shade val="50000"/>
+            </a:schemeClr>
+          </a:lnRef>
+          <a:fillRef idx="1">
+            <a:schemeClr val="accent1"/>
+          </a:fillRef>
+          <a:effectRef idx="0">
+            <a:schemeClr val="accent1"/>
+          </a:effectRef>
+          <a:fontRef idx="minor">
+            <a:schemeClr val="lt1"/>
+          </a:fontRef>
+        </p:style>
+        <p:txBody>
+          <a:bodyPr rtlCol="0" anchor="ctr"/>
+          <a:lstStyle/>
+          <a:p>
+            <a:pPr algn="ctr"/>
+            <a:r>
+              <a:rPr lang="en-US" dirty="0">
+                <a:latin typeface="Verdana" panose="020B0604030504040204" pitchFamily="34" charset="0"/>
+                <a:ea typeface="Verdana" panose="020B0604030504040204" pitchFamily="34" charset="0"/>
+              </a:rPr>
+              <a:t>What is next?</a:t>
+            </a:r>
+            <a:endParaRPr lang="en-IN" dirty="0">
+              <a:latin typeface="Verdana" panose="020B0604030504040204" pitchFamily="34" charset="0"/>
+              <a:ea typeface="Verdana" panose="020B0604030504040204" pitchFamily="34" charset="0"/>
+            </a:endParaRPr>
+          </a:p>
+        </p:txBody>
+      </p:sp>
+      <p:sp>
+        <p:nvSpPr>
+          <p:cNvPr id="7" name="Rectangle 6">
+            <a:extLst>
+              <a:ext uri="{FF2B5EF4-FFF2-40B4-BE49-F238E27FC236}">
+                <a16:creationId xmlns:a16="http://schemas.microsoft.com/office/drawing/2014/main" id="{B10720DE-FD2A-4FE5-B9FB-74854D01A659}"/>
+              </a:ext>
+            </a:extLst>
+          </p:cNvPr>
+          <p:cNvSpPr/>
+          <p:nvPr/>
+        </p:nvSpPr>
+        <p:spPr>
+          <a:xfrm>
+            <a:off x="0" y="6383046"/>
+            <a:ext cx="12183122" cy="57703"/>
+          </a:xfrm>
+          <a:prstGeom prst="rect">
+            <a:avLst/>
+          </a:prstGeom>
+          <a:solidFill>
+            <a:srgbClr val="0070C0"/>
+          </a:solidFill>
+        </p:spPr>
+        <p:style>
+          <a:lnRef idx="2">
+            <a:schemeClr val="accent1">
+              <a:shade val="50000"/>
+            </a:schemeClr>
+          </a:lnRef>
+          <a:fillRef idx="1">
+            <a:schemeClr val="accent1"/>
+          </a:fillRef>
+          <a:effectRef idx="0">
+            <a:schemeClr val="accent1"/>
+          </a:effectRef>
+          <a:fontRef idx="minor">
+            <a:schemeClr val="lt1"/>
+          </a:fontRef>
+        </p:style>
+        <p:txBody>
+          <a:bodyPr rtlCol="0" anchor="ctr"/>
+          <a:lstStyle/>
+          <a:p>
+            <a:pPr algn="ctr"/>
+            <a:endParaRPr lang="en-IN" sz="1000" dirty="0">
+              <a:latin typeface="Verdana" panose="020B0604030504040204" pitchFamily="34" charset="0"/>
+              <a:ea typeface="Verdana" panose="020B0604030504040204" pitchFamily="34" charset="0"/>
+            </a:endParaRPr>
+          </a:p>
+        </p:txBody>
+      </p:sp>
+      <p:sp>
+        <p:nvSpPr>
+          <p:cNvPr id="8" name="Footer Placeholder 7">
+            <a:extLst>
+              <a:ext uri="{FF2B5EF4-FFF2-40B4-BE49-F238E27FC236}">
+                <a16:creationId xmlns:a16="http://schemas.microsoft.com/office/drawing/2014/main" id="{DD2A19CA-EC18-432D-8F8F-17079808F38B}"/>
+              </a:ext>
+            </a:extLst>
+          </p:cNvPr>
+          <p:cNvSpPr>
+            <a:spLocks noGrp="1"/>
+          </p:cNvSpPr>
+          <p:nvPr>
+            <p:ph type="ftr" sz="quarter" idx="11"/>
+          </p:nvPr>
+        </p:nvSpPr>
+        <p:spPr>
+          <a:xfrm>
+            <a:off x="4038600" y="6427374"/>
+            <a:ext cx="4114800" cy="365125"/>
+          </a:xfrm>
+        </p:spPr>
+        <p:txBody>
+          <a:bodyPr/>
+          <a:lstStyle/>
+          <a:p>
+            <a:r>
+              <a:rPr lang="en-IN" b="1" dirty="0">
+                <a:solidFill>
+                  <a:srgbClr val="002060"/>
+                </a:solidFill>
+                <a:latin typeface="Verdana" panose="020B0604030504040204" pitchFamily="34" charset="0"/>
+                <a:ea typeface="Verdana" panose="020B0604030504040204" pitchFamily="34" charset="0"/>
+              </a:rPr>
+              <a:t>13-Jun-2020</a:t>
+            </a:r>
+          </a:p>
+        </p:txBody>
+      </p:sp>
+      <p:sp>
+        <p:nvSpPr>
+          <p:cNvPr id="9" name="Slide Number Placeholder 8">
+            <a:extLst>
+              <a:ext uri="{FF2B5EF4-FFF2-40B4-BE49-F238E27FC236}">
+                <a16:creationId xmlns:a16="http://schemas.microsoft.com/office/drawing/2014/main" id="{8162625C-0B1F-42E0-BE7C-D99A08FED7A3}"/>
+              </a:ext>
+            </a:extLst>
+          </p:cNvPr>
+          <p:cNvSpPr>
+            <a:spLocks noGrp="1"/>
+          </p:cNvSpPr>
+          <p:nvPr>
+            <p:ph type="sldNum" sz="quarter" idx="12"/>
+          </p:nvPr>
+        </p:nvSpPr>
+        <p:spPr>
+          <a:xfrm>
+            <a:off x="8610600" y="6427374"/>
+            <a:ext cx="2743200" cy="365125"/>
+          </a:xfrm>
+        </p:spPr>
+        <p:txBody>
+          <a:bodyPr/>
+          <a:lstStyle/>
+          <a:p>
+            <a:fld id="{30AF63FB-5233-4811-A918-B572E3A55817}" type="slidenum">
+              <a:rPr lang="en-IN" b="1" smtClean="0">
+                <a:solidFill>
+                  <a:srgbClr val="002060"/>
+                </a:solidFill>
+                <a:latin typeface="Verdana" panose="020B0604030504040204" pitchFamily="34" charset="0"/>
+                <a:ea typeface="Verdana" panose="020B0604030504040204" pitchFamily="34" charset="0"/>
+              </a:rPr>
+              <a:t>16</a:t>
+            </a:fld>
+            <a:endParaRPr lang="en-IN" b="1" dirty="0">
+              <a:solidFill>
+                <a:srgbClr val="002060"/>
+              </a:solidFill>
+              <a:latin typeface="Verdana" panose="020B0604030504040204" pitchFamily="34" charset="0"/>
+              <a:ea typeface="Verdana" panose="020B0604030504040204" pitchFamily="34" charset="0"/>
+            </a:endParaRPr>
+          </a:p>
+        </p:txBody>
+      </p:sp>
+      <p:sp>
+        <p:nvSpPr>
+          <p:cNvPr id="12" name="Footer Placeholder 7">
+            <a:extLst>
+              <a:ext uri="{FF2B5EF4-FFF2-40B4-BE49-F238E27FC236}">
+                <a16:creationId xmlns:a16="http://schemas.microsoft.com/office/drawing/2014/main" id="{64C57949-E349-47D3-A505-A098233AF49D}"/>
+              </a:ext>
+            </a:extLst>
+          </p:cNvPr>
+          <p:cNvSpPr txBox="1">
+            <a:spLocks/>
+          </p:cNvSpPr>
+          <p:nvPr/>
+        </p:nvSpPr>
+        <p:spPr>
+          <a:xfrm>
+            <a:off x="133897" y="6428848"/>
+            <a:ext cx="4114800" cy="365125"/>
+          </a:xfrm>
+          <a:prstGeom prst="rect">
+            <a:avLst/>
+          </a:prstGeom>
+        </p:spPr>
+        <p:txBody>
+          <a:bodyPr vert="horz" lIns="91440" tIns="45720" rIns="91440" bIns="45720" rtlCol="0" anchor="ctr"/>
+          <a:lstStyle>
+            <a:defPPr>
+              <a:defRPr lang="en-US"/>
+            </a:defPPr>
+            <a:lvl1pPr marL="0" algn="ctr" defTabSz="914400" rtl="0" eaLnBrk="1" latinLnBrk="0" hangingPunct="1">
+              <a:defRPr sz="1200" kern="1200">
+                <a:solidFill>
+                  <a:schemeClr val="tx1">
+                    <a:tint val="75000"/>
+                  </a:schemeClr>
+                </a:solidFill>
+                <a:latin typeface="+mn-lt"/>
+                <a:ea typeface="+mn-ea"/>
+                <a:cs typeface="+mn-cs"/>
+              </a:defRPr>
+            </a:lvl1pPr>
+            <a:lvl2pPr marL="457200" algn="l" defTabSz="914400" rtl="0" eaLnBrk="1" latinLnBrk="0" hangingPunct="1">
+              <a:defRPr sz="1800" kern="1200">
+                <a:solidFill>
+                  <a:schemeClr val="tx1"/>
+                </a:solidFill>
+                <a:latin typeface="+mn-lt"/>
+                <a:ea typeface="+mn-ea"/>
+                <a:cs typeface="+mn-cs"/>
+              </a:defRPr>
+            </a:lvl2pPr>
+            <a:lvl3pPr marL="914400" algn="l" defTabSz="914400" rtl="0" eaLnBrk="1" latinLnBrk="0" hangingPunct="1">
+              <a:defRPr sz="1800" kern="1200">
+                <a:solidFill>
+                  <a:schemeClr val="tx1"/>
+                </a:solidFill>
+                <a:latin typeface="+mn-lt"/>
+                <a:ea typeface="+mn-ea"/>
+                <a:cs typeface="+mn-cs"/>
+              </a:defRPr>
+            </a:lvl3pPr>
+            <a:lvl4pPr marL="1371600" algn="l" defTabSz="914400" rtl="0" eaLnBrk="1" latinLnBrk="0" hangingPunct="1">
+              <a:defRPr sz="1800" kern="1200">
+                <a:solidFill>
+                  <a:schemeClr val="tx1"/>
+                </a:solidFill>
+                <a:latin typeface="+mn-lt"/>
+                <a:ea typeface="+mn-ea"/>
+                <a:cs typeface="+mn-cs"/>
+              </a:defRPr>
+            </a:lvl4pPr>
+            <a:lvl5pPr marL="1828800" algn="l" defTabSz="914400" rtl="0" eaLnBrk="1" latinLnBrk="0" hangingPunct="1">
+              <a:defRPr sz="1800" kern="1200">
+                <a:solidFill>
+                  <a:schemeClr val="tx1"/>
+                </a:solidFill>
+                <a:latin typeface="+mn-lt"/>
+                <a:ea typeface="+mn-ea"/>
+                <a:cs typeface="+mn-cs"/>
+              </a:defRPr>
+            </a:lvl5pPr>
+            <a:lvl6pPr marL="2286000" algn="l" defTabSz="914400" rtl="0" eaLnBrk="1" latinLnBrk="0" hangingPunct="1">
+              <a:defRPr sz="1800" kern="1200">
+                <a:solidFill>
+                  <a:schemeClr val="tx1"/>
+                </a:solidFill>
+                <a:latin typeface="+mn-lt"/>
+                <a:ea typeface="+mn-ea"/>
+                <a:cs typeface="+mn-cs"/>
+              </a:defRPr>
+            </a:lvl6pPr>
+            <a:lvl7pPr marL="2743200" algn="l" defTabSz="914400" rtl="0" eaLnBrk="1" latinLnBrk="0" hangingPunct="1">
+              <a:defRPr sz="1800" kern="1200">
+                <a:solidFill>
+                  <a:schemeClr val="tx1"/>
+                </a:solidFill>
+                <a:latin typeface="+mn-lt"/>
+                <a:ea typeface="+mn-ea"/>
+                <a:cs typeface="+mn-cs"/>
+              </a:defRPr>
+            </a:lvl7pPr>
+            <a:lvl8pPr marL="3200400" algn="l" defTabSz="914400" rtl="0" eaLnBrk="1" latinLnBrk="0" hangingPunct="1">
+              <a:defRPr sz="1800" kern="1200">
+                <a:solidFill>
+                  <a:schemeClr val="tx1"/>
+                </a:solidFill>
+                <a:latin typeface="+mn-lt"/>
+                <a:ea typeface="+mn-ea"/>
+                <a:cs typeface="+mn-cs"/>
+              </a:defRPr>
+            </a:lvl8pPr>
+            <a:lvl9pPr marL="3657600" algn="l" defTabSz="914400" rtl="0" eaLnBrk="1" latinLnBrk="0" hangingPunct="1">
+              <a:defRPr sz="1800" kern="1200">
+                <a:solidFill>
+                  <a:schemeClr val="tx1"/>
+                </a:solidFill>
+                <a:latin typeface="+mn-lt"/>
+                <a:ea typeface="+mn-ea"/>
+                <a:cs typeface="+mn-cs"/>
+              </a:defRPr>
+            </a:lvl9pPr>
+          </a:lstStyle>
+          <a:p>
+            <a:r>
+              <a:rPr lang="en-IN" b="1" dirty="0">
+                <a:solidFill>
+                  <a:srgbClr val="002060"/>
+                </a:solidFill>
+                <a:latin typeface="Verdana" panose="020B0604030504040204" pitchFamily="34" charset="0"/>
+                <a:ea typeface="Verdana" panose="020B0604030504040204" pitchFamily="34" charset="0"/>
+              </a:rPr>
+              <a:t>C# Corner</a:t>
+            </a:r>
+          </a:p>
+        </p:txBody>
+      </p:sp>
+      <p:sp>
+        <p:nvSpPr>
+          <p:cNvPr id="13" name="TextBox 12">
+            <a:extLst>
+              <a:ext uri="{FF2B5EF4-FFF2-40B4-BE49-F238E27FC236}">
+                <a16:creationId xmlns:a16="http://schemas.microsoft.com/office/drawing/2014/main" id="{C93F71B2-BF87-46E1-B2C0-A074AD4881C2}"/>
+              </a:ext>
+            </a:extLst>
+          </p:cNvPr>
+          <p:cNvSpPr txBox="1"/>
+          <p:nvPr/>
+        </p:nvSpPr>
+        <p:spPr>
+          <a:xfrm>
+            <a:off x="80629" y="1898354"/>
+            <a:ext cx="12037390" cy="3415615"/>
+          </a:xfrm>
+          <a:prstGeom prst="rect">
+            <a:avLst/>
+          </a:prstGeom>
+          <a:noFill/>
+        </p:spPr>
+        <p:txBody>
+          <a:bodyPr wrap="square" rtlCol="0">
+            <a:spAutoFit/>
+          </a:bodyPr>
+          <a:lstStyle/>
+          <a:p>
+            <a:pPr>
+              <a:lnSpc>
+                <a:spcPct val="200000"/>
+              </a:lnSpc>
+            </a:pPr>
+            <a:r>
+              <a:rPr lang="en-US" sz="2000" dirty="0">
+                <a:solidFill>
+                  <a:srgbClr val="002060"/>
+                </a:solidFill>
+                <a:latin typeface="Verdana" panose="020B0604030504040204" pitchFamily="34" charset="0"/>
+                <a:ea typeface="Verdana" panose="020B0604030504040204" pitchFamily="34" charset="0"/>
+              </a:rPr>
+              <a:t>What we will discuss in next session (</a:t>
+            </a:r>
+            <a:r>
+              <a:rPr lang="en-US" sz="2000" b="1" dirty="0">
+                <a:solidFill>
+                  <a:srgbClr val="0070C0"/>
+                </a:solidFill>
+                <a:latin typeface="Verdana" panose="020B0604030504040204" pitchFamily="34" charset="0"/>
+                <a:ea typeface="Verdana" panose="020B0604030504040204" pitchFamily="34" charset="0"/>
+              </a:rPr>
+              <a:t>27-Jun-2020</a:t>
+            </a:r>
+            <a:r>
+              <a:rPr lang="en-US" sz="2000" dirty="0">
+                <a:solidFill>
+                  <a:srgbClr val="002060"/>
+                </a:solidFill>
+                <a:latin typeface="Verdana" panose="020B0604030504040204" pitchFamily="34" charset="0"/>
+                <a:ea typeface="Verdana" panose="020B0604030504040204" pitchFamily="34" charset="0"/>
+              </a:rPr>
+              <a:t>) ….</a:t>
+            </a:r>
+          </a:p>
+          <a:p>
+            <a:pPr marL="628650" lvl="1" indent="-171450">
+              <a:lnSpc>
+                <a:spcPct val="150000"/>
+              </a:lnSpc>
+              <a:buFont typeface="Wingdings" panose="05000000000000000000" pitchFamily="2" charset="2"/>
+              <a:buChar char="Ø"/>
+            </a:pPr>
+            <a:r>
+              <a:rPr lang="en-US" sz="2000" dirty="0">
+                <a:solidFill>
+                  <a:srgbClr val="002060"/>
+                </a:solidFill>
+                <a:latin typeface="Verdana" panose="020B0604030504040204" pitchFamily="34" charset="0"/>
+                <a:ea typeface="Verdana" panose="020B0604030504040204" pitchFamily="34" charset="0"/>
+              </a:rPr>
+              <a:t> Using the Redis Cache from Azure. </a:t>
+            </a:r>
+          </a:p>
+          <a:p>
+            <a:pPr marL="628650" lvl="1" indent="-171450">
+              <a:lnSpc>
+                <a:spcPct val="150000"/>
+              </a:lnSpc>
+              <a:buFont typeface="Wingdings" panose="05000000000000000000" pitchFamily="2" charset="2"/>
+              <a:buChar char="Ø"/>
+            </a:pPr>
+            <a:r>
+              <a:rPr lang="en-US" sz="2000" dirty="0">
+                <a:solidFill>
+                  <a:srgbClr val="002060"/>
+                </a:solidFill>
+                <a:latin typeface="Verdana" panose="020B0604030504040204" pitchFamily="34" charset="0"/>
+                <a:ea typeface="Verdana" panose="020B0604030504040204" pitchFamily="34" charset="0"/>
+              </a:rPr>
+              <a:t> Using the SQL Server from Azure.</a:t>
+            </a:r>
+          </a:p>
+          <a:p>
+            <a:pPr marL="628650" lvl="1" indent="-171450">
+              <a:lnSpc>
+                <a:spcPct val="150000"/>
+              </a:lnSpc>
+              <a:buFont typeface="Wingdings" panose="05000000000000000000" pitchFamily="2" charset="2"/>
+              <a:buChar char="Ø"/>
+            </a:pPr>
+            <a:r>
+              <a:rPr lang="en-US" sz="2000" dirty="0">
+                <a:solidFill>
+                  <a:srgbClr val="002060"/>
+                </a:solidFill>
+                <a:latin typeface="Verdana" panose="020B0604030504040204" pitchFamily="34" charset="0"/>
+                <a:ea typeface="Verdana" panose="020B0604030504040204" pitchFamily="34" charset="0"/>
+              </a:rPr>
+              <a:t> Improvising the Project into Layers.</a:t>
+            </a:r>
+          </a:p>
+          <a:p>
+            <a:pPr marL="628650" lvl="1" indent="-171450">
+              <a:lnSpc>
+                <a:spcPct val="150000"/>
+              </a:lnSpc>
+              <a:buFont typeface="Wingdings" panose="05000000000000000000" pitchFamily="2" charset="2"/>
+              <a:buChar char="Ø"/>
+            </a:pPr>
+            <a:r>
+              <a:rPr lang="en-US" sz="2000" dirty="0">
+                <a:solidFill>
+                  <a:srgbClr val="002060"/>
+                </a:solidFill>
+                <a:latin typeface="Verdana" panose="020B0604030504040204" pitchFamily="34" charset="0"/>
+                <a:ea typeface="Verdana" panose="020B0604030504040204" pitchFamily="34" charset="0"/>
+              </a:rPr>
+              <a:t> Add, Edit, Delete methods added to Web API</a:t>
+            </a:r>
+          </a:p>
+          <a:p>
+            <a:pPr marL="628650" lvl="1" indent="-171450">
+              <a:lnSpc>
+                <a:spcPct val="150000"/>
+              </a:lnSpc>
+              <a:buFont typeface="Wingdings" panose="05000000000000000000" pitchFamily="2" charset="2"/>
+              <a:buChar char="Ø"/>
+            </a:pPr>
+            <a:r>
+              <a:rPr lang="en-US" sz="2000" dirty="0">
+                <a:solidFill>
+                  <a:srgbClr val="002060"/>
+                </a:solidFill>
+                <a:latin typeface="Verdana" panose="020B0604030504040204" pitchFamily="34" charset="0"/>
+                <a:ea typeface="Verdana" panose="020B0604030504040204" pitchFamily="34" charset="0"/>
+              </a:rPr>
+              <a:t> Invalidate the Cache when Add/Edit/Delete.</a:t>
+            </a:r>
+          </a:p>
+          <a:p>
+            <a:pPr marL="628650" lvl="1" indent="-171450">
+              <a:lnSpc>
+                <a:spcPct val="150000"/>
+              </a:lnSpc>
+              <a:buFont typeface="Wingdings" panose="05000000000000000000" pitchFamily="2" charset="2"/>
+              <a:buChar char="Ø"/>
+            </a:pPr>
+            <a:r>
+              <a:rPr lang="en-US" sz="2000" dirty="0">
+                <a:solidFill>
+                  <a:srgbClr val="002060"/>
+                </a:solidFill>
+                <a:latin typeface="Verdana" panose="020B0604030504040204" pitchFamily="34" charset="0"/>
+                <a:ea typeface="Verdana" panose="020B0604030504040204" pitchFamily="34" charset="0"/>
+              </a:rPr>
+              <a:t> Updating the Angular UI to accommodate Add/Edit/Delete.</a:t>
+            </a:r>
+          </a:p>
+        </p:txBody>
+      </p:sp>
+      <p:sp>
+        <p:nvSpPr>
+          <p:cNvPr id="5" name="Rectangle 4">
+            <a:extLst>
+              <a:ext uri="{FF2B5EF4-FFF2-40B4-BE49-F238E27FC236}">
+                <a16:creationId xmlns:a16="http://schemas.microsoft.com/office/drawing/2014/main" id="{11B56C48-04D4-42D7-A892-61E969B93239}"/>
+              </a:ext>
+            </a:extLst>
+          </p:cNvPr>
+          <p:cNvSpPr/>
+          <p:nvPr/>
+        </p:nvSpPr>
+        <p:spPr>
+          <a:xfrm>
+            <a:off x="2794573" y="829156"/>
+            <a:ext cx="6609502" cy="923330"/>
+          </a:xfrm>
+          <a:prstGeom prst="rect">
+            <a:avLst/>
+          </a:prstGeom>
+          <a:noFill/>
+        </p:spPr>
+        <p:txBody>
+          <a:bodyPr wrap="none" lIns="91440" tIns="45720" rIns="91440" bIns="45720">
+            <a:spAutoFit/>
+            <a:scene3d>
+              <a:camera prst="orthographicFront"/>
+              <a:lightRig rig="soft" dir="t">
+                <a:rot lat="0" lon="0" rev="15600000"/>
+              </a:lightRig>
+            </a:scene3d>
+            <a:sp3d extrusionH="57150" prstMaterial="softEdge">
+              <a:bevelT w="25400" h="38100"/>
+            </a:sp3d>
+          </a:bodyPr>
+          <a:lstStyle/>
+          <a:p>
+            <a:pPr algn="ctr"/>
+            <a:r>
+              <a:rPr lang="en-US" sz="5400" b="1" cap="none" spc="0" dirty="0">
+                <a:ln/>
+                <a:solidFill>
+                  <a:schemeClr val="accent4"/>
+                </a:solidFill>
+                <a:effectLst/>
+                <a:latin typeface="Verdana" panose="020B0604030504040204" pitchFamily="34" charset="0"/>
+                <a:ea typeface="Verdana" panose="020B0604030504040204" pitchFamily="34" charset="0"/>
+              </a:rPr>
+              <a:t>What is next ???</a:t>
+            </a:r>
+            <a:endParaRPr lang="en-IN" sz="5400" b="1" cap="none" spc="0" dirty="0">
+              <a:ln/>
+              <a:solidFill>
+                <a:schemeClr val="accent4"/>
+              </a:solidFill>
+              <a:effectLst/>
+              <a:latin typeface="Verdana" panose="020B0604030504040204" pitchFamily="34" charset="0"/>
+              <a:ea typeface="Verdana" panose="020B0604030504040204" pitchFamily="34" charset="0"/>
+            </a:endParaRPr>
+          </a:p>
+        </p:txBody>
+      </p:sp>
+    </p:spTree>
+    <p:extLst>
+      <p:ext uri="{BB962C8B-B14F-4D97-AF65-F5344CB8AC3E}">
+        <p14:creationId xmlns:p14="http://schemas.microsoft.com/office/powerpoint/2010/main" val="3499439994"/>
+      </p:ext>
+    </p:extLst>
+  </p:cSld>
+  <p:clrMapOvr>
+    <a:masterClrMapping/>
+  </p:clrMapOvr>
+</p:sld>
+</file>
+
+<file path=ppt/slides/slide17.xml><?xml version="1.0" encoding="utf-8"?>
+<p:sld xmlns:a="http://schemas.openxmlformats.org/drawingml/2006/main" xmlns:r="http://schemas.openxmlformats.org/officeDocument/2006/relationships" xmlns:p="http://schemas.openxmlformats.org/presentationml/2006/main">
+  <p:cSld>
+    <p:spTree>
+      <p:nvGrpSpPr>
+        <p:cNvPr id="1" name=""/>
+        <p:cNvGrpSpPr/>
+        <p:nvPr/>
+      </p:nvGrpSpPr>
+      <p:grpSpPr>
+        <a:xfrm>
+          <a:off x="0" y="0"/>
+          <a:ext cx="0" cy="0"/>
+          <a:chOff x="0" y="0"/>
+          <a:chExt cx="0" cy="0"/>
+        </a:xfrm>
+      </p:grpSpPr>
+      <p:sp>
+        <p:nvSpPr>
+          <p:cNvPr id="4" name="Rectangle 3">
+            <a:extLst>
+              <a:ext uri="{FF2B5EF4-FFF2-40B4-BE49-F238E27FC236}">
+                <a16:creationId xmlns:a16="http://schemas.microsoft.com/office/drawing/2014/main" id="{055C22F7-3FD1-4C1B-8D0C-0C2F7FB61DBE}"/>
+              </a:ext>
+            </a:extLst>
+          </p:cNvPr>
+          <p:cNvSpPr/>
+          <p:nvPr/>
+        </p:nvSpPr>
+        <p:spPr>
+          <a:xfrm>
+            <a:off x="0" y="8878"/>
+            <a:ext cx="12183122" cy="497150"/>
+          </a:xfrm>
+          <a:prstGeom prst="rect">
+            <a:avLst/>
+          </a:prstGeom>
+          <a:solidFill>
+            <a:srgbClr val="0070C0"/>
+          </a:solidFill>
+        </p:spPr>
+        <p:style>
+          <a:lnRef idx="2">
+            <a:schemeClr val="accent1">
+              <a:shade val="50000"/>
+            </a:schemeClr>
+          </a:lnRef>
+          <a:fillRef idx="1">
+            <a:schemeClr val="accent1"/>
+          </a:fillRef>
+          <a:effectRef idx="0">
+            <a:schemeClr val="accent1"/>
+          </a:effectRef>
+          <a:fontRef idx="minor">
+            <a:schemeClr val="lt1"/>
+          </a:fontRef>
+        </p:style>
+        <p:txBody>
+          <a:bodyPr rtlCol="0" anchor="ctr"/>
+          <a:lstStyle/>
+          <a:p>
+            <a:pPr algn="ctr"/>
+            <a:endParaRPr lang="en-IN" dirty="0">
+              <a:latin typeface="Verdana" panose="020B0604030504040204" pitchFamily="34" charset="0"/>
+              <a:ea typeface="Verdana" panose="020B0604030504040204" pitchFamily="34" charset="0"/>
+            </a:endParaRPr>
+          </a:p>
+        </p:txBody>
+      </p:sp>
+      <p:sp>
+        <p:nvSpPr>
+          <p:cNvPr id="7" name="Rectangle 6">
+            <a:extLst>
+              <a:ext uri="{FF2B5EF4-FFF2-40B4-BE49-F238E27FC236}">
+                <a16:creationId xmlns:a16="http://schemas.microsoft.com/office/drawing/2014/main" id="{B10720DE-FD2A-4FE5-B9FB-74854D01A659}"/>
+              </a:ext>
+            </a:extLst>
+          </p:cNvPr>
+          <p:cNvSpPr/>
+          <p:nvPr/>
+        </p:nvSpPr>
+        <p:spPr>
+          <a:xfrm>
+            <a:off x="0" y="6383046"/>
+            <a:ext cx="12183122" cy="57703"/>
+          </a:xfrm>
+          <a:prstGeom prst="rect">
+            <a:avLst/>
+          </a:prstGeom>
+          <a:solidFill>
+            <a:srgbClr val="0070C0"/>
+          </a:solidFill>
+        </p:spPr>
+        <p:style>
+          <a:lnRef idx="2">
+            <a:schemeClr val="accent1">
+              <a:shade val="50000"/>
+            </a:schemeClr>
+          </a:lnRef>
+          <a:fillRef idx="1">
+            <a:schemeClr val="accent1"/>
+          </a:fillRef>
+          <a:effectRef idx="0">
+            <a:schemeClr val="accent1"/>
+          </a:effectRef>
+          <a:fontRef idx="minor">
+            <a:schemeClr val="lt1"/>
+          </a:fontRef>
+        </p:style>
+        <p:txBody>
+          <a:bodyPr rtlCol="0" anchor="ctr"/>
+          <a:lstStyle/>
+          <a:p>
+            <a:pPr algn="ctr"/>
+            <a:endParaRPr lang="en-IN" sz="1000" dirty="0">
+              <a:latin typeface="Verdana" panose="020B0604030504040204" pitchFamily="34" charset="0"/>
+              <a:ea typeface="Verdana" panose="020B0604030504040204" pitchFamily="34" charset="0"/>
+            </a:endParaRPr>
+          </a:p>
+        </p:txBody>
+      </p:sp>
+      <p:sp>
+        <p:nvSpPr>
+          <p:cNvPr id="8" name="Footer Placeholder 7">
+            <a:extLst>
+              <a:ext uri="{FF2B5EF4-FFF2-40B4-BE49-F238E27FC236}">
+                <a16:creationId xmlns:a16="http://schemas.microsoft.com/office/drawing/2014/main" id="{DD2A19CA-EC18-432D-8F8F-17079808F38B}"/>
+              </a:ext>
+            </a:extLst>
+          </p:cNvPr>
+          <p:cNvSpPr>
+            <a:spLocks noGrp="1"/>
+          </p:cNvSpPr>
+          <p:nvPr>
+            <p:ph type="ftr" sz="quarter" idx="11"/>
+          </p:nvPr>
+        </p:nvSpPr>
+        <p:spPr>
+          <a:xfrm>
+            <a:off x="4038600" y="6427374"/>
+            <a:ext cx="4114800" cy="365125"/>
+          </a:xfrm>
+        </p:spPr>
+        <p:txBody>
+          <a:bodyPr/>
+          <a:lstStyle/>
+          <a:p>
+            <a:r>
+              <a:rPr lang="en-IN" b="1" dirty="0">
+                <a:solidFill>
+                  <a:srgbClr val="002060"/>
+                </a:solidFill>
+                <a:latin typeface="Verdana" panose="020B0604030504040204" pitchFamily="34" charset="0"/>
+                <a:ea typeface="Verdana" panose="020B0604030504040204" pitchFamily="34" charset="0"/>
+              </a:rPr>
+              <a:t>13-Jun-2020</a:t>
+            </a:r>
+          </a:p>
+        </p:txBody>
+      </p:sp>
+      <p:sp>
+        <p:nvSpPr>
+          <p:cNvPr id="9" name="Slide Number Placeholder 8">
+            <a:extLst>
+              <a:ext uri="{FF2B5EF4-FFF2-40B4-BE49-F238E27FC236}">
+                <a16:creationId xmlns:a16="http://schemas.microsoft.com/office/drawing/2014/main" id="{8162625C-0B1F-42E0-BE7C-D99A08FED7A3}"/>
+              </a:ext>
+            </a:extLst>
+          </p:cNvPr>
+          <p:cNvSpPr>
+            <a:spLocks noGrp="1"/>
+          </p:cNvSpPr>
+          <p:nvPr>
+            <p:ph type="sldNum" sz="quarter" idx="12"/>
+          </p:nvPr>
+        </p:nvSpPr>
+        <p:spPr>
+          <a:xfrm>
+            <a:off x="8610600" y="6427374"/>
+            <a:ext cx="2743200" cy="365125"/>
+          </a:xfrm>
+        </p:spPr>
+        <p:txBody>
+          <a:bodyPr/>
+          <a:lstStyle/>
+          <a:p>
+            <a:fld id="{30AF63FB-5233-4811-A918-B572E3A55817}" type="slidenum">
+              <a:rPr lang="en-IN" b="1" smtClean="0">
+                <a:solidFill>
+                  <a:srgbClr val="002060"/>
+                </a:solidFill>
+                <a:latin typeface="Verdana" panose="020B0604030504040204" pitchFamily="34" charset="0"/>
+                <a:ea typeface="Verdana" panose="020B0604030504040204" pitchFamily="34" charset="0"/>
+              </a:rPr>
+              <a:t>17</a:t>
+            </a:fld>
+            <a:endParaRPr lang="en-IN" b="1" dirty="0">
+              <a:solidFill>
+                <a:srgbClr val="002060"/>
+              </a:solidFill>
+              <a:latin typeface="Verdana" panose="020B0604030504040204" pitchFamily="34" charset="0"/>
+              <a:ea typeface="Verdana" panose="020B0604030504040204" pitchFamily="34" charset="0"/>
+            </a:endParaRPr>
+          </a:p>
+        </p:txBody>
+      </p:sp>
+      <p:sp>
+        <p:nvSpPr>
+          <p:cNvPr id="12" name="Footer Placeholder 7">
+            <a:extLst>
+              <a:ext uri="{FF2B5EF4-FFF2-40B4-BE49-F238E27FC236}">
+                <a16:creationId xmlns:a16="http://schemas.microsoft.com/office/drawing/2014/main" id="{64C57949-E349-47D3-A505-A098233AF49D}"/>
+              </a:ext>
+            </a:extLst>
+          </p:cNvPr>
+          <p:cNvSpPr txBox="1">
+            <a:spLocks/>
+          </p:cNvSpPr>
+          <p:nvPr/>
+        </p:nvSpPr>
+        <p:spPr>
+          <a:xfrm>
+            <a:off x="133897" y="6428848"/>
+            <a:ext cx="4114800" cy="365125"/>
+          </a:xfrm>
+          <a:prstGeom prst="rect">
+            <a:avLst/>
+          </a:prstGeom>
+        </p:spPr>
+        <p:txBody>
+          <a:bodyPr vert="horz" lIns="91440" tIns="45720" rIns="91440" bIns="45720" rtlCol="0" anchor="ctr"/>
+          <a:lstStyle>
+            <a:defPPr>
+              <a:defRPr lang="en-US"/>
+            </a:defPPr>
+            <a:lvl1pPr marL="0" algn="ctr" defTabSz="914400" rtl="0" eaLnBrk="1" latinLnBrk="0" hangingPunct="1">
+              <a:defRPr sz="1200" kern="1200">
+                <a:solidFill>
+                  <a:schemeClr val="tx1">
+                    <a:tint val="75000"/>
+                  </a:schemeClr>
+                </a:solidFill>
+                <a:latin typeface="+mn-lt"/>
+                <a:ea typeface="+mn-ea"/>
+                <a:cs typeface="+mn-cs"/>
+              </a:defRPr>
+            </a:lvl1pPr>
+            <a:lvl2pPr marL="457200" algn="l" defTabSz="914400" rtl="0" eaLnBrk="1" latinLnBrk="0" hangingPunct="1">
+              <a:defRPr sz="1800" kern="1200">
+                <a:solidFill>
+                  <a:schemeClr val="tx1"/>
+                </a:solidFill>
+                <a:latin typeface="+mn-lt"/>
+                <a:ea typeface="+mn-ea"/>
+                <a:cs typeface="+mn-cs"/>
+              </a:defRPr>
+            </a:lvl2pPr>
+            <a:lvl3pPr marL="914400" algn="l" defTabSz="914400" rtl="0" eaLnBrk="1" latinLnBrk="0" hangingPunct="1">
+              <a:defRPr sz="1800" kern="1200">
+                <a:solidFill>
+                  <a:schemeClr val="tx1"/>
+                </a:solidFill>
+                <a:latin typeface="+mn-lt"/>
+                <a:ea typeface="+mn-ea"/>
+                <a:cs typeface="+mn-cs"/>
+              </a:defRPr>
+            </a:lvl3pPr>
+            <a:lvl4pPr marL="1371600" algn="l" defTabSz="914400" rtl="0" eaLnBrk="1" latinLnBrk="0" hangingPunct="1">
+              <a:defRPr sz="1800" kern="1200">
+                <a:solidFill>
+                  <a:schemeClr val="tx1"/>
+                </a:solidFill>
+                <a:latin typeface="+mn-lt"/>
+                <a:ea typeface="+mn-ea"/>
+                <a:cs typeface="+mn-cs"/>
+              </a:defRPr>
+            </a:lvl4pPr>
+            <a:lvl5pPr marL="1828800" algn="l" defTabSz="914400" rtl="0" eaLnBrk="1" latinLnBrk="0" hangingPunct="1">
+              <a:defRPr sz="1800" kern="1200">
+                <a:solidFill>
+                  <a:schemeClr val="tx1"/>
+                </a:solidFill>
+                <a:latin typeface="+mn-lt"/>
+                <a:ea typeface="+mn-ea"/>
+                <a:cs typeface="+mn-cs"/>
+              </a:defRPr>
+            </a:lvl5pPr>
+            <a:lvl6pPr marL="2286000" algn="l" defTabSz="914400" rtl="0" eaLnBrk="1" latinLnBrk="0" hangingPunct="1">
+              <a:defRPr sz="1800" kern="1200">
+                <a:solidFill>
+                  <a:schemeClr val="tx1"/>
+                </a:solidFill>
+                <a:latin typeface="+mn-lt"/>
+                <a:ea typeface="+mn-ea"/>
+                <a:cs typeface="+mn-cs"/>
+              </a:defRPr>
+            </a:lvl6pPr>
+            <a:lvl7pPr marL="2743200" algn="l" defTabSz="914400" rtl="0" eaLnBrk="1" latinLnBrk="0" hangingPunct="1">
+              <a:defRPr sz="1800" kern="1200">
+                <a:solidFill>
+                  <a:schemeClr val="tx1"/>
+                </a:solidFill>
+                <a:latin typeface="+mn-lt"/>
+                <a:ea typeface="+mn-ea"/>
+                <a:cs typeface="+mn-cs"/>
+              </a:defRPr>
+            </a:lvl7pPr>
+            <a:lvl8pPr marL="3200400" algn="l" defTabSz="914400" rtl="0" eaLnBrk="1" latinLnBrk="0" hangingPunct="1">
+              <a:defRPr sz="1800" kern="1200">
+                <a:solidFill>
+                  <a:schemeClr val="tx1"/>
+                </a:solidFill>
+                <a:latin typeface="+mn-lt"/>
+                <a:ea typeface="+mn-ea"/>
+                <a:cs typeface="+mn-cs"/>
+              </a:defRPr>
+            </a:lvl8pPr>
+            <a:lvl9pPr marL="3657600" algn="l" defTabSz="914400" rtl="0" eaLnBrk="1" latinLnBrk="0" hangingPunct="1">
+              <a:defRPr sz="1800" kern="1200">
+                <a:solidFill>
+                  <a:schemeClr val="tx1"/>
+                </a:solidFill>
+                <a:latin typeface="+mn-lt"/>
+                <a:ea typeface="+mn-ea"/>
+                <a:cs typeface="+mn-cs"/>
+              </a:defRPr>
+            </a:lvl9pPr>
+          </a:lstStyle>
+          <a:p>
+            <a:r>
+              <a:rPr lang="en-IN" b="1" dirty="0">
+                <a:solidFill>
+                  <a:srgbClr val="002060"/>
+                </a:solidFill>
+                <a:latin typeface="Verdana" panose="020B0604030504040204" pitchFamily="34" charset="0"/>
+                <a:ea typeface="Verdana" panose="020B0604030504040204" pitchFamily="34" charset="0"/>
+              </a:rPr>
+              <a:t>C# Corner</a:t>
+            </a:r>
+          </a:p>
+        </p:txBody>
+      </p:sp>
+      <p:sp>
+        <p:nvSpPr>
+          <p:cNvPr id="11" name="Rectangle 10">
+            <a:extLst>
+              <a:ext uri="{FF2B5EF4-FFF2-40B4-BE49-F238E27FC236}">
+                <a16:creationId xmlns:a16="http://schemas.microsoft.com/office/drawing/2014/main" id="{D55098C6-1198-4DAB-B484-23DB1A599453}"/>
+              </a:ext>
+            </a:extLst>
+          </p:cNvPr>
+          <p:cNvSpPr/>
+          <p:nvPr/>
+        </p:nvSpPr>
+        <p:spPr>
+          <a:xfrm>
+            <a:off x="2816470" y="1919767"/>
+            <a:ext cx="6434775" cy="3154710"/>
+          </a:xfrm>
+          <a:prstGeom prst="rect">
+            <a:avLst/>
+          </a:prstGeom>
+          <a:noFill/>
+        </p:spPr>
+        <p:txBody>
+          <a:bodyPr wrap="none" lIns="91440" tIns="45720" rIns="91440" bIns="45720">
+            <a:spAutoFit/>
+          </a:bodyPr>
+          <a:lstStyle/>
+          <a:p>
+            <a:pPr algn="ctr"/>
+            <a:r>
+              <a:rPr lang="en-US" sz="19900" b="1" cap="none" spc="0" dirty="0">
+                <a:ln w="9525">
+                  <a:solidFill>
+                    <a:schemeClr val="bg1"/>
+                  </a:solidFill>
+                  <a:prstDash val="solid"/>
+                </a:ln>
+                <a:solidFill>
+                  <a:schemeClr val="accent5"/>
+                </a:solidFill>
+                <a:effectLst>
+                  <a:outerShdw blurRad="12700" dist="38100" dir="2700000" algn="tl" rotWithShape="0">
+                    <a:schemeClr val="accent5">
+                      <a:lumMod val="60000"/>
+                      <a:lumOff val="40000"/>
+                    </a:schemeClr>
+                  </a:outerShdw>
+                </a:effectLst>
+              </a:rPr>
+              <a:t>Q &amp; A</a:t>
+            </a:r>
+          </a:p>
+        </p:txBody>
+      </p:sp>
+    </p:spTree>
+    <p:extLst>
+      <p:ext uri="{BB962C8B-B14F-4D97-AF65-F5344CB8AC3E}">
+        <p14:creationId xmlns:p14="http://schemas.microsoft.com/office/powerpoint/2010/main" val="2536284009"/>
+      </p:ext>
+    </p:extLst>
+  </p:cSld>
+  <p:clrMapOvr>
+    <a:masterClrMapping/>
+  </p:clrMapOvr>
+</p:sld>
+</file>
+
+<file path=ppt/slides/slide18.xml><?xml version="1.0" encoding="utf-8"?>
+<p:sld xmlns:a="http://schemas.openxmlformats.org/drawingml/2006/main" xmlns:r="http://schemas.openxmlformats.org/officeDocument/2006/relationships" xmlns:p="http://schemas.openxmlformats.org/presentationml/2006/main">
+  <p:cSld>
+    <p:spTree>
+      <p:nvGrpSpPr>
+        <p:cNvPr id="1" name=""/>
+        <p:cNvGrpSpPr/>
+        <p:nvPr/>
+      </p:nvGrpSpPr>
+      <p:grpSpPr>
+        <a:xfrm>
+          <a:off x="0" y="0"/>
+          <a:ext cx="0" cy="0"/>
+          <a:chOff x="0" y="0"/>
+          <a:chExt cx="0" cy="0"/>
+        </a:xfrm>
+      </p:grpSpPr>
+      <p:sp>
+        <p:nvSpPr>
+          <p:cNvPr id="4" name="Rectangle 3">
+            <a:extLst>
+              <a:ext uri="{FF2B5EF4-FFF2-40B4-BE49-F238E27FC236}">
+                <a16:creationId xmlns:a16="http://schemas.microsoft.com/office/drawing/2014/main" id="{055C22F7-3FD1-4C1B-8D0C-0C2F7FB61DBE}"/>
+              </a:ext>
+            </a:extLst>
+          </p:cNvPr>
+          <p:cNvSpPr/>
+          <p:nvPr/>
+        </p:nvSpPr>
+        <p:spPr>
+          <a:xfrm>
+            <a:off x="0" y="8878"/>
+            <a:ext cx="12183122" cy="497150"/>
+          </a:xfrm>
+          <a:prstGeom prst="rect">
+            <a:avLst/>
+          </a:prstGeom>
+          <a:solidFill>
+            <a:srgbClr val="0070C0"/>
+          </a:solidFill>
+        </p:spPr>
+        <p:style>
+          <a:lnRef idx="2">
+            <a:schemeClr val="accent1">
+              <a:shade val="50000"/>
+            </a:schemeClr>
+          </a:lnRef>
+          <a:fillRef idx="1">
+            <a:schemeClr val="accent1"/>
+          </a:fillRef>
+          <a:effectRef idx="0">
+            <a:schemeClr val="accent1"/>
+          </a:effectRef>
+          <a:fontRef idx="minor">
+            <a:schemeClr val="lt1"/>
+          </a:fontRef>
+        </p:style>
+        <p:txBody>
+          <a:bodyPr rtlCol="0" anchor="ctr"/>
+          <a:lstStyle/>
+          <a:p>
+            <a:pPr algn="ctr"/>
+            <a:endParaRPr lang="en-IN" dirty="0">
+              <a:latin typeface="Verdana" panose="020B0604030504040204" pitchFamily="34" charset="0"/>
+              <a:ea typeface="Verdana" panose="020B0604030504040204" pitchFamily="34" charset="0"/>
+            </a:endParaRPr>
+          </a:p>
+        </p:txBody>
+      </p:sp>
+      <p:sp>
+        <p:nvSpPr>
+          <p:cNvPr id="7" name="Rectangle 6">
+            <a:extLst>
+              <a:ext uri="{FF2B5EF4-FFF2-40B4-BE49-F238E27FC236}">
+                <a16:creationId xmlns:a16="http://schemas.microsoft.com/office/drawing/2014/main" id="{B10720DE-FD2A-4FE5-B9FB-74854D01A659}"/>
+              </a:ext>
+            </a:extLst>
+          </p:cNvPr>
+          <p:cNvSpPr/>
+          <p:nvPr/>
+        </p:nvSpPr>
+        <p:spPr>
+          <a:xfrm>
+            <a:off x="0" y="6383046"/>
+            <a:ext cx="12183122" cy="57703"/>
+          </a:xfrm>
+          <a:prstGeom prst="rect">
+            <a:avLst/>
+          </a:prstGeom>
+          <a:solidFill>
+            <a:srgbClr val="0070C0"/>
+          </a:solidFill>
+        </p:spPr>
+        <p:style>
+          <a:lnRef idx="2">
+            <a:schemeClr val="accent1">
+              <a:shade val="50000"/>
+            </a:schemeClr>
+          </a:lnRef>
+          <a:fillRef idx="1">
+            <a:schemeClr val="accent1"/>
+          </a:fillRef>
+          <a:effectRef idx="0">
+            <a:schemeClr val="accent1"/>
+          </a:effectRef>
+          <a:fontRef idx="minor">
+            <a:schemeClr val="lt1"/>
+          </a:fontRef>
+        </p:style>
+        <p:txBody>
+          <a:bodyPr rtlCol="0" anchor="ctr"/>
+          <a:lstStyle/>
+          <a:p>
+            <a:pPr algn="ctr"/>
+            <a:endParaRPr lang="en-IN" sz="1000" dirty="0">
+              <a:latin typeface="Verdana" panose="020B0604030504040204" pitchFamily="34" charset="0"/>
+              <a:ea typeface="Verdana" panose="020B0604030504040204" pitchFamily="34" charset="0"/>
+            </a:endParaRPr>
+          </a:p>
+        </p:txBody>
+      </p:sp>
+      <p:sp>
+        <p:nvSpPr>
+          <p:cNvPr id="8" name="Footer Placeholder 7">
+            <a:extLst>
+              <a:ext uri="{FF2B5EF4-FFF2-40B4-BE49-F238E27FC236}">
+                <a16:creationId xmlns:a16="http://schemas.microsoft.com/office/drawing/2014/main" id="{DD2A19CA-EC18-432D-8F8F-17079808F38B}"/>
+              </a:ext>
+            </a:extLst>
+          </p:cNvPr>
+          <p:cNvSpPr>
+            <a:spLocks noGrp="1"/>
+          </p:cNvSpPr>
+          <p:nvPr>
+            <p:ph type="ftr" sz="quarter" idx="11"/>
+          </p:nvPr>
+        </p:nvSpPr>
+        <p:spPr>
+          <a:xfrm>
+            <a:off x="4038600" y="6427374"/>
+            <a:ext cx="4114800" cy="365125"/>
+          </a:xfrm>
+        </p:spPr>
+        <p:txBody>
+          <a:bodyPr/>
+          <a:lstStyle/>
+          <a:p>
+            <a:r>
+              <a:rPr lang="en-IN" b="1" dirty="0">
+                <a:solidFill>
+                  <a:srgbClr val="002060"/>
+                </a:solidFill>
+                <a:latin typeface="Verdana" panose="020B0604030504040204" pitchFamily="34" charset="0"/>
+                <a:ea typeface="Verdana" panose="020B0604030504040204" pitchFamily="34" charset="0"/>
+              </a:rPr>
+              <a:t>13-Jun-2020</a:t>
+            </a:r>
+          </a:p>
+        </p:txBody>
+      </p:sp>
+      <p:sp>
+        <p:nvSpPr>
+          <p:cNvPr id="9" name="Slide Number Placeholder 8">
+            <a:extLst>
+              <a:ext uri="{FF2B5EF4-FFF2-40B4-BE49-F238E27FC236}">
+                <a16:creationId xmlns:a16="http://schemas.microsoft.com/office/drawing/2014/main" id="{8162625C-0B1F-42E0-BE7C-D99A08FED7A3}"/>
+              </a:ext>
+            </a:extLst>
+          </p:cNvPr>
+          <p:cNvSpPr>
+            <a:spLocks noGrp="1"/>
+          </p:cNvSpPr>
+          <p:nvPr>
+            <p:ph type="sldNum" sz="quarter" idx="12"/>
+          </p:nvPr>
+        </p:nvSpPr>
+        <p:spPr>
+          <a:xfrm>
+            <a:off x="8610600" y="6427374"/>
+            <a:ext cx="2743200" cy="365125"/>
+          </a:xfrm>
+        </p:spPr>
+        <p:txBody>
+          <a:bodyPr/>
+          <a:lstStyle/>
+          <a:p>
+            <a:fld id="{30AF63FB-5233-4811-A918-B572E3A55817}" type="slidenum">
+              <a:rPr lang="en-IN" b="1" smtClean="0">
+                <a:solidFill>
+                  <a:srgbClr val="002060"/>
+                </a:solidFill>
+                <a:latin typeface="Verdana" panose="020B0604030504040204" pitchFamily="34" charset="0"/>
+                <a:ea typeface="Verdana" panose="020B0604030504040204" pitchFamily="34" charset="0"/>
+              </a:rPr>
+              <a:t>18</a:t>
+            </a:fld>
+            <a:endParaRPr lang="en-IN" b="1" dirty="0">
+              <a:solidFill>
+                <a:srgbClr val="002060"/>
+              </a:solidFill>
+              <a:latin typeface="Verdana" panose="020B0604030504040204" pitchFamily="34" charset="0"/>
+              <a:ea typeface="Verdana" panose="020B0604030504040204" pitchFamily="34" charset="0"/>
+            </a:endParaRPr>
+          </a:p>
+        </p:txBody>
+      </p:sp>
+      <p:sp>
+        <p:nvSpPr>
+          <p:cNvPr id="12" name="Footer Placeholder 7">
+            <a:extLst>
+              <a:ext uri="{FF2B5EF4-FFF2-40B4-BE49-F238E27FC236}">
+                <a16:creationId xmlns:a16="http://schemas.microsoft.com/office/drawing/2014/main" id="{64C57949-E349-47D3-A505-A098233AF49D}"/>
+              </a:ext>
+            </a:extLst>
+          </p:cNvPr>
+          <p:cNvSpPr txBox="1">
+            <a:spLocks/>
+          </p:cNvSpPr>
+          <p:nvPr/>
+        </p:nvSpPr>
+        <p:spPr>
+          <a:xfrm>
+            <a:off x="133897" y="6428848"/>
+            <a:ext cx="4114800" cy="365125"/>
+          </a:xfrm>
+          <a:prstGeom prst="rect">
+            <a:avLst/>
+          </a:prstGeom>
+        </p:spPr>
+        <p:txBody>
+          <a:bodyPr vert="horz" lIns="91440" tIns="45720" rIns="91440" bIns="45720" rtlCol="0" anchor="ctr"/>
+          <a:lstStyle>
+            <a:defPPr>
+              <a:defRPr lang="en-US"/>
+            </a:defPPr>
+            <a:lvl1pPr marL="0" algn="ctr" defTabSz="914400" rtl="0" eaLnBrk="1" latinLnBrk="0" hangingPunct="1">
+              <a:defRPr sz="1200" kern="1200">
+                <a:solidFill>
+                  <a:schemeClr val="tx1">
+                    <a:tint val="75000"/>
+                  </a:schemeClr>
+                </a:solidFill>
+                <a:latin typeface="+mn-lt"/>
+                <a:ea typeface="+mn-ea"/>
+                <a:cs typeface="+mn-cs"/>
+              </a:defRPr>
+            </a:lvl1pPr>
+            <a:lvl2pPr marL="457200" algn="l" defTabSz="914400" rtl="0" eaLnBrk="1" latinLnBrk="0" hangingPunct="1">
+              <a:defRPr sz="1800" kern="1200">
+                <a:solidFill>
+                  <a:schemeClr val="tx1"/>
+                </a:solidFill>
+                <a:latin typeface="+mn-lt"/>
+                <a:ea typeface="+mn-ea"/>
+                <a:cs typeface="+mn-cs"/>
+              </a:defRPr>
+            </a:lvl2pPr>
+            <a:lvl3pPr marL="914400" algn="l" defTabSz="914400" rtl="0" eaLnBrk="1" latinLnBrk="0" hangingPunct="1">
+              <a:defRPr sz="1800" kern="1200">
+                <a:solidFill>
+                  <a:schemeClr val="tx1"/>
+                </a:solidFill>
+                <a:latin typeface="+mn-lt"/>
+                <a:ea typeface="+mn-ea"/>
+                <a:cs typeface="+mn-cs"/>
+              </a:defRPr>
+            </a:lvl3pPr>
+            <a:lvl4pPr marL="1371600" algn="l" defTabSz="914400" rtl="0" eaLnBrk="1" latinLnBrk="0" hangingPunct="1">
+              <a:defRPr sz="1800" kern="1200">
+                <a:solidFill>
+                  <a:schemeClr val="tx1"/>
+                </a:solidFill>
+                <a:latin typeface="+mn-lt"/>
+                <a:ea typeface="+mn-ea"/>
+                <a:cs typeface="+mn-cs"/>
+              </a:defRPr>
+            </a:lvl4pPr>
+            <a:lvl5pPr marL="1828800" algn="l" defTabSz="914400" rtl="0" eaLnBrk="1" latinLnBrk="0" hangingPunct="1">
+              <a:defRPr sz="1800" kern="1200">
+                <a:solidFill>
+                  <a:schemeClr val="tx1"/>
+                </a:solidFill>
+                <a:latin typeface="+mn-lt"/>
+                <a:ea typeface="+mn-ea"/>
+                <a:cs typeface="+mn-cs"/>
+              </a:defRPr>
+            </a:lvl5pPr>
+            <a:lvl6pPr marL="2286000" algn="l" defTabSz="914400" rtl="0" eaLnBrk="1" latinLnBrk="0" hangingPunct="1">
+              <a:defRPr sz="1800" kern="1200">
+                <a:solidFill>
+                  <a:schemeClr val="tx1"/>
+                </a:solidFill>
+                <a:latin typeface="+mn-lt"/>
+                <a:ea typeface="+mn-ea"/>
+                <a:cs typeface="+mn-cs"/>
+              </a:defRPr>
+            </a:lvl6pPr>
+            <a:lvl7pPr marL="2743200" algn="l" defTabSz="914400" rtl="0" eaLnBrk="1" latinLnBrk="0" hangingPunct="1">
+              <a:defRPr sz="1800" kern="1200">
+                <a:solidFill>
+                  <a:schemeClr val="tx1"/>
+                </a:solidFill>
+                <a:latin typeface="+mn-lt"/>
+                <a:ea typeface="+mn-ea"/>
+                <a:cs typeface="+mn-cs"/>
+              </a:defRPr>
+            </a:lvl7pPr>
+            <a:lvl8pPr marL="3200400" algn="l" defTabSz="914400" rtl="0" eaLnBrk="1" latinLnBrk="0" hangingPunct="1">
+              <a:defRPr sz="1800" kern="1200">
+                <a:solidFill>
+                  <a:schemeClr val="tx1"/>
+                </a:solidFill>
+                <a:latin typeface="+mn-lt"/>
+                <a:ea typeface="+mn-ea"/>
+                <a:cs typeface="+mn-cs"/>
+              </a:defRPr>
+            </a:lvl8pPr>
+            <a:lvl9pPr marL="3657600" algn="l" defTabSz="914400" rtl="0" eaLnBrk="1" latinLnBrk="0" hangingPunct="1">
+              <a:defRPr sz="1800" kern="1200">
+                <a:solidFill>
+                  <a:schemeClr val="tx1"/>
+                </a:solidFill>
+                <a:latin typeface="+mn-lt"/>
+                <a:ea typeface="+mn-ea"/>
+                <a:cs typeface="+mn-cs"/>
+              </a:defRPr>
+            </a:lvl9pPr>
+          </a:lstStyle>
+          <a:p>
+            <a:r>
+              <a:rPr lang="en-IN" b="1" dirty="0">
+                <a:solidFill>
+                  <a:srgbClr val="002060"/>
+                </a:solidFill>
+                <a:latin typeface="Verdana" panose="020B0604030504040204" pitchFamily="34" charset="0"/>
+                <a:ea typeface="Verdana" panose="020B0604030504040204" pitchFamily="34" charset="0"/>
+              </a:rPr>
+              <a:t>C# Corner</a:t>
+            </a:r>
+          </a:p>
+        </p:txBody>
+      </p:sp>
+      <p:sp>
+        <p:nvSpPr>
+          <p:cNvPr id="2" name="Rectangle 1">
+            <a:extLst>
+              <a:ext uri="{FF2B5EF4-FFF2-40B4-BE49-F238E27FC236}">
+                <a16:creationId xmlns:a16="http://schemas.microsoft.com/office/drawing/2014/main" id="{EB5F28B2-B9BB-4801-B1DE-9A44957A910C}"/>
+              </a:ext>
+            </a:extLst>
+          </p:cNvPr>
+          <p:cNvSpPr/>
+          <p:nvPr/>
+        </p:nvSpPr>
+        <p:spPr>
+          <a:xfrm>
+            <a:off x="523906" y="1724460"/>
+            <a:ext cx="11108682" cy="3154710"/>
+          </a:xfrm>
+          <a:prstGeom prst="rect">
+            <a:avLst/>
+          </a:prstGeom>
+          <a:noFill/>
+        </p:spPr>
+        <p:txBody>
+          <a:bodyPr wrap="none" lIns="91440" tIns="45720" rIns="91440" bIns="45720">
+            <a:spAutoFit/>
+          </a:bodyPr>
+          <a:lstStyle/>
+          <a:p>
+            <a:pPr algn="ctr"/>
+            <a:r>
+              <a:rPr lang="en-US" sz="19900" b="1" cap="none" spc="0" dirty="0">
+                <a:ln w="9525">
+                  <a:solidFill>
+                    <a:schemeClr val="bg1"/>
+                  </a:solidFill>
+                  <a:prstDash val="solid"/>
+                </a:ln>
+                <a:solidFill>
+                  <a:schemeClr val="accent5"/>
+                </a:solidFill>
+                <a:effectLst>
+                  <a:outerShdw blurRad="12700" dist="38100" dir="2700000" algn="tl" rotWithShape="0">
+                    <a:schemeClr val="accent5">
+                      <a:lumMod val="60000"/>
+                      <a:lumOff val="40000"/>
+                    </a:schemeClr>
+                  </a:outerShdw>
+                </a:effectLst>
+              </a:rPr>
+              <a:t>Thank You</a:t>
+            </a:r>
+          </a:p>
+        </p:txBody>
+      </p:sp>
       <p:sp>
         <p:nvSpPr>
           <p:cNvPr id="11" name="TextBox 10">
@@ -6236,6 +8693,52 @@
                 </a:solidFill>
                 <a:latin typeface="Verdana" panose="020B0604030504040204" pitchFamily="34" charset="0"/>
                 <a:ea typeface="Verdana" panose="020B0604030504040204" pitchFamily="34" charset="0"/>
+                <a:hlinkClick r:id="rId2">
+                  <a:extLst>
+                    <a:ext uri="{A12FA001-AC4F-418D-AE19-62706E023703}">
+                      <ahyp:hlinkClr xmlns:ahyp="http://schemas.microsoft.com/office/drawing/2018/hyperlinkcolor" val="tx"/>
+                    </a:ext>
+                  </a:extLst>
+                </a:hlinkClick>
+              </a:rPr>
+              <a:t>https://www.linkedin.com/in/viswanatha-swamy-b57326128/</a:t>
+            </a:r>
+            <a:endParaRPr lang="en-US" sz="1200" dirty="0">
+              <a:solidFill>
+                <a:srgbClr val="00B0F0"/>
+              </a:solidFill>
+              <a:latin typeface="Verdana" panose="020B0604030504040204" pitchFamily="34" charset="0"/>
+              <a:ea typeface="Verdana" panose="020B0604030504040204" pitchFamily="34" charset="0"/>
+            </a:endParaRPr>
+          </a:p>
+          <a:p>
+            <a:r>
+              <a:rPr lang="en-US" sz="1200" dirty="0">
+                <a:solidFill>
+                  <a:srgbClr val="0070C0"/>
+                </a:solidFill>
+                <a:latin typeface="Verdana" panose="020B0604030504040204" pitchFamily="34" charset="0"/>
+                <a:ea typeface="Verdana" panose="020B0604030504040204" pitchFamily="34" charset="0"/>
+              </a:rPr>
+              <a:t>Twitter:</a:t>
+            </a:r>
+            <a:r>
+              <a:rPr lang="en-US" sz="1200" dirty="0">
+                <a:solidFill>
+                  <a:srgbClr val="00B0F0"/>
+                </a:solidFill>
+                <a:latin typeface="Verdana" panose="020B0604030504040204" pitchFamily="34" charset="0"/>
+                <a:ea typeface="Verdana" panose="020B0604030504040204" pitchFamily="34" charset="0"/>
+              </a:rPr>
+              <a:t> </a:t>
+            </a:r>
+            <a:r>
+              <a:rPr lang="en-IN" sz="1200" dirty="0">
+                <a:solidFill>
+                  <a:srgbClr val="00B0F0"/>
+                </a:solidFill>
+                <a:latin typeface="Verdana" panose="020B0604030504040204" pitchFamily="34" charset="0"/>
+                <a:ea typeface="Verdana" panose="020B0604030504040204" pitchFamily="34" charset="0"/>
                 <a:hlinkClick r:id="rId3">
                   <a:extLst>
                     <a:ext uri="{A12FA001-AC4F-418D-AE19-62706E023703}">
@@ -6244,62 +8747,16 @@
                   </a:extLst>
                 </a:hlinkClick>
               </a:rPr>
-              <a:t>https://www.linkedin.com/in/viswanatha-swamy-b57326128/</a:t>
-            </a:r>
-            <a:endParaRPr lang="en-US" sz="1200" dirty="0">
-              <a:solidFill>
-                <a:srgbClr val="00B0F0"/>
-              </a:solidFill>
-              <a:latin typeface="Verdana" panose="020B0604030504040204" pitchFamily="34" charset="0"/>
-              <a:ea typeface="Verdana" panose="020B0604030504040204" pitchFamily="34" charset="0"/>
-            </a:endParaRPr>
-          </a:p>
-          <a:p>
-            <a:r>
-              <a:rPr lang="en-US" sz="1200" dirty="0">
-                <a:solidFill>
-                  <a:srgbClr val="0070C0"/>
-                </a:solidFill>
-                <a:latin typeface="Verdana" panose="020B0604030504040204" pitchFamily="34" charset="0"/>
-                <a:ea typeface="Verdana" panose="020B0604030504040204" pitchFamily="34" charset="0"/>
-              </a:rPr>
-              <a:t>Twitter:</a:t>
-            </a:r>
-            <a:r>
-              <a:rPr lang="en-US" sz="1200" dirty="0">
+              <a:t>https://twitter.com</a:t>
+            </a:r>
+            <a:r>
+              <a:rPr lang="en-IN" sz="1200">
                 <a:solidFill>
                   <a:srgbClr val="00B0F0"/>
                 </a:solidFill>
                 <a:latin typeface="Verdana" panose="020B0604030504040204" pitchFamily="34" charset="0"/>
                 <a:ea typeface="Verdana" panose="020B0604030504040204" pitchFamily="34" charset="0"/>
-              </a:rPr>
-              <a:t> </a:t>
-            </a:r>
-            <a:r>
-              <a:rPr lang="en-IN" sz="1200" dirty="0">
-                <a:solidFill>
-                  <a:srgbClr val="00B0F0"/>
-                </a:solidFill>
-                <a:latin typeface="Verdana" panose="020B0604030504040204" pitchFamily="34" charset="0"/>
-                <a:ea typeface="Verdana" panose="020B0604030504040204" pitchFamily="34" charset="0"/>
-                <a:hlinkClick r:id="rId4">
-                  <a:extLst>
-                    <a:ext uri="{A12FA001-AC4F-418D-AE19-62706E023703}">
-                      <ahyp:hlinkClr xmlns:ahyp="http://schemas.microsoft.com/office/drawing/2018/hyperlinkcolor" val="tx"/>
-                    </a:ext>
-                  </a:extLst>
-                </a:hlinkClick>
-              </a:rPr>
-              <a:t>https://twitter.com</a:t>
-            </a:r>
-            <a:r>
-              <a:rPr lang="en-IN" sz="1200">
-                <a:solidFill>
-                  <a:srgbClr val="00B0F0"/>
-                </a:solidFill>
-                <a:latin typeface="Verdana" panose="020B0604030504040204" pitchFamily="34" charset="0"/>
-                <a:ea typeface="Verdana" panose="020B0604030504040204" pitchFamily="34" charset="0"/>
-                <a:hlinkClick r:id="rId4">
+                <a:hlinkClick r:id="rId3">
                   <a:extLst>
                     <a:ext uri="{A12FA001-AC4F-418D-AE19-62706E023703}">
                       <ahyp:hlinkClr xmlns:ahyp="http://schemas.microsoft.com/office/drawing/2018/hyperlinkcolor" val="tx"/>
@@ -6494,7 +8951,7 @@
                 <a:latin typeface="Verdana" panose="020B0604030504040204" pitchFamily="34" charset="0"/>
                 <a:ea typeface="Verdana" panose="020B0604030504040204" pitchFamily="34" charset="0"/>
               </a:rPr>
-              <a:t>12-Jun-2020</a:t>
+              <a:t>13-Jun-2020</a:t>
             </a:r>
           </a:p>
         </p:txBody>
@@ -7038,7 +9495,7 @@
                 <a:latin typeface="Verdana" panose="020B0604030504040204" pitchFamily="34" charset="0"/>
                 <a:ea typeface="Verdana" panose="020B0604030504040204" pitchFamily="34" charset="0"/>
               </a:rPr>
-              <a:t>12-Jun-2020</a:t>
+              <a:t>13-Jun-2020</a:t>
             </a:r>
           </a:p>
         </p:txBody>
@@ -7503,7 +9960,7 @@
                 <a:latin typeface="Verdana" panose="020B0604030504040204" pitchFamily="34" charset="0"/>
                 <a:ea typeface="Verdana" panose="020B0604030504040204" pitchFamily="34" charset="0"/>
               </a:rPr>
-              <a:t>12-Jun-2020</a:t>
+              <a:t>13-Jun-2020</a:t>
             </a:r>
           </a:p>
         </p:txBody>
@@ -8228,7 +10685,7 @@
                 <a:latin typeface="Verdana" panose="020B0604030504040204" pitchFamily="34" charset="0"/>
                 <a:ea typeface="Verdana" panose="020B0604030504040204" pitchFamily="34" charset="0"/>
               </a:rPr>
-              <a:t>Existing gRPC Service and Clients</a:t>
+              <a:t>Creating gRPC Service with Layers</a:t>
             </a:r>
             <a:endParaRPr lang="en-IN" b="1" dirty="0">
               <a:latin typeface="Verdana" panose="020B0604030504040204" pitchFamily="34" charset="0"/>
@@ -8323,7 +10780,7 @@
                 <a:latin typeface="Verdana" panose="020B0604030504040204" pitchFamily="34" charset="0"/>
                 <a:ea typeface="Verdana" panose="020B0604030504040204" pitchFamily="34" charset="0"/>
               </a:rPr>
-              <a:t>12-Jun-2020</a:t>
+              <a:t>13-Jun-2020</a:t>
             </a:r>
           </a:p>
         </p:txBody>
@@ -8983,7 +11440,7 @@
                 <a:latin typeface="Verdana" panose="020B0604030504040204" pitchFamily="34" charset="0"/>
                 <a:ea typeface="Verdana" panose="020B0604030504040204" pitchFamily="34" charset="0"/>
               </a:rPr>
-              <a:t>Install Redis Cache on WSL on Windows 10</a:t>
+              <a:t>Creating gRPC Service with Layers</a:t>
             </a:r>
             <a:endParaRPr lang="en-IN" b="1" dirty="0">
               <a:latin typeface="Verdana" panose="020B0604030504040204" pitchFamily="34" charset="0"/>
@@ -9078,7 +11535,7 @@
                 <a:latin typeface="Verdana" panose="020B0604030504040204" pitchFamily="34" charset="0"/>
                 <a:ea typeface="Verdana" panose="020B0604030504040204" pitchFamily="34" charset="0"/>
               </a:rPr>
-              <a:t>12-Jun-2020</a:t>
+              <a:t>13-Jun-2020</a:t>
             </a:r>
           </a:p>
         </p:txBody>
@@ -9267,20 +11724,20 @@
       </p:sp>
       <p:sp>
         <p:nvSpPr>
-          <p:cNvPr id="10" name="TextBox 9">
-            <a:extLst>
-              <a:ext uri="{FF2B5EF4-FFF2-40B4-BE49-F238E27FC236}">
-                <a16:creationId xmlns:a16="http://schemas.microsoft.com/office/drawing/2014/main" id="{25C2594F-FCF8-4800-A7AC-EF269935EFA6}"/>
-              </a:ext>
-            </a:extLst>
-          </p:cNvPr>
-          <p:cNvSpPr txBox="1"/>
+          <p:cNvPr id="11" name="Rectangle 10">
+            <a:extLst>
+              <a:ext uri="{FF2B5EF4-FFF2-40B4-BE49-F238E27FC236}">
+                <a16:creationId xmlns:a16="http://schemas.microsoft.com/office/drawing/2014/main" id="{F60D9B38-5067-4841-9B4A-CE7786A2CB4A}"/>
+              </a:ext>
+            </a:extLst>
+          </p:cNvPr>
+          <p:cNvSpPr/>
           <p:nvPr/>
         </p:nvSpPr>
         <p:spPr>
           <a:xfrm>
-            <a:off x="80629" y="557824"/>
-            <a:ext cx="12037390" cy="5588774"/>
+            <a:off x="2032921" y="588106"/>
+            <a:ext cx="8090676" cy="4128694"/>
           </a:xfrm>
           <a:prstGeom prst="rect">
             <a:avLst/>
@@ -9288,459 +11745,123 @@
           <a:noFill/>
         </p:spPr>
         <p:txBody>
-          <a:bodyPr wrap="square" rtlCol="0">
+          <a:bodyPr wrap="none" lIns="91440" tIns="45720" rIns="91440" bIns="45720">
             <a:spAutoFit/>
           </a:bodyPr>
           <a:lstStyle/>
           <a:p>
-            <a:pPr>
+            <a:pPr algn="ctr"/>
+            <a:r>
+              <a:rPr lang="en-US" sz="8800" b="1" cap="none" spc="0" dirty="0">
+                <a:ln w="9525">
+                  <a:solidFill>
+                    <a:schemeClr val="bg1"/>
+                  </a:solidFill>
+                  <a:prstDash val="solid"/>
+                </a:ln>
+                <a:solidFill>
+                  <a:schemeClr val="accent5"/>
+                </a:solidFill>
+                <a:effectLst>
+                  <a:outerShdw blurRad="12700" dist="38100" dir="2700000" algn="tl" rotWithShape="0">
+                    <a:schemeClr val="accent5">
+                      <a:lumMod val="60000"/>
+                      <a:lumOff val="40000"/>
+                    </a:schemeClr>
+                  </a:outerShdw>
+                </a:effectLst>
+                <a:latin typeface="Verdana" panose="020B0604030504040204" pitchFamily="34" charset="0"/>
+                <a:ea typeface="Verdana" panose="020B0604030504040204" pitchFamily="34" charset="0"/>
+              </a:rPr>
+              <a:t>Demo</a:t>
+            </a:r>
+          </a:p>
+          <a:p>
+            <a:pPr marL="1371600" indent="-1371600" algn="ctr">
+              <a:buAutoNum type="arabicPeriod"/>
+            </a:pPr>
+            <a:endParaRPr lang="en-US" sz="4000" b="1" cap="none" spc="0" dirty="0">
+              <a:ln w="9525">
+                <a:solidFill>
+                  <a:schemeClr val="bg1"/>
+                </a:solidFill>
+                <a:prstDash val="solid"/>
+              </a:ln>
+              <a:solidFill>
+                <a:schemeClr val="accent5"/>
+              </a:solidFill>
+              <a:effectLst>
+                <a:outerShdw blurRad="12700" dist="38100" dir="2700000" algn="tl" rotWithShape="0">
+                  <a:schemeClr val="accent5">
+                    <a:lumMod val="60000"/>
+                    <a:lumOff val="40000"/>
+                  </a:schemeClr>
+                </a:outerShdw>
+              </a:effectLst>
+              <a:latin typeface="Verdana" panose="020B0604030504040204" pitchFamily="34" charset="0"/>
+              <a:ea typeface="Verdana" panose="020B0604030504040204" pitchFamily="34" charset="0"/>
+            </a:endParaRPr>
+          </a:p>
+          <a:p>
+            <a:pPr algn="ctr">
               <a:lnSpc>
                 <a:spcPct val="150000"/>
               </a:lnSpc>
             </a:pPr>
             <a:r>
-              <a:rPr lang="en-US" sz="1400" dirty="0">
-                <a:solidFill>
-                  <a:srgbClr val="002060"/>
-                </a:solidFill>
-                <a:latin typeface="Verdana" panose="020B0604030504040204" pitchFamily="34" charset="0"/>
-                <a:ea typeface="Verdana" panose="020B0604030504040204" pitchFamily="34" charset="0"/>
-              </a:rPr>
-              <a:t>Please refer official documentation for detailed steps. URL: </a:t>
-            </a:r>
-            <a:r>
-              <a:rPr lang="en-IN" sz="1400" dirty="0">
-                <a:hlinkClick r:id="rId2"/>
-              </a:rPr>
-              <a:t>https://redislabs.com/blog/redis-on-windows-10/</a:t>
-            </a:r>
-            <a:endParaRPr lang="en-IN" sz="1400" dirty="0"/>
-          </a:p>
-          <a:p>
-            <a:pPr>
+              <a:rPr lang="en-US" sz="4800" b="1" dirty="0">
+                <a:ln w="9525">
+                  <a:solidFill>
+                    <a:schemeClr val="bg1"/>
+                  </a:solidFill>
+                  <a:prstDash val="solid"/>
+                </a:ln>
+                <a:solidFill>
+                  <a:schemeClr val="accent5"/>
+                </a:solidFill>
+                <a:effectLst>
+                  <a:outerShdw blurRad="12700" dist="38100" dir="2700000" algn="tl" rotWithShape="0">
+                    <a:schemeClr val="accent5">
+                      <a:lumMod val="60000"/>
+                      <a:lumOff val="40000"/>
+                    </a:schemeClr>
+                  </a:outerShdw>
+                </a:effectLst>
+                <a:latin typeface="Verdana" panose="020B0604030504040204" pitchFamily="34" charset="0"/>
+                <a:ea typeface="Verdana" panose="020B0604030504040204" pitchFamily="34" charset="0"/>
+              </a:rPr>
+              <a:t>Creating gRPC Service </a:t>
+            </a:r>
+          </a:p>
+          <a:p>
+            <a:pPr algn="ctr">
               <a:lnSpc>
                 <a:spcPct val="150000"/>
               </a:lnSpc>
             </a:pPr>
-            <a:endParaRPr lang="en-IN" sz="1050" dirty="0">
-              <a:solidFill>
-                <a:srgbClr val="002060"/>
-              </a:solidFill>
-              <a:latin typeface="Verdana" panose="020B0604030504040204" pitchFamily="34" charset="0"/>
-              <a:ea typeface="Verdana" panose="020B0604030504040204" pitchFamily="34" charset="0"/>
-            </a:endParaRPr>
-          </a:p>
-          <a:p>
-            <a:pPr>
-              <a:lnSpc>
-                <a:spcPct val="150000"/>
-              </a:lnSpc>
-            </a:pPr>
-            <a:r>
-              <a:rPr lang="en-IN" sz="1400" b="1" dirty="0">
-                <a:solidFill>
-                  <a:srgbClr val="002060"/>
-                </a:solidFill>
-                <a:latin typeface="Verdana" panose="020B0604030504040204" pitchFamily="34" charset="0"/>
-                <a:ea typeface="Verdana" panose="020B0604030504040204" pitchFamily="34" charset="0"/>
-              </a:rPr>
-              <a:t>Install Redis Cache on WSL on Windows 10</a:t>
-            </a:r>
-            <a:endParaRPr lang="en-IN" sz="1400" dirty="0">
-              <a:solidFill>
-                <a:srgbClr val="002060"/>
-              </a:solidFill>
-              <a:latin typeface="Verdana" panose="020B0604030504040204" pitchFamily="34" charset="0"/>
-              <a:ea typeface="Verdana" panose="020B0604030504040204" pitchFamily="34" charset="0"/>
-            </a:endParaRPr>
-          </a:p>
-          <a:p>
-            <a:pPr marL="742950" lvl="1" indent="-285750">
-              <a:lnSpc>
-                <a:spcPct val="150000"/>
-              </a:lnSpc>
-              <a:buFont typeface="Wingdings" panose="05000000000000000000" pitchFamily="2" charset="2"/>
-              <a:buChar char="Ø"/>
-            </a:pPr>
-            <a:r>
-              <a:rPr lang="en-IN" sz="1400" dirty="0" err="1">
-                <a:solidFill>
-                  <a:srgbClr val="002060"/>
-                </a:solidFill>
-                <a:latin typeface="Verdana" panose="020B0604030504040204" pitchFamily="34" charset="0"/>
-                <a:ea typeface="Verdana" panose="020B0604030504040204" pitchFamily="34" charset="0"/>
-              </a:rPr>
-              <a:t>sudo</a:t>
-            </a:r>
-            <a:r>
-              <a:rPr lang="en-IN" sz="1400" dirty="0">
-                <a:solidFill>
-                  <a:srgbClr val="002060"/>
-                </a:solidFill>
-                <a:latin typeface="Verdana" panose="020B0604030504040204" pitchFamily="34" charset="0"/>
-                <a:ea typeface="Verdana" panose="020B0604030504040204" pitchFamily="34" charset="0"/>
-              </a:rPr>
-              <a:t> apt-get update</a:t>
-            </a:r>
-          </a:p>
-          <a:p>
-            <a:pPr marL="742950" lvl="1" indent="-285750">
-              <a:lnSpc>
-                <a:spcPct val="150000"/>
-              </a:lnSpc>
-              <a:buFont typeface="Wingdings" panose="05000000000000000000" pitchFamily="2" charset="2"/>
-              <a:buChar char="Ø"/>
-            </a:pPr>
-            <a:r>
-              <a:rPr lang="en-IN" sz="1400" dirty="0" err="1">
-                <a:solidFill>
-                  <a:srgbClr val="002060"/>
-                </a:solidFill>
-                <a:latin typeface="Verdana" panose="020B0604030504040204" pitchFamily="34" charset="0"/>
-                <a:ea typeface="Verdana" panose="020B0604030504040204" pitchFamily="34" charset="0"/>
-              </a:rPr>
-              <a:t>sudo</a:t>
-            </a:r>
-            <a:r>
-              <a:rPr lang="en-IN" sz="1400" dirty="0">
-                <a:solidFill>
-                  <a:srgbClr val="002060"/>
-                </a:solidFill>
-                <a:latin typeface="Verdana" panose="020B0604030504040204" pitchFamily="34" charset="0"/>
-                <a:ea typeface="Verdana" panose="020B0604030504040204" pitchFamily="34" charset="0"/>
-              </a:rPr>
-              <a:t> apt-get upgrade</a:t>
-            </a:r>
-          </a:p>
-          <a:p>
-            <a:pPr marL="742950" lvl="1" indent="-285750">
-              <a:lnSpc>
-                <a:spcPct val="150000"/>
-              </a:lnSpc>
-              <a:buFont typeface="Wingdings" panose="05000000000000000000" pitchFamily="2" charset="2"/>
-              <a:buChar char="Ø"/>
-            </a:pPr>
-            <a:r>
-              <a:rPr lang="en-IN" sz="1400" dirty="0" err="1">
-                <a:solidFill>
-                  <a:srgbClr val="002060"/>
-                </a:solidFill>
-                <a:latin typeface="Verdana" panose="020B0604030504040204" pitchFamily="34" charset="0"/>
-                <a:ea typeface="Verdana" panose="020B0604030504040204" pitchFamily="34" charset="0"/>
-              </a:rPr>
-              <a:t>sudo</a:t>
-            </a:r>
-            <a:r>
-              <a:rPr lang="en-IN" sz="1400" dirty="0">
-                <a:solidFill>
-                  <a:srgbClr val="002060"/>
-                </a:solidFill>
-                <a:latin typeface="Verdana" panose="020B0604030504040204" pitchFamily="34" charset="0"/>
-                <a:ea typeface="Verdana" panose="020B0604030504040204" pitchFamily="34" charset="0"/>
-              </a:rPr>
-              <a:t> apt-get install </a:t>
-            </a:r>
-            <a:r>
-              <a:rPr lang="en-IN" sz="1400" dirty="0" err="1">
-                <a:solidFill>
-                  <a:srgbClr val="002060"/>
-                </a:solidFill>
-                <a:latin typeface="Verdana" panose="020B0604030504040204" pitchFamily="34" charset="0"/>
-                <a:ea typeface="Verdana" panose="020B0604030504040204" pitchFamily="34" charset="0"/>
-              </a:rPr>
-              <a:t>redis</a:t>
-            </a:r>
-            <a:r>
-              <a:rPr lang="en-IN" sz="1400" dirty="0">
-                <a:solidFill>
-                  <a:srgbClr val="002060"/>
-                </a:solidFill>
-                <a:latin typeface="Verdana" panose="020B0604030504040204" pitchFamily="34" charset="0"/>
-                <a:ea typeface="Verdana" panose="020B0604030504040204" pitchFamily="34" charset="0"/>
-              </a:rPr>
-              <a:t>-server</a:t>
-            </a:r>
-          </a:p>
-          <a:p>
-            <a:pPr>
-              <a:lnSpc>
-                <a:spcPct val="150000"/>
-              </a:lnSpc>
-            </a:pPr>
-            <a:br>
-              <a:rPr lang="en-IN" sz="1400" dirty="0">
-                <a:solidFill>
-                  <a:srgbClr val="002060"/>
-                </a:solidFill>
-                <a:latin typeface="Verdana" panose="020B0604030504040204" pitchFamily="34" charset="0"/>
-                <a:ea typeface="Verdana" panose="020B0604030504040204" pitchFamily="34" charset="0"/>
-              </a:rPr>
-            </a:br>
-            <a:r>
-              <a:rPr lang="en-IN" sz="1400" b="1" dirty="0">
-                <a:solidFill>
-                  <a:srgbClr val="002060"/>
-                </a:solidFill>
-                <a:latin typeface="Verdana" panose="020B0604030504040204" pitchFamily="34" charset="0"/>
-                <a:ea typeface="Verdana" panose="020B0604030504040204" pitchFamily="34" charset="0"/>
-              </a:rPr>
-              <a:t>To Start and Stop the Redis Service</a:t>
-            </a:r>
-            <a:endParaRPr lang="en-IN" sz="1400" dirty="0">
-              <a:solidFill>
-                <a:srgbClr val="002060"/>
-              </a:solidFill>
-              <a:latin typeface="Verdana" panose="020B0604030504040204" pitchFamily="34" charset="0"/>
-              <a:ea typeface="Verdana" panose="020B0604030504040204" pitchFamily="34" charset="0"/>
-            </a:endParaRPr>
-          </a:p>
-          <a:p>
-            <a:pPr marL="742950" lvl="1" indent="-285750">
-              <a:lnSpc>
-                <a:spcPct val="150000"/>
-              </a:lnSpc>
-              <a:buFont typeface="Wingdings" panose="05000000000000000000" pitchFamily="2" charset="2"/>
-              <a:buChar char="Ø"/>
-            </a:pPr>
-            <a:r>
-              <a:rPr lang="en-IN" sz="1400" dirty="0" err="1">
-                <a:solidFill>
-                  <a:srgbClr val="002060"/>
-                </a:solidFill>
-                <a:latin typeface="Verdana" panose="020B0604030504040204" pitchFamily="34" charset="0"/>
-                <a:ea typeface="Verdana" panose="020B0604030504040204" pitchFamily="34" charset="0"/>
-              </a:rPr>
-              <a:t>sudo</a:t>
-            </a:r>
-            <a:r>
-              <a:rPr lang="en-IN" sz="1400" dirty="0">
-                <a:solidFill>
-                  <a:srgbClr val="002060"/>
-                </a:solidFill>
-                <a:latin typeface="Verdana" panose="020B0604030504040204" pitchFamily="34" charset="0"/>
-                <a:ea typeface="Verdana" panose="020B0604030504040204" pitchFamily="34" charset="0"/>
-              </a:rPr>
-              <a:t> service </a:t>
-            </a:r>
-            <a:r>
-              <a:rPr lang="en-IN" sz="1400" dirty="0" err="1">
-                <a:solidFill>
-                  <a:srgbClr val="002060"/>
-                </a:solidFill>
-                <a:latin typeface="Verdana" panose="020B0604030504040204" pitchFamily="34" charset="0"/>
-                <a:ea typeface="Verdana" panose="020B0604030504040204" pitchFamily="34" charset="0"/>
-              </a:rPr>
-              <a:t>redis</a:t>
-            </a:r>
-            <a:r>
-              <a:rPr lang="en-IN" sz="1400" dirty="0">
-                <a:solidFill>
-                  <a:srgbClr val="002060"/>
-                </a:solidFill>
-                <a:latin typeface="Verdana" panose="020B0604030504040204" pitchFamily="34" charset="0"/>
-                <a:ea typeface="Verdana" panose="020B0604030504040204" pitchFamily="34" charset="0"/>
-              </a:rPr>
-              <a:t>-server restart</a:t>
-            </a:r>
-          </a:p>
-          <a:p>
-            <a:pPr marL="742950" lvl="1" indent="-285750">
-              <a:lnSpc>
-                <a:spcPct val="150000"/>
-              </a:lnSpc>
-              <a:buFont typeface="Wingdings" panose="05000000000000000000" pitchFamily="2" charset="2"/>
-              <a:buChar char="Ø"/>
-            </a:pPr>
-            <a:r>
-              <a:rPr lang="en-IN" sz="1400" dirty="0" err="1">
-                <a:solidFill>
-                  <a:srgbClr val="002060"/>
-                </a:solidFill>
-                <a:latin typeface="Verdana" panose="020B0604030504040204" pitchFamily="34" charset="0"/>
-                <a:ea typeface="Verdana" panose="020B0604030504040204" pitchFamily="34" charset="0"/>
-              </a:rPr>
-              <a:t>sudo</a:t>
-            </a:r>
-            <a:r>
-              <a:rPr lang="en-IN" sz="1400" dirty="0">
-                <a:solidFill>
-                  <a:srgbClr val="002060"/>
-                </a:solidFill>
-                <a:latin typeface="Verdana" panose="020B0604030504040204" pitchFamily="34" charset="0"/>
-                <a:ea typeface="Verdana" panose="020B0604030504040204" pitchFamily="34" charset="0"/>
-              </a:rPr>
-              <a:t> service </a:t>
-            </a:r>
-            <a:r>
-              <a:rPr lang="en-IN" sz="1400" dirty="0" err="1">
-                <a:solidFill>
-                  <a:srgbClr val="002060"/>
-                </a:solidFill>
-                <a:latin typeface="Verdana" panose="020B0604030504040204" pitchFamily="34" charset="0"/>
-                <a:ea typeface="Verdana" panose="020B0604030504040204" pitchFamily="34" charset="0"/>
-              </a:rPr>
-              <a:t>redis</a:t>
-            </a:r>
-            <a:r>
-              <a:rPr lang="en-IN" sz="1400" dirty="0">
-                <a:solidFill>
-                  <a:srgbClr val="002060"/>
-                </a:solidFill>
-                <a:latin typeface="Verdana" panose="020B0604030504040204" pitchFamily="34" charset="0"/>
-                <a:ea typeface="Verdana" panose="020B0604030504040204" pitchFamily="34" charset="0"/>
-              </a:rPr>
-              <a:t>-server stop</a:t>
-            </a:r>
-          </a:p>
-          <a:p>
-            <a:pPr>
-              <a:lnSpc>
-                <a:spcPct val="150000"/>
-              </a:lnSpc>
-            </a:pPr>
-            <a:endParaRPr lang="en-US" sz="1400" dirty="0">
-              <a:solidFill>
-                <a:srgbClr val="002060"/>
-              </a:solidFill>
-              <a:latin typeface="Verdana" panose="020B0604030504040204" pitchFamily="34" charset="0"/>
-              <a:ea typeface="Verdana" panose="020B0604030504040204" pitchFamily="34" charset="0"/>
-            </a:endParaRPr>
-          </a:p>
-          <a:p>
-            <a:pPr>
-              <a:lnSpc>
-                <a:spcPct val="150000"/>
-              </a:lnSpc>
-            </a:pPr>
-            <a:r>
-              <a:rPr lang="en-IN" sz="1400" b="1" dirty="0">
-                <a:solidFill>
-                  <a:srgbClr val="002060"/>
-                </a:solidFill>
-                <a:latin typeface="Verdana" panose="020B0604030504040204" pitchFamily="34" charset="0"/>
-                <a:ea typeface="Verdana" panose="020B0604030504040204" pitchFamily="34" charset="0"/>
-              </a:rPr>
-              <a:t>To Start and Stop the Redis Service</a:t>
-            </a:r>
-          </a:p>
-          <a:p>
-            <a:pPr marL="742950" lvl="1" indent="-285750">
-              <a:lnSpc>
-                <a:spcPct val="150000"/>
-              </a:lnSpc>
-              <a:buFont typeface="Wingdings" panose="05000000000000000000" pitchFamily="2" charset="2"/>
-              <a:buChar char="Ø"/>
-            </a:pPr>
-            <a:r>
-              <a:rPr lang="en-IN" sz="1400" dirty="0" err="1">
-                <a:solidFill>
-                  <a:srgbClr val="002060"/>
-                </a:solidFill>
-                <a:latin typeface="Verdana" panose="020B0604030504040204" pitchFamily="34" charset="0"/>
-                <a:ea typeface="Verdana" panose="020B0604030504040204" pitchFamily="34" charset="0"/>
-              </a:rPr>
-              <a:t>redis</a:t>
-            </a:r>
-            <a:r>
-              <a:rPr lang="en-IN" sz="1400" dirty="0">
-                <a:solidFill>
-                  <a:srgbClr val="002060"/>
-                </a:solidFill>
-                <a:latin typeface="Verdana" panose="020B0604030504040204" pitchFamily="34" charset="0"/>
-                <a:ea typeface="Verdana" panose="020B0604030504040204" pitchFamily="34" charset="0"/>
-              </a:rPr>
-              <a:t>-server -v</a:t>
-            </a:r>
-          </a:p>
-          <a:p>
-            <a:pPr marL="742950" lvl="1" indent="-285750">
-              <a:lnSpc>
-                <a:spcPct val="150000"/>
-              </a:lnSpc>
-              <a:buFont typeface="Wingdings" panose="05000000000000000000" pitchFamily="2" charset="2"/>
-              <a:buChar char="Ø"/>
-            </a:pPr>
-            <a:r>
-              <a:rPr lang="en-IN" sz="1400" dirty="0" err="1">
-                <a:solidFill>
-                  <a:srgbClr val="002060"/>
-                </a:solidFill>
-                <a:latin typeface="Verdana" panose="020B0604030504040204" pitchFamily="34" charset="0"/>
-                <a:ea typeface="Verdana" panose="020B0604030504040204" pitchFamily="34" charset="0"/>
-              </a:rPr>
-              <a:t>redis</a:t>
-            </a:r>
-            <a:r>
-              <a:rPr lang="en-IN" sz="1400" dirty="0">
-                <a:solidFill>
-                  <a:srgbClr val="002060"/>
-                </a:solidFill>
-                <a:latin typeface="Verdana" panose="020B0604030504040204" pitchFamily="34" charset="0"/>
-                <a:ea typeface="Verdana" panose="020B0604030504040204" pitchFamily="34" charset="0"/>
-              </a:rPr>
-              <a:t>-cli -v</a:t>
-            </a:r>
-          </a:p>
-          <a:p>
-            <a:pPr marL="742950" lvl="1" indent="-285750">
-              <a:lnSpc>
-                <a:spcPct val="150000"/>
-              </a:lnSpc>
-              <a:buFont typeface="Wingdings" panose="05000000000000000000" pitchFamily="2" charset="2"/>
-              <a:buChar char="Ø"/>
-            </a:pPr>
-            <a:endParaRPr lang="en-IN" sz="1400" dirty="0">
-              <a:solidFill>
-                <a:srgbClr val="002060"/>
-              </a:solidFill>
-              <a:latin typeface="Verdana" panose="020B0604030504040204" pitchFamily="34" charset="0"/>
-              <a:ea typeface="Verdana" panose="020B0604030504040204" pitchFamily="34" charset="0"/>
-            </a:endParaRPr>
-          </a:p>
-          <a:p>
-            <a:pPr>
-              <a:lnSpc>
-                <a:spcPct val="150000"/>
-              </a:lnSpc>
-            </a:pPr>
-            <a:r>
-              <a:rPr lang="en-IN" sz="1400" b="1" dirty="0">
-                <a:solidFill>
-                  <a:srgbClr val="002060"/>
-                </a:solidFill>
-                <a:latin typeface="Verdana" panose="020B0604030504040204" pitchFamily="34" charset="0"/>
-                <a:ea typeface="Verdana" panose="020B0604030504040204" pitchFamily="34" charset="0"/>
-              </a:rPr>
-              <a:t>To Connect to Redis Server</a:t>
-            </a:r>
-          </a:p>
-          <a:p>
-            <a:pPr marL="742950" lvl="1" indent="-285750">
-              <a:lnSpc>
-                <a:spcPct val="150000"/>
-              </a:lnSpc>
-              <a:buFont typeface="Wingdings" panose="05000000000000000000" pitchFamily="2" charset="2"/>
-              <a:buChar char="Ø"/>
-            </a:pPr>
-            <a:r>
-              <a:rPr lang="en-IN" sz="1400" dirty="0" err="1">
-                <a:solidFill>
-                  <a:srgbClr val="002060"/>
-                </a:solidFill>
-                <a:latin typeface="Verdana" panose="020B0604030504040204" pitchFamily="34" charset="0"/>
-                <a:ea typeface="Verdana" panose="020B0604030504040204" pitchFamily="34" charset="0"/>
-              </a:rPr>
-              <a:t>redis</a:t>
-            </a:r>
-            <a:r>
-              <a:rPr lang="en-IN" sz="1400" dirty="0">
-                <a:solidFill>
-                  <a:srgbClr val="002060"/>
-                </a:solidFill>
-                <a:latin typeface="Verdana" panose="020B0604030504040204" pitchFamily="34" charset="0"/>
-                <a:ea typeface="Verdana" panose="020B0604030504040204" pitchFamily="34" charset="0"/>
-              </a:rPr>
-              <a:t>-cli</a:t>
+            <a:r>
+              <a:rPr lang="en-US" sz="4800" b="1" dirty="0">
+                <a:ln w="9525">
+                  <a:solidFill>
+                    <a:schemeClr val="bg1"/>
+                  </a:solidFill>
+                  <a:prstDash val="solid"/>
+                </a:ln>
+                <a:solidFill>
+                  <a:schemeClr val="accent5"/>
+                </a:solidFill>
+                <a:effectLst>
+                  <a:outerShdw blurRad="12700" dist="38100" dir="2700000" algn="tl" rotWithShape="0">
+                    <a:schemeClr val="accent5">
+                      <a:lumMod val="60000"/>
+                      <a:lumOff val="40000"/>
+                    </a:schemeClr>
+                  </a:outerShdw>
+                </a:effectLst>
+                <a:latin typeface="Verdana" panose="020B0604030504040204" pitchFamily="34" charset="0"/>
+                <a:ea typeface="Verdana" panose="020B0604030504040204" pitchFamily="34" charset="0"/>
+              </a:rPr>
+              <a:t>with Layers</a:t>
             </a:r>
           </a:p>
         </p:txBody>
@@ -9748,7 +11869,7 @@
     </p:spTree>
     <p:extLst>
       <p:ext uri="{BB962C8B-B14F-4D97-AF65-F5344CB8AC3E}">
-        <p14:creationId xmlns:p14="http://schemas.microsoft.com/office/powerpoint/2010/main" val="2572657671"/>
+        <p14:creationId xmlns:p14="http://schemas.microsoft.com/office/powerpoint/2010/main" val="1726156983"/>
       </p:ext>
     </p:extLst>
   </p:cSld>
@@ -9825,7 +11946,35 @@
                 <a:latin typeface="Verdana" panose="020B0604030504040204" pitchFamily="34" charset="0"/>
                 <a:ea typeface="Verdana" panose="020B0604030504040204" pitchFamily="34" charset="0"/>
               </a:rPr>
-              <a:t>Install Redis Cache on WSL on Windows 10</a:t>
+              <a:t>Adding .proto file to Implement </a:t>
+            </a:r>
+            <a:r>
+              <a:rPr lang="en-US" b="1" dirty="0" err="1">
+                <a:latin typeface="Verdana" panose="020B0604030504040204" pitchFamily="34" charset="0"/>
+                <a:ea typeface="Verdana" panose="020B0604030504040204" pitchFamily="34" charset="0"/>
+              </a:rPr>
+              <a:t>GetById</a:t>
+            </a:r>
+            <a:r>
+              <a:rPr lang="en-US" b="1" dirty="0">
+                <a:latin typeface="Verdana" panose="020B0604030504040204" pitchFamily="34" charset="0"/>
+                <a:ea typeface="Verdana" panose="020B0604030504040204" pitchFamily="34" charset="0"/>
+              </a:rPr>
+              <a:t>() and </a:t>
+            </a:r>
+            <a:r>
+              <a:rPr lang="en-US" b="1" dirty="0" err="1">
+                <a:latin typeface="Verdana" panose="020B0604030504040204" pitchFamily="34" charset="0"/>
+                <a:ea typeface="Verdana" panose="020B0604030504040204" pitchFamily="34" charset="0"/>
+              </a:rPr>
+              <a:t>GetAll</a:t>
+            </a:r>
+            <a:r>
+              <a:rPr lang="en-US" b="1" dirty="0">
+                <a:latin typeface="Verdana" panose="020B0604030504040204" pitchFamily="34" charset="0"/>
+                <a:ea typeface="Verdana" panose="020B0604030504040204" pitchFamily="34" charset="0"/>
+              </a:rPr>
+              <a:t>()</a:t>
             </a:r>
             <a:endParaRPr lang="en-IN" b="1" dirty="0">
               <a:latin typeface="Verdana" panose="020B0604030504040204" pitchFamily="34" charset="0"/>
@@ -9920,7 +12069,7 @@
                 <a:latin typeface="Verdana" panose="020B0604030504040204" pitchFamily="34" charset="0"/>
                 <a:ea typeface="Verdana" panose="020B0604030504040204" pitchFamily="34" charset="0"/>
               </a:rPr>
-              <a:t>12-Jun-2020</a:t>
+              <a:t>13-Jun-2020</a:t>
             </a:r>
           </a:p>
         </p:txBody>
@@ -10109,10 +12258,10 @@
       </p:sp>
       <p:pic>
         <p:nvPicPr>
-          <p:cNvPr id="2" name="Picture 1">
-            <a:extLst>
-              <a:ext uri="{FF2B5EF4-FFF2-40B4-BE49-F238E27FC236}">
-                <a16:creationId xmlns:a16="http://schemas.microsoft.com/office/drawing/2014/main" id="{DC2E26A5-4A12-4E6B-9916-F411194AFB16}"/>
+          <p:cNvPr id="3" name="Picture 2">
+            <a:extLst>
+              <a:ext uri="{FF2B5EF4-FFF2-40B4-BE49-F238E27FC236}">
+                <a16:creationId xmlns:a16="http://schemas.microsoft.com/office/drawing/2014/main" id="{DA2B0B2E-5E2C-4FFB-98FE-8CB3B5EF26F2}"/>
               </a:ext>
             </a:extLst>
           </p:cNvPr>
@@ -10129,8 +12278,8 @@
         </p:blipFill>
         <p:spPr>
           <a:xfrm>
-            <a:off x="71750" y="621437"/>
-            <a:ext cx="12058103" cy="5646198"/>
+            <a:off x="133897" y="596685"/>
+            <a:ext cx="11886468" cy="5688705"/>
           </a:xfrm>
           <a:prstGeom prst="rect">
             <a:avLst/>
@@ -10145,7 +12294,7 @@
     </p:spTree>
     <p:extLst>
       <p:ext uri="{BB962C8B-B14F-4D97-AF65-F5344CB8AC3E}">
-        <p14:creationId xmlns:p14="http://schemas.microsoft.com/office/powerpoint/2010/main" val="4061412945"/>
+        <p14:creationId xmlns:p14="http://schemas.microsoft.com/office/powerpoint/2010/main" val="2598889686"/>
       </p:ext>
     </p:extLst>
   </p:cSld>
@@ -10222,7 +12371,35 @@
                 <a:latin typeface="Verdana" panose="020B0604030504040204" pitchFamily="34" charset="0"/>
                 <a:ea typeface="Verdana" panose="020B0604030504040204" pitchFamily="34" charset="0"/>
               </a:rPr>
-              <a:t>Adding gRPC Logging inside Server</a:t>
+              <a:t>Adding .proto file to Implement </a:t>
+            </a:r>
+            <a:r>
+              <a:rPr lang="en-US" b="1" dirty="0" err="1">
+                <a:latin typeface="Verdana" panose="020B0604030504040204" pitchFamily="34" charset="0"/>
+                <a:ea typeface="Verdana" panose="020B0604030504040204" pitchFamily="34" charset="0"/>
+              </a:rPr>
+              <a:t>GetById</a:t>
+            </a:r>
+            <a:r>
+              <a:rPr lang="en-US" b="1" dirty="0">
+                <a:latin typeface="Verdana" panose="020B0604030504040204" pitchFamily="34" charset="0"/>
+                <a:ea typeface="Verdana" panose="020B0604030504040204" pitchFamily="34" charset="0"/>
+              </a:rPr>
+              <a:t>() and </a:t>
+            </a:r>
+            <a:r>
+              <a:rPr lang="en-US" b="1" dirty="0" err="1">
+                <a:latin typeface="Verdana" panose="020B0604030504040204" pitchFamily="34" charset="0"/>
+                <a:ea typeface="Verdana" panose="020B0604030504040204" pitchFamily="34" charset="0"/>
+              </a:rPr>
+              <a:t>GetAll</a:t>
+            </a:r>
+            <a:r>
+              <a:rPr lang="en-US" b="1" dirty="0">
+                <a:latin typeface="Verdana" panose="020B0604030504040204" pitchFamily="34" charset="0"/>
+                <a:ea typeface="Verdana" panose="020B0604030504040204" pitchFamily="34" charset="0"/>
+              </a:rPr>
+              <a:t>()</a:t>
             </a:r>
             <a:endParaRPr lang="en-IN" b="1" dirty="0">
               <a:latin typeface="Verdana" panose="020B0604030504040204" pitchFamily="34" charset="0"/>
@@ -10317,7 +12494,7 @@
                 <a:latin typeface="Verdana" panose="020B0604030504040204" pitchFamily="34" charset="0"/>
                 <a:ea typeface="Verdana" panose="020B0604030504040204" pitchFamily="34" charset="0"/>
               </a:rPr>
-              <a:t>12-Jun-2020</a:t>
+              <a:t>13-Jun-2020</a:t>
             </a:r>
           </a:p>
         </p:txBody>
@@ -10504,45 +12681,226 @@
           </a:p>
         </p:txBody>
       </p:sp>
-      <p:pic>
-        <p:nvPicPr>
-          <p:cNvPr id="5" name="Picture 4">
-            <a:extLst>
-              <a:ext uri="{FF2B5EF4-FFF2-40B4-BE49-F238E27FC236}">
-                <a16:creationId xmlns:a16="http://schemas.microsoft.com/office/drawing/2014/main" id="{EC2CC9C7-63A9-4816-B2B1-58B85DCCAC36}"/>
-              </a:ext>
-            </a:extLst>
-          </p:cNvPr>
-          <p:cNvPicPr>
-            <a:picLocks noChangeAspect="1"/>
-          </p:cNvPicPr>
+      <p:sp>
+        <p:nvSpPr>
+          <p:cNvPr id="11" name="Rectangle 10">
+            <a:extLst>
+              <a:ext uri="{FF2B5EF4-FFF2-40B4-BE49-F238E27FC236}">
+                <a16:creationId xmlns:a16="http://schemas.microsoft.com/office/drawing/2014/main" id="{F60D9B38-5067-4841-9B4A-CE7786A2CB4A}"/>
+              </a:ext>
+            </a:extLst>
+          </p:cNvPr>
+          <p:cNvSpPr/>
           <p:nvPr/>
-        </p:nvPicPr>
-        <p:blipFill>
-          <a:blip r:embed="rId2"/>
-          <a:stretch>
-            <a:fillRect/>
-          </a:stretch>
-        </p:blipFill>
-        <p:spPr>
-          <a:xfrm>
-            <a:off x="106532" y="550355"/>
-            <a:ext cx="11970058" cy="5624065"/>
+        </p:nvSpPr>
+        <p:spPr>
+          <a:xfrm>
+            <a:off x="402667" y="588106"/>
+            <a:ext cx="11351184" cy="4128694"/>
           </a:xfrm>
           <a:prstGeom prst="rect">
             <a:avLst/>
           </a:prstGeom>
-          <a:ln>
-            <a:solidFill>
-              <a:schemeClr val="accent1"/>
-            </a:solidFill>
-          </a:ln>
-        </p:spPr>
-      </p:pic>
+          <a:noFill/>
+        </p:spPr>
+        <p:txBody>
+          <a:bodyPr wrap="none" lIns="91440" tIns="45720" rIns="91440" bIns="45720">
+            <a:spAutoFit/>
+          </a:bodyPr>
+          <a:lstStyle/>
+          <a:p>
+            <a:pPr algn="ctr"/>
+            <a:r>
+              <a:rPr lang="en-US" sz="8800" b="1" cap="none" spc="0" dirty="0">
+                <a:ln w="9525">
+                  <a:solidFill>
+                    <a:schemeClr val="bg1"/>
+                  </a:solidFill>
+                  <a:prstDash val="solid"/>
+                </a:ln>
+                <a:solidFill>
+                  <a:schemeClr val="accent5"/>
+                </a:solidFill>
+                <a:effectLst>
+                  <a:outerShdw blurRad="12700" dist="38100" dir="2700000" algn="tl" rotWithShape="0">
+                    <a:schemeClr val="accent5">
+                      <a:lumMod val="60000"/>
+                      <a:lumOff val="40000"/>
+                    </a:schemeClr>
+                  </a:outerShdw>
+                </a:effectLst>
+                <a:latin typeface="Verdana" panose="020B0604030504040204" pitchFamily="34" charset="0"/>
+                <a:ea typeface="Verdana" panose="020B0604030504040204" pitchFamily="34" charset="0"/>
+              </a:rPr>
+              <a:t>Demo</a:t>
+            </a:r>
+          </a:p>
+          <a:p>
+            <a:pPr marL="1371600" indent="-1371600" algn="ctr">
+              <a:buAutoNum type="arabicPeriod"/>
+            </a:pPr>
+            <a:endParaRPr lang="en-US" sz="4000" b="1" cap="none" spc="0" dirty="0">
+              <a:ln w="9525">
+                <a:solidFill>
+                  <a:schemeClr val="bg1"/>
+                </a:solidFill>
+                <a:prstDash val="solid"/>
+              </a:ln>
+              <a:solidFill>
+                <a:schemeClr val="accent5"/>
+              </a:solidFill>
+              <a:effectLst>
+                <a:outerShdw blurRad="12700" dist="38100" dir="2700000" algn="tl" rotWithShape="0">
+                  <a:schemeClr val="accent5">
+                    <a:lumMod val="60000"/>
+                    <a:lumOff val="40000"/>
+                  </a:schemeClr>
+                </a:outerShdw>
+              </a:effectLst>
+              <a:latin typeface="Verdana" panose="020B0604030504040204" pitchFamily="34" charset="0"/>
+              <a:ea typeface="Verdana" panose="020B0604030504040204" pitchFamily="34" charset="0"/>
+            </a:endParaRPr>
+          </a:p>
+          <a:p>
+            <a:pPr algn="ctr">
+              <a:lnSpc>
+                <a:spcPct val="150000"/>
+              </a:lnSpc>
+            </a:pPr>
+            <a:r>
+              <a:rPr lang="en-US" sz="4800" b="1" dirty="0">
+                <a:ln w="9525">
+                  <a:solidFill>
+                    <a:schemeClr val="bg1"/>
+                  </a:solidFill>
+                  <a:prstDash val="solid"/>
+                </a:ln>
+                <a:solidFill>
+                  <a:schemeClr val="accent5"/>
+                </a:solidFill>
+                <a:effectLst>
+                  <a:outerShdw blurRad="12700" dist="38100" dir="2700000" algn="tl" rotWithShape="0">
+                    <a:schemeClr val="accent5">
+                      <a:lumMod val="60000"/>
+                      <a:lumOff val="40000"/>
+                    </a:schemeClr>
+                  </a:outerShdw>
+                </a:effectLst>
+                <a:latin typeface="Verdana" panose="020B0604030504040204" pitchFamily="34" charset="0"/>
+                <a:ea typeface="Verdana" panose="020B0604030504040204" pitchFamily="34" charset="0"/>
+              </a:rPr>
+              <a:t>Adding .proto file to Implement </a:t>
+            </a:r>
+          </a:p>
+          <a:p>
+            <a:pPr algn="ctr">
+              <a:lnSpc>
+                <a:spcPct val="150000"/>
+              </a:lnSpc>
+            </a:pPr>
+            <a:r>
+              <a:rPr lang="en-US" sz="4800" b="1" dirty="0" err="1">
+                <a:ln w="9525">
+                  <a:solidFill>
+                    <a:schemeClr val="bg1"/>
+                  </a:solidFill>
+                  <a:prstDash val="solid"/>
+                </a:ln>
+                <a:solidFill>
+                  <a:schemeClr val="accent5"/>
+                </a:solidFill>
+                <a:effectLst>
+                  <a:outerShdw blurRad="12700" dist="38100" dir="2700000" algn="tl" rotWithShape="0">
+                    <a:schemeClr val="accent5">
+                      <a:lumMod val="60000"/>
+                      <a:lumOff val="40000"/>
+                    </a:schemeClr>
+                  </a:outerShdw>
+                </a:effectLst>
+                <a:latin typeface="Verdana" panose="020B0604030504040204" pitchFamily="34" charset="0"/>
+                <a:ea typeface="Verdana" panose="020B0604030504040204" pitchFamily="34" charset="0"/>
+              </a:rPr>
+              <a:t>GetById</a:t>
+            </a:r>
+            <a:r>
+              <a:rPr lang="en-US" sz="4800" b="1" dirty="0">
+                <a:ln w="9525">
+                  <a:solidFill>
+                    <a:schemeClr val="bg1"/>
+                  </a:solidFill>
+                  <a:prstDash val="solid"/>
+                </a:ln>
+                <a:solidFill>
+                  <a:schemeClr val="accent5"/>
+                </a:solidFill>
+                <a:effectLst>
+                  <a:outerShdw blurRad="12700" dist="38100" dir="2700000" algn="tl" rotWithShape="0">
+                    <a:schemeClr val="accent5">
+                      <a:lumMod val="60000"/>
+                      <a:lumOff val="40000"/>
+                    </a:schemeClr>
+                  </a:outerShdw>
+                </a:effectLst>
+                <a:latin typeface="Verdana" panose="020B0604030504040204" pitchFamily="34" charset="0"/>
+                <a:ea typeface="Verdana" panose="020B0604030504040204" pitchFamily="34" charset="0"/>
+              </a:rPr>
+              <a:t>() and </a:t>
+            </a:r>
+            <a:r>
+              <a:rPr lang="en-US" sz="4800" b="1" dirty="0" err="1">
+                <a:ln w="9525">
+                  <a:solidFill>
+                    <a:schemeClr val="bg1"/>
+                  </a:solidFill>
+                  <a:prstDash val="solid"/>
+                </a:ln>
+                <a:solidFill>
+                  <a:schemeClr val="accent5"/>
+                </a:solidFill>
+                <a:effectLst>
+                  <a:outerShdw blurRad="12700" dist="38100" dir="2700000" algn="tl" rotWithShape="0">
+                    <a:schemeClr val="accent5">
+                      <a:lumMod val="60000"/>
+                      <a:lumOff val="40000"/>
+                    </a:schemeClr>
+                  </a:outerShdw>
+                </a:effectLst>
+                <a:latin typeface="Verdana" panose="020B0604030504040204" pitchFamily="34" charset="0"/>
+                <a:ea typeface="Verdana" panose="020B0604030504040204" pitchFamily="34" charset="0"/>
+              </a:rPr>
+              <a:t>GetAll</a:t>
+            </a:r>
+            <a:r>
+              <a:rPr lang="en-US" sz="4800" b="1" dirty="0">
+                <a:ln w="9525">
+                  <a:solidFill>
+                    <a:schemeClr val="bg1"/>
+                  </a:solidFill>
+                  <a:prstDash val="solid"/>
+                </a:ln>
+                <a:solidFill>
+                  <a:schemeClr val="accent5"/>
+                </a:solidFill>
+                <a:effectLst>
+                  <a:outerShdw blurRad="12700" dist="38100" dir="2700000" algn="tl" rotWithShape="0">
+                    <a:schemeClr val="accent5">
+                      <a:lumMod val="60000"/>
+                      <a:lumOff val="40000"/>
+                    </a:schemeClr>
+                  </a:outerShdw>
+                </a:effectLst>
+                <a:latin typeface="Verdana" panose="020B0604030504040204" pitchFamily="34" charset="0"/>
+                <a:ea typeface="Verdana" panose="020B0604030504040204" pitchFamily="34" charset="0"/>
+              </a:rPr>
+              <a:t>()</a:t>
+            </a:r>
+          </a:p>
+        </p:txBody>
+      </p:sp>
     </p:spTree>
     <p:extLst>
       <p:ext uri="{BB962C8B-B14F-4D97-AF65-F5344CB8AC3E}">
-        <p14:creationId xmlns:p14="http://schemas.microsoft.com/office/powerpoint/2010/main" val="2191997749"/>
+        <p14:creationId xmlns:p14="http://schemas.microsoft.com/office/powerpoint/2010/main" val="2721816930"/>
       </p:ext>
     </p:extLst>
   </p:cSld>
@@ -10619,7 +12977,35 @@
                 <a:latin typeface="Verdana" panose="020B0604030504040204" pitchFamily="34" charset="0"/>
                 <a:ea typeface="Verdana" panose="020B0604030504040204" pitchFamily="34" charset="0"/>
               </a:rPr>
-              <a:t>Adding gRPC Logging inside Server</a:t>
+              <a:t>Implement gRPC Service for </a:t>
+            </a:r>
+            <a:r>
+              <a:rPr lang="en-US" b="1" dirty="0" err="1">
+                <a:latin typeface="Verdana" panose="020B0604030504040204" pitchFamily="34" charset="0"/>
+                <a:ea typeface="Verdana" panose="020B0604030504040204" pitchFamily="34" charset="0"/>
+              </a:rPr>
+              <a:t>GetById</a:t>
+            </a:r>
+            <a:r>
+              <a:rPr lang="en-US" b="1" dirty="0">
+                <a:latin typeface="Verdana" panose="020B0604030504040204" pitchFamily="34" charset="0"/>
+                <a:ea typeface="Verdana" panose="020B0604030504040204" pitchFamily="34" charset="0"/>
+              </a:rPr>
+              <a:t>() and </a:t>
+            </a:r>
+            <a:r>
+              <a:rPr lang="en-US" b="1" dirty="0" err="1">
+                <a:latin typeface="Verdana" panose="020B0604030504040204" pitchFamily="34" charset="0"/>
+                <a:ea typeface="Verdana" panose="020B0604030504040204" pitchFamily="34" charset="0"/>
+              </a:rPr>
+              <a:t>GetAll</a:t>
+            </a:r>
+            <a:r>
+              <a:rPr lang="en-US" b="1" dirty="0">
+                <a:latin typeface="Verdana" panose="020B0604030504040204" pitchFamily="34" charset="0"/>
+                <a:ea typeface="Verdana" panose="020B0604030504040204" pitchFamily="34" charset="0"/>
+              </a:rPr>
+              <a:t>()</a:t>
             </a:r>
             <a:endParaRPr lang="en-IN" b="1" dirty="0">
               <a:latin typeface="Verdana" panose="020B0604030504040204" pitchFamily="34" charset="0"/>
@@ -10714,7 +13100,7 @@
                 <a:latin typeface="Verdana" panose="020B0604030504040204" pitchFamily="34" charset="0"/>
                 <a:ea typeface="Verdana" panose="020B0604030504040204" pitchFamily="34" charset="0"/>
               </a:rPr>
-              <a:t>12-Jun-2020</a:t>
+              <a:t>13-Jun-2020</a:t>
             </a:r>
           </a:p>
         </p:txBody>
@@ -10901,154 +13287,45 @@
           </a:p>
         </p:txBody>
       </p:sp>
-      <p:sp>
-        <p:nvSpPr>
-          <p:cNvPr id="11" name="Rectangle 10">
-            <a:extLst>
-              <a:ext uri="{FF2B5EF4-FFF2-40B4-BE49-F238E27FC236}">
-                <a16:creationId xmlns:a16="http://schemas.microsoft.com/office/drawing/2014/main" id="{F60D9B38-5067-4841-9B4A-CE7786A2CB4A}"/>
-              </a:ext>
-            </a:extLst>
-          </p:cNvPr>
-          <p:cNvSpPr/>
+      <p:pic>
+        <p:nvPicPr>
+          <p:cNvPr id="2" name="Picture 1">
+            <a:extLst>
+              <a:ext uri="{FF2B5EF4-FFF2-40B4-BE49-F238E27FC236}">
+                <a16:creationId xmlns:a16="http://schemas.microsoft.com/office/drawing/2014/main" id="{621F7668-4E09-46B8-B253-77FF69AC0847}"/>
+              </a:ext>
+            </a:extLst>
+          </p:cNvPr>
+          <p:cNvPicPr>
+            <a:picLocks noChangeAspect="1"/>
+          </p:cNvPicPr>
           <p:nvPr/>
-        </p:nvSpPr>
-        <p:spPr>
-          <a:xfrm>
-            <a:off x="2177191" y="588106"/>
-            <a:ext cx="7802136" cy="4128694"/>
+        </p:nvPicPr>
+        <p:blipFill>
+          <a:blip r:embed="rId2"/>
+          <a:stretch>
+            <a:fillRect/>
+          </a:stretch>
+        </p:blipFill>
+        <p:spPr>
+          <a:xfrm>
+            <a:off x="116140" y="607410"/>
+            <a:ext cx="11957489" cy="5690589"/>
           </a:xfrm>
           <a:prstGeom prst="rect">
             <a:avLst/>
           </a:prstGeom>
-          <a:noFill/>
-        </p:spPr>
-        <p:txBody>
-          <a:bodyPr wrap="none" lIns="91440" tIns="45720" rIns="91440" bIns="45720">
-            <a:spAutoFit/>
-          </a:bodyPr>
-          <a:lstStyle/>
-          <a:p>
-            <a:pPr algn="ctr"/>
-            <a:r>
-              <a:rPr lang="en-US" sz="8800" b="1" cap="none" spc="0" dirty="0">
-                <a:ln w="9525">
-                  <a:solidFill>
-                    <a:schemeClr val="bg1"/>
-                  </a:solidFill>
-                  <a:prstDash val="solid"/>
-                </a:ln>
-                <a:solidFill>
-                  <a:schemeClr val="accent5"/>
-                </a:solidFill>
-                <a:effectLst>
-                  <a:outerShdw blurRad="12700" dist="38100" dir="2700000" algn="tl" rotWithShape="0">
-                    <a:schemeClr val="accent5">
-                      <a:lumMod val="60000"/>
-                      <a:lumOff val="40000"/>
-                    </a:schemeClr>
-                  </a:outerShdw>
-                </a:effectLst>
-                <a:latin typeface="Verdana" panose="020B0604030504040204" pitchFamily="34" charset="0"/>
-                <a:ea typeface="Verdana" panose="020B0604030504040204" pitchFamily="34" charset="0"/>
-              </a:rPr>
-              <a:t>Demo</a:t>
-            </a:r>
-          </a:p>
-          <a:p>
-            <a:pPr marL="1371600" indent="-1371600" algn="ctr">
-              <a:buAutoNum type="arabicPeriod"/>
-            </a:pPr>
-            <a:endParaRPr lang="en-US" sz="4000" b="1" cap="none" spc="0" dirty="0">
-              <a:ln w="9525">
-                <a:solidFill>
-                  <a:schemeClr val="bg1"/>
-                </a:solidFill>
-                <a:prstDash val="solid"/>
-              </a:ln>
-              <a:solidFill>
-                <a:schemeClr val="accent5"/>
-              </a:solidFill>
-              <a:effectLst>
-                <a:outerShdw blurRad="12700" dist="38100" dir="2700000" algn="tl" rotWithShape="0">
-                  <a:schemeClr val="accent5">
-                    <a:lumMod val="60000"/>
-                    <a:lumOff val="40000"/>
-                  </a:schemeClr>
-                </a:outerShdw>
-              </a:effectLst>
-              <a:latin typeface="Verdana" panose="020B0604030504040204" pitchFamily="34" charset="0"/>
-              <a:ea typeface="Verdana" panose="020B0604030504040204" pitchFamily="34" charset="0"/>
-            </a:endParaRPr>
-          </a:p>
-          <a:p>
-            <a:pPr algn="ctr">
-              <a:lnSpc>
-                <a:spcPct val="150000"/>
-              </a:lnSpc>
-            </a:pPr>
-            <a:r>
-              <a:rPr lang="en-US" sz="4800" b="1" dirty="0">
-                <a:ln w="9525">
-                  <a:solidFill>
-                    <a:schemeClr val="bg1"/>
-                  </a:solidFill>
-                  <a:prstDash val="solid"/>
-                </a:ln>
-                <a:solidFill>
-                  <a:schemeClr val="accent5"/>
-                </a:solidFill>
-                <a:effectLst>
-                  <a:outerShdw blurRad="12700" dist="38100" dir="2700000" algn="tl" rotWithShape="0">
-                    <a:schemeClr val="accent5">
-                      <a:lumMod val="60000"/>
-                      <a:lumOff val="40000"/>
-                    </a:schemeClr>
-                  </a:outerShdw>
-                </a:effectLst>
-                <a:latin typeface="Verdana" panose="020B0604030504040204" pitchFamily="34" charset="0"/>
-                <a:ea typeface="Verdana" panose="020B0604030504040204" pitchFamily="34" charset="0"/>
-              </a:rPr>
-              <a:t>Adding gRPC Logging </a:t>
-            </a:r>
-          </a:p>
-          <a:p>
-            <a:pPr algn="ctr">
-              <a:lnSpc>
-                <a:spcPct val="150000"/>
-              </a:lnSpc>
-            </a:pPr>
-            <a:r>
-              <a:rPr lang="en-US" sz="4800" b="1" dirty="0">
-                <a:ln w="9525">
-                  <a:solidFill>
-                    <a:schemeClr val="bg1"/>
-                  </a:solidFill>
-                  <a:prstDash val="solid"/>
-                </a:ln>
-                <a:solidFill>
-                  <a:schemeClr val="accent5"/>
-                </a:solidFill>
-                <a:effectLst>
-                  <a:outerShdw blurRad="12700" dist="38100" dir="2700000" algn="tl" rotWithShape="0">
-                    <a:schemeClr val="accent5">
-                      <a:lumMod val="60000"/>
-                      <a:lumOff val="40000"/>
-                    </a:schemeClr>
-                  </a:outerShdw>
-                </a:effectLst>
-                <a:latin typeface="Verdana" panose="020B0604030504040204" pitchFamily="34" charset="0"/>
-                <a:ea typeface="Verdana" panose="020B0604030504040204" pitchFamily="34" charset="0"/>
-              </a:rPr>
-              <a:t>inside Server</a:t>
-            </a:r>
-          </a:p>
-        </p:txBody>
-      </p:sp>
+          <a:ln>
+            <a:solidFill>
+              <a:schemeClr val="accent1"/>
+            </a:solidFill>
+          </a:ln>
+        </p:spPr>
+      </p:pic>
     </p:spTree>
     <p:extLst>
       <p:ext uri="{BB962C8B-B14F-4D97-AF65-F5344CB8AC3E}">
-        <p14:creationId xmlns:p14="http://schemas.microsoft.com/office/powerpoint/2010/main" val="3983832829"/>
+        <p14:creationId xmlns:p14="http://schemas.microsoft.com/office/powerpoint/2010/main" val="1585486029"/>
       </p:ext>
     </p:extLst>
   </p:cSld>
